--- a/doc/ds_timeseries_Alifanov.pptx
+++ b/doc/ds_timeseries_Alifanov.pptx
@@ -5,34 +5,37 @@
     <p:sldMasterId id="2147483655" r:id="rId1"/>
   </p:sldMasterIdLst>
   <p:notesMasterIdLst>
-    <p:notesMasterId r:id="rId10"/>
+    <p:notesMasterId r:id="rId13"/>
   </p:notesMasterIdLst>
   <p:sldIdLst>
     <p:sldId id="256" r:id="rId2"/>
     <p:sldId id="262" r:id="rId3"/>
     <p:sldId id="257" r:id="rId4"/>
     <p:sldId id="263" r:id="rId5"/>
-    <p:sldId id="258" r:id="rId6"/>
-    <p:sldId id="259" r:id="rId7"/>
-    <p:sldId id="260" r:id="rId8"/>
-    <p:sldId id="261" r:id="rId9"/>
+    <p:sldId id="264" r:id="rId6"/>
+    <p:sldId id="265" r:id="rId7"/>
+    <p:sldId id="266" r:id="rId8"/>
+    <p:sldId id="258" r:id="rId9"/>
+    <p:sldId id="259" r:id="rId10"/>
+    <p:sldId id="260" r:id="rId11"/>
+    <p:sldId id="261" r:id="rId12"/>
   </p:sldIdLst>
   <p:sldSz cx="9144000" cy="5143500" type="screen16x9"/>
   <p:notesSz cx="6858000" cy="9144000"/>
   <p:embeddedFontLst>
     <p:embeddedFont>
       <p:font typeface="Proxima Nova" panose="020B0604020202020204" charset="0"/>
-      <p:regular r:id="rId11"/>
-      <p:bold r:id="rId12"/>
-      <p:italic r:id="rId13"/>
-      <p:boldItalic r:id="rId14"/>
+      <p:regular r:id="rId14"/>
+      <p:bold r:id="rId15"/>
+      <p:italic r:id="rId16"/>
+      <p:boldItalic r:id="rId17"/>
     </p:embeddedFont>
     <p:embeddedFont>
       <p:font typeface="Ubuntu" panose="020B0604020202020204" charset="0"/>
-      <p:regular r:id="rId15"/>
-      <p:bold r:id="rId16"/>
-      <p:italic r:id="rId17"/>
-      <p:boldItalic r:id="rId18"/>
+      <p:regular r:id="rId18"/>
+      <p:bold r:id="rId19"/>
+      <p:italic r:id="rId20"/>
+      <p:boldItalic r:id="rId21"/>
     </p:embeddedFont>
   </p:embeddedFontLst>
   <p:defaultTextStyle>
@@ -812,6 +815,214 @@
 </p:notes>
 </file>
 
+<file path=ppt/notesSlides/notesSlide10.xml><?xml version="1.0" encoding="utf-8"?>
+<p:notes xmlns:a="http://schemas.openxmlformats.org/drawingml/2006/main" xmlns:r="http://schemas.openxmlformats.org/officeDocument/2006/relationships" xmlns:p="http://schemas.openxmlformats.org/presentationml/2006/main" showMasterSp="0" showMasterPhAnim="0">
+  <p:cSld>
+    <p:spTree>
+      <p:nvGrpSpPr>
+        <p:cNvPr id="1" name="Shape 61"/>
+        <p:cNvGrpSpPr/>
+        <p:nvPr/>
+      </p:nvGrpSpPr>
+      <p:grpSpPr>
+        <a:xfrm>
+          <a:off x="0" y="0"/>
+          <a:ext cx="0" cy="0"/>
+          <a:chOff x="0" y="0"/>
+          <a:chExt cx="0" cy="0"/>
+        </a:xfrm>
+      </p:grpSpPr>
+      <p:sp>
+        <p:nvSpPr>
+          <p:cNvPr id="62" name="Google Shape;62;g79dc1f345_315:notes"/>
+          <p:cNvSpPr>
+            <a:spLocks noGrp="1" noRot="1" noChangeAspect="1"/>
+          </p:cNvSpPr>
+          <p:nvPr>
+            <p:ph type="sldImg" idx="2"/>
+          </p:nvPr>
+        </p:nvSpPr>
+        <p:spPr>
+          <a:xfrm>
+            <a:off x="381188" y="685800"/>
+            <a:ext cx="6096300" cy="3429000"/>
+          </a:xfrm>
+          <a:custGeom>
+            <a:avLst/>
+            <a:gdLst/>
+            <a:ahLst/>
+            <a:cxnLst/>
+            <a:rect l="l" t="t" r="r" b="b"/>
+            <a:pathLst>
+              <a:path w="120000" h="120000" extrusionOk="0">
+                <a:moveTo>
+                  <a:pt x="0" y="0"/>
+                </a:moveTo>
+                <a:lnTo>
+                  <a:pt x="120000" y="0"/>
+                </a:lnTo>
+                <a:lnTo>
+                  <a:pt x="120000" y="120000"/>
+                </a:lnTo>
+                <a:lnTo>
+                  <a:pt x="0" y="120000"/>
+                </a:lnTo>
+                <a:close/>
+              </a:path>
+            </a:pathLst>
+          </a:custGeom>
+        </p:spPr>
+      </p:sp>
+      <p:sp>
+        <p:nvSpPr>
+          <p:cNvPr id="63" name="Google Shape;63;g79dc1f345_315:notes"/>
+          <p:cNvSpPr txBox="1">
+            <a:spLocks noGrp="1"/>
+          </p:cNvSpPr>
+          <p:nvPr>
+            <p:ph type="body" idx="1"/>
+          </p:nvPr>
+        </p:nvSpPr>
+        <p:spPr>
+          <a:xfrm>
+            <a:off x="685800" y="4343400"/>
+            <a:ext cx="5486400" cy="4114800"/>
+          </a:xfrm>
+          <a:prstGeom prst="rect">
+            <a:avLst/>
+          </a:prstGeom>
+        </p:spPr>
+        <p:txBody>
+          <a:bodyPr spcFirstLastPara="1" wrap="square" lIns="91425" tIns="91425" rIns="91425" bIns="91425" anchor="t" anchorCtr="0">
+            <a:noAutofit/>
+          </a:bodyPr>
+          <a:lstStyle/>
+          <a:p>
+            <a:pPr marL="0" lvl="0" indent="0" algn="l" rtl="0">
+              <a:spcBef>
+                <a:spcPts val="0"/>
+              </a:spcBef>
+              <a:spcAft>
+                <a:spcPts val="0"/>
+              </a:spcAft>
+              <a:buNone/>
+            </a:pPr>
+            <a:endParaRPr/>
+          </a:p>
+        </p:txBody>
+      </p:sp>
+    </p:spTree>
+  </p:cSld>
+  <p:clrMapOvr>
+    <a:masterClrMapping/>
+  </p:clrMapOvr>
+</p:notes>
+</file>
+
+<file path=ppt/notesSlides/notesSlide11.xml><?xml version="1.0" encoding="utf-8"?>
+<p:notes xmlns:a="http://schemas.openxmlformats.org/drawingml/2006/main" xmlns:r="http://schemas.openxmlformats.org/officeDocument/2006/relationships" xmlns:p="http://schemas.openxmlformats.org/presentationml/2006/main" showMasterSp="0" showMasterPhAnim="0">
+  <p:cSld>
+    <p:spTree>
+      <p:nvGrpSpPr>
+        <p:cNvPr id="1" name="Shape 68"/>
+        <p:cNvGrpSpPr/>
+        <p:nvPr/>
+      </p:nvGrpSpPr>
+      <p:grpSpPr>
+        <a:xfrm>
+          <a:off x="0" y="0"/>
+          <a:ext cx="0" cy="0"/>
+          <a:chOff x="0" y="0"/>
+          <a:chExt cx="0" cy="0"/>
+        </a:xfrm>
+      </p:grpSpPr>
+      <p:sp>
+        <p:nvSpPr>
+          <p:cNvPr id="69" name="Google Shape;69;g79dc1f345_912:notes"/>
+          <p:cNvSpPr>
+            <a:spLocks noGrp="1" noRot="1" noChangeAspect="1"/>
+          </p:cNvSpPr>
+          <p:nvPr>
+            <p:ph type="sldImg" idx="2"/>
+          </p:nvPr>
+        </p:nvSpPr>
+        <p:spPr>
+          <a:xfrm>
+            <a:off x="381188" y="685800"/>
+            <a:ext cx="6096300" cy="3429000"/>
+          </a:xfrm>
+          <a:custGeom>
+            <a:avLst/>
+            <a:gdLst/>
+            <a:ahLst/>
+            <a:cxnLst/>
+            <a:rect l="l" t="t" r="r" b="b"/>
+            <a:pathLst>
+              <a:path w="120000" h="120000" extrusionOk="0">
+                <a:moveTo>
+                  <a:pt x="0" y="0"/>
+                </a:moveTo>
+                <a:lnTo>
+                  <a:pt x="120000" y="0"/>
+                </a:lnTo>
+                <a:lnTo>
+                  <a:pt x="120000" y="120000"/>
+                </a:lnTo>
+                <a:lnTo>
+                  <a:pt x="0" y="120000"/>
+                </a:lnTo>
+                <a:close/>
+              </a:path>
+            </a:pathLst>
+          </a:custGeom>
+        </p:spPr>
+      </p:sp>
+      <p:sp>
+        <p:nvSpPr>
+          <p:cNvPr id="70" name="Google Shape;70;g79dc1f345_912:notes"/>
+          <p:cNvSpPr txBox="1">
+            <a:spLocks noGrp="1"/>
+          </p:cNvSpPr>
+          <p:nvPr>
+            <p:ph type="body" idx="1"/>
+          </p:nvPr>
+        </p:nvSpPr>
+        <p:spPr>
+          <a:xfrm>
+            <a:off x="685800" y="4343400"/>
+            <a:ext cx="5486400" cy="4114800"/>
+          </a:xfrm>
+          <a:prstGeom prst="rect">
+            <a:avLst/>
+          </a:prstGeom>
+        </p:spPr>
+        <p:txBody>
+          <a:bodyPr spcFirstLastPara="1" wrap="square" lIns="91425" tIns="91425" rIns="91425" bIns="91425" anchor="t" anchorCtr="0">
+            <a:noAutofit/>
+          </a:bodyPr>
+          <a:lstStyle/>
+          <a:p>
+            <a:pPr marL="0" lvl="0" indent="0" algn="l" rtl="0">
+              <a:spcBef>
+                <a:spcPts val="0"/>
+              </a:spcBef>
+              <a:spcAft>
+                <a:spcPts val="0"/>
+              </a:spcAft>
+              <a:buNone/>
+            </a:pPr>
+            <a:endParaRPr/>
+          </a:p>
+        </p:txBody>
+      </p:sp>
+    </p:spTree>
+  </p:cSld>
+  <p:clrMapOvr>
+    <a:masterClrMapping/>
+  </p:clrMapOvr>
+</p:notes>
+</file>
+
 <file path=ppt/notesSlides/notesSlide2.xml><?xml version="1.0" encoding="utf-8"?>
 <p:notes xmlns:a="http://schemas.openxmlformats.org/drawingml/2006/main" xmlns:r="http://schemas.openxmlformats.org/officeDocument/2006/relationships" xmlns:p="http://schemas.openxmlformats.org/presentationml/2006/main" showMasterSp="0" showMasterPhAnim="0">
   <p:cSld>
@@ -1139,6 +1350,333 @@
   <p:cSld>
     <p:spTree>
       <p:nvGrpSpPr>
+        <p:cNvPr id="1" name="Shape 41"/>
+        <p:cNvGrpSpPr/>
+        <p:nvPr/>
+      </p:nvGrpSpPr>
+      <p:grpSpPr>
+        <a:xfrm>
+          <a:off x="0" y="0"/>
+          <a:ext cx="0" cy="0"/>
+          <a:chOff x="0" y="0"/>
+          <a:chExt cx="0" cy="0"/>
+        </a:xfrm>
+      </p:grpSpPr>
+      <p:sp>
+        <p:nvSpPr>
+          <p:cNvPr id="42" name="Google Shape;42;g79dc1f345_30:notes"/>
+          <p:cNvSpPr>
+            <a:spLocks noGrp="1" noRot="1" noChangeAspect="1"/>
+          </p:cNvSpPr>
+          <p:nvPr>
+            <p:ph type="sldImg" idx="2"/>
+          </p:nvPr>
+        </p:nvSpPr>
+        <p:spPr>
+          <a:xfrm>
+            <a:off x="381000" y="685800"/>
+            <a:ext cx="6096000" cy="3429000"/>
+          </a:xfrm>
+          <a:custGeom>
+            <a:avLst/>
+            <a:gdLst/>
+            <a:ahLst/>
+            <a:cxnLst/>
+            <a:rect l="l" t="t" r="r" b="b"/>
+            <a:pathLst>
+              <a:path w="120000" h="120000" extrusionOk="0">
+                <a:moveTo>
+                  <a:pt x="0" y="0"/>
+                </a:moveTo>
+                <a:lnTo>
+                  <a:pt x="120000" y="0"/>
+                </a:lnTo>
+                <a:lnTo>
+                  <a:pt x="120000" y="120000"/>
+                </a:lnTo>
+                <a:lnTo>
+                  <a:pt x="0" y="120000"/>
+                </a:lnTo>
+                <a:close/>
+              </a:path>
+            </a:pathLst>
+          </a:custGeom>
+        </p:spPr>
+      </p:sp>
+      <p:sp>
+        <p:nvSpPr>
+          <p:cNvPr id="43" name="Google Shape;43;g79dc1f345_30:notes"/>
+          <p:cNvSpPr txBox="1">
+            <a:spLocks noGrp="1"/>
+          </p:cNvSpPr>
+          <p:nvPr>
+            <p:ph type="body" idx="1"/>
+          </p:nvPr>
+        </p:nvSpPr>
+        <p:spPr>
+          <a:xfrm>
+            <a:off x="685800" y="4343400"/>
+            <a:ext cx="5486400" cy="4114800"/>
+          </a:xfrm>
+          <a:prstGeom prst="rect">
+            <a:avLst/>
+          </a:prstGeom>
+        </p:spPr>
+        <p:txBody>
+          <a:bodyPr spcFirstLastPara="1" wrap="square" lIns="91425" tIns="91425" rIns="91425" bIns="91425" anchor="t" anchorCtr="0">
+            <a:noAutofit/>
+          </a:bodyPr>
+          <a:lstStyle/>
+          <a:p>
+            <a:pPr marL="0" lvl="0" indent="0" algn="l" rtl="0">
+              <a:spcBef>
+                <a:spcPts val="0"/>
+              </a:spcBef>
+              <a:spcAft>
+                <a:spcPts val="0"/>
+              </a:spcAft>
+              <a:buNone/>
+            </a:pPr>
+            <a:endParaRPr/>
+          </a:p>
+        </p:txBody>
+      </p:sp>
+    </p:spTree>
+    <p:extLst>
+      <p:ext uri="{BB962C8B-B14F-4D97-AF65-F5344CB8AC3E}">
+        <p14:creationId xmlns:p14="http://schemas.microsoft.com/office/powerpoint/2010/main" val="698869545"/>
+      </p:ext>
+    </p:extLst>
+  </p:cSld>
+  <p:clrMapOvr>
+    <a:masterClrMapping/>
+  </p:clrMapOvr>
+</p:notes>
+</file>
+
+<file path=ppt/notesSlides/notesSlide6.xml><?xml version="1.0" encoding="utf-8"?>
+<p:notes xmlns:a="http://schemas.openxmlformats.org/drawingml/2006/main" xmlns:r="http://schemas.openxmlformats.org/officeDocument/2006/relationships" xmlns:p="http://schemas.openxmlformats.org/presentationml/2006/main" showMasterSp="0" showMasterPhAnim="0">
+  <p:cSld>
+    <p:spTree>
+      <p:nvGrpSpPr>
+        <p:cNvPr id="1" name="Shape 41"/>
+        <p:cNvGrpSpPr/>
+        <p:nvPr/>
+      </p:nvGrpSpPr>
+      <p:grpSpPr>
+        <a:xfrm>
+          <a:off x="0" y="0"/>
+          <a:ext cx="0" cy="0"/>
+          <a:chOff x="0" y="0"/>
+          <a:chExt cx="0" cy="0"/>
+        </a:xfrm>
+      </p:grpSpPr>
+      <p:sp>
+        <p:nvSpPr>
+          <p:cNvPr id="42" name="Google Shape;42;g79dc1f345_30:notes"/>
+          <p:cNvSpPr>
+            <a:spLocks noGrp="1" noRot="1" noChangeAspect="1"/>
+          </p:cNvSpPr>
+          <p:nvPr>
+            <p:ph type="sldImg" idx="2"/>
+          </p:nvPr>
+        </p:nvSpPr>
+        <p:spPr>
+          <a:xfrm>
+            <a:off x="381000" y="685800"/>
+            <a:ext cx="6096000" cy="3429000"/>
+          </a:xfrm>
+          <a:custGeom>
+            <a:avLst/>
+            <a:gdLst/>
+            <a:ahLst/>
+            <a:cxnLst/>
+            <a:rect l="l" t="t" r="r" b="b"/>
+            <a:pathLst>
+              <a:path w="120000" h="120000" extrusionOk="0">
+                <a:moveTo>
+                  <a:pt x="0" y="0"/>
+                </a:moveTo>
+                <a:lnTo>
+                  <a:pt x="120000" y="0"/>
+                </a:lnTo>
+                <a:lnTo>
+                  <a:pt x="120000" y="120000"/>
+                </a:lnTo>
+                <a:lnTo>
+                  <a:pt x="0" y="120000"/>
+                </a:lnTo>
+                <a:close/>
+              </a:path>
+            </a:pathLst>
+          </a:custGeom>
+        </p:spPr>
+      </p:sp>
+      <p:sp>
+        <p:nvSpPr>
+          <p:cNvPr id="43" name="Google Shape;43;g79dc1f345_30:notes"/>
+          <p:cNvSpPr txBox="1">
+            <a:spLocks noGrp="1"/>
+          </p:cNvSpPr>
+          <p:nvPr>
+            <p:ph type="body" idx="1"/>
+          </p:nvPr>
+        </p:nvSpPr>
+        <p:spPr>
+          <a:xfrm>
+            <a:off x="685800" y="4343400"/>
+            <a:ext cx="5486400" cy="4114800"/>
+          </a:xfrm>
+          <a:prstGeom prst="rect">
+            <a:avLst/>
+          </a:prstGeom>
+        </p:spPr>
+        <p:txBody>
+          <a:bodyPr spcFirstLastPara="1" wrap="square" lIns="91425" tIns="91425" rIns="91425" bIns="91425" anchor="t" anchorCtr="0">
+            <a:noAutofit/>
+          </a:bodyPr>
+          <a:lstStyle/>
+          <a:p>
+            <a:pPr marL="0" lvl="0" indent="0" algn="l" rtl="0">
+              <a:spcBef>
+                <a:spcPts val="0"/>
+              </a:spcBef>
+              <a:spcAft>
+                <a:spcPts val="0"/>
+              </a:spcAft>
+              <a:buNone/>
+            </a:pPr>
+            <a:endParaRPr/>
+          </a:p>
+        </p:txBody>
+      </p:sp>
+    </p:spTree>
+    <p:extLst>
+      <p:ext uri="{BB962C8B-B14F-4D97-AF65-F5344CB8AC3E}">
+        <p14:creationId xmlns:p14="http://schemas.microsoft.com/office/powerpoint/2010/main" val="3189116315"/>
+      </p:ext>
+    </p:extLst>
+  </p:cSld>
+  <p:clrMapOvr>
+    <a:masterClrMapping/>
+  </p:clrMapOvr>
+</p:notes>
+</file>
+
+<file path=ppt/notesSlides/notesSlide7.xml><?xml version="1.0" encoding="utf-8"?>
+<p:notes xmlns:a="http://schemas.openxmlformats.org/drawingml/2006/main" xmlns:r="http://schemas.openxmlformats.org/officeDocument/2006/relationships" xmlns:p="http://schemas.openxmlformats.org/presentationml/2006/main" showMasterSp="0" showMasterPhAnim="0">
+  <p:cSld>
+    <p:spTree>
+      <p:nvGrpSpPr>
+        <p:cNvPr id="1" name="Shape 41"/>
+        <p:cNvGrpSpPr/>
+        <p:nvPr/>
+      </p:nvGrpSpPr>
+      <p:grpSpPr>
+        <a:xfrm>
+          <a:off x="0" y="0"/>
+          <a:ext cx="0" cy="0"/>
+          <a:chOff x="0" y="0"/>
+          <a:chExt cx="0" cy="0"/>
+        </a:xfrm>
+      </p:grpSpPr>
+      <p:sp>
+        <p:nvSpPr>
+          <p:cNvPr id="42" name="Google Shape;42;g79dc1f345_30:notes"/>
+          <p:cNvSpPr>
+            <a:spLocks noGrp="1" noRot="1" noChangeAspect="1"/>
+          </p:cNvSpPr>
+          <p:nvPr>
+            <p:ph type="sldImg" idx="2"/>
+          </p:nvPr>
+        </p:nvSpPr>
+        <p:spPr>
+          <a:xfrm>
+            <a:off x="381000" y="685800"/>
+            <a:ext cx="6096000" cy="3429000"/>
+          </a:xfrm>
+          <a:custGeom>
+            <a:avLst/>
+            <a:gdLst/>
+            <a:ahLst/>
+            <a:cxnLst/>
+            <a:rect l="l" t="t" r="r" b="b"/>
+            <a:pathLst>
+              <a:path w="120000" h="120000" extrusionOk="0">
+                <a:moveTo>
+                  <a:pt x="0" y="0"/>
+                </a:moveTo>
+                <a:lnTo>
+                  <a:pt x="120000" y="0"/>
+                </a:lnTo>
+                <a:lnTo>
+                  <a:pt x="120000" y="120000"/>
+                </a:lnTo>
+                <a:lnTo>
+                  <a:pt x="0" y="120000"/>
+                </a:lnTo>
+                <a:close/>
+              </a:path>
+            </a:pathLst>
+          </a:custGeom>
+        </p:spPr>
+      </p:sp>
+      <p:sp>
+        <p:nvSpPr>
+          <p:cNvPr id="43" name="Google Shape;43;g79dc1f345_30:notes"/>
+          <p:cNvSpPr txBox="1">
+            <a:spLocks noGrp="1"/>
+          </p:cNvSpPr>
+          <p:nvPr>
+            <p:ph type="body" idx="1"/>
+          </p:nvPr>
+        </p:nvSpPr>
+        <p:spPr>
+          <a:xfrm>
+            <a:off x="685800" y="4343400"/>
+            <a:ext cx="5486400" cy="4114800"/>
+          </a:xfrm>
+          <a:prstGeom prst="rect">
+            <a:avLst/>
+          </a:prstGeom>
+        </p:spPr>
+        <p:txBody>
+          <a:bodyPr spcFirstLastPara="1" wrap="square" lIns="91425" tIns="91425" rIns="91425" bIns="91425" anchor="t" anchorCtr="0">
+            <a:noAutofit/>
+          </a:bodyPr>
+          <a:lstStyle/>
+          <a:p>
+            <a:pPr marL="0" lvl="0" indent="0" algn="l" rtl="0">
+              <a:spcBef>
+                <a:spcPts val="0"/>
+              </a:spcBef>
+              <a:spcAft>
+                <a:spcPts val="0"/>
+              </a:spcAft>
+              <a:buNone/>
+            </a:pPr>
+            <a:endParaRPr/>
+          </a:p>
+        </p:txBody>
+      </p:sp>
+    </p:spTree>
+    <p:extLst>
+      <p:ext uri="{BB962C8B-B14F-4D97-AF65-F5344CB8AC3E}">
+        <p14:creationId xmlns:p14="http://schemas.microsoft.com/office/powerpoint/2010/main" val="2646136935"/>
+      </p:ext>
+    </p:extLst>
+  </p:cSld>
+  <p:clrMapOvr>
+    <a:masterClrMapping/>
+  </p:clrMapOvr>
+</p:notes>
+</file>
+
+<file path=ppt/notesSlides/notesSlide8.xml><?xml version="1.0" encoding="utf-8"?>
+<p:notes xmlns:a="http://schemas.openxmlformats.org/drawingml/2006/main" xmlns:r="http://schemas.openxmlformats.org/officeDocument/2006/relationships" xmlns:p="http://schemas.openxmlformats.org/presentationml/2006/main" showMasterSp="0" showMasterPhAnim="0">
+  <p:cSld>
+    <p:spTree>
+      <p:nvGrpSpPr>
         <p:cNvPr id="1" name="Shape 47"/>
         <p:cNvGrpSpPr/>
         <p:nvPr/>
@@ -1238,7 +1776,7 @@
 </p:notes>
 </file>
 
-<file path=ppt/notesSlides/notesSlide6.xml><?xml version="1.0" encoding="utf-8"?>
+<file path=ppt/notesSlides/notesSlide9.xml><?xml version="1.0" encoding="utf-8"?>
 <p:notes xmlns:a="http://schemas.openxmlformats.org/drawingml/2006/main" xmlns:r="http://schemas.openxmlformats.org/officeDocument/2006/relationships" xmlns:p="http://schemas.openxmlformats.org/presentationml/2006/main" showMasterSp="0" showMasterPhAnim="0">
   <p:cSld>
     <p:spTree>
@@ -1299,214 +1837,6 @@
       <p:sp>
         <p:nvSpPr>
           <p:cNvPr id="56" name="Google Shape;56;g79dc1f345_333:notes"/>
-          <p:cNvSpPr txBox="1">
-            <a:spLocks noGrp="1"/>
-          </p:cNvSpPr>
-          <p:nvPr>
-            <p:ph type="body" idx="1"/>
-          </p:nvPr>
-        </p:nvSpPr>
-        <p:spPr>
-          <a:xfrm>
-            <a:off x="685800" y="4343400"/>
-            <a:ext cx="5486400" cy="4114800"/>
-          </a:xfrm>
-          <a:prstGeom prst="rect">
-            <a:avLst/>
-          </a:prstGeom>
-        </p:spPr>
-        <p:txBody>
-          <a:bodyPr spcFirstLastPara="1" wrap="square" lIns="91425" tIns="91425" rIns="91425" bIns="91425" anchor="t" anchorCtr="0">
-            <a:noAutofit/>
-          </a:bodyPr>
-          <a:lstStyle/>
-          <a:p>
-            <a:pPr marL="0" lvl="0" indent="0" algn="l" rtl="0">
-              <a:spcBef>
-                <a:spcPts val="0"/>
-              </a:spcBef>
-              <a:spcAft>
-                <a:spcPts val="0"/>
-              </a:spcAft>
-              <a:buNone/>
-            </a:pPr>
-            <a:endParaRPr/>
-          </a:p>
-        </p:txBody>
-      </p:sp>
-    </p:spTree>
-  </p:cSld>
-  <p:clrMapOvr>
-    <a:masterClrMapping/>
-  </p:clrMapOvr>
-</p:notes>
-</file>
-
-<file path=ppt/notesSlides/notesSlide7.xml><?xml version="1.0" encoding="utf-8"?>
-<p:notes xmlns:a="http://schemas.openxmlformats.org/drawingml/2006/main" xmlns:r="http://schemas.openxmlformats.org/officeDocument/2006/relationships" xmlns:p="http://schemas.openxmlformats.org/presentationml/2006/main" showMasterSp="0" showMasterPhAnim="0">
-  <p:cSld>
-    <p:spTree>
-      <p:nvGrpSpPr>
-        <p:cNvPr id="1" name="Shape 61"/>
-        <p:cNvGrpSpPr/>
-        <p:nvPr/>
-      </p:nvGrpSpPr>
-      <p:grpSpPr>
-        <a:xfrm>
-          <a:off x="0" y="0"/>
-          <a:ext cx="0" cy="0"/>
-          <a:chOff x="0" y="0"/>
-          <a:chExt cx="0" cy="0"/>
-        </a:xfrm>
-      </p:grpSpPr>
-      <p:sp>
-        <p:nvSpPr>
-          <p:cNvPr id="62" name="Google Shape;62;g79dc1f345_315:notes"/>
-          <p:cNvSpPr>
-            <a:spLocks noGrp="1" noRot="1" noChangeAspect="1"/>
-          </p:cNvSpPr>
-          <p:nvPr>
-            <p:ph type="sldImg" idx="2"/>
-          </p:nvPr>
-        </p:nvSpPr>
-        <p:spPr>
-          <a:xfrm>
-            <a:off x="381188" y="685800"/>
-            <a:ext cx="6096300" cy="3429000"/>
-          </a:xfrm>
-          <a:custGeom>
-            <a:avLst/>
-            <a:gdLst/>
-            <a:ahLst/>
-            <a:cxnLst/>
-            <a:rect l="l" t="t" r="r" b="b"/>
-            <a:pathLst>
-              <a:path w="120000" h="120000" extrusionOk="0">
-                <a:moveTo>
-                  <a:pt x="0" y="0"/>
-                </a:moveTo>
-                <a:lnTo>
-                  <a:pt x="120000" y="0"/>
-                </a:lnTo>
-                <a:lnTo>
-                  <a:pt x="120000" y="120000"/>
-                </a:lnTo>
-                <a:lnTo>
-                  <a:pt x="0" y="120000"/>
-                </a:lnTo>
-                <a:close/>
-              </a:path>
-            </a:pathLst>
-          </a:custGeom>
-        </p:spPr>
-      </p:sp>
-      <p:sp>
-        <p:nvSpPr>
-          <p:cNvPr id="63" name="Google Shape;63;g79dc1f345_315:notes"/>
-          <p:cNvSpPr txBox="1">
-            <a:spLocks noGrp="1"/>
-          </p:cNvSpPr>
-          <p:nvPr>
-            <p:ph type="body" idx="1"/>
-          </p:nvPr>
-        </p:nvSpPr>
-        <p:spPr>
-          <a:xfrm>
-            <a:off x="685800" y="4343400"/>
-            <a:ext cx="5486400" cy="4114800"/>
-          </a:xfrm>
-          <a:prstGeom prst="rect">
-            <a:avLst/>
-          </a:prstGeom>
-        </p:spPr>
-        <p:txBody>
-          <a:bodyPr spcFirstLastPara="1" wrap="square" lIns="91425" tIns="91425" rIns="91425" bIns="91425" anchor="t" anchorCtr="0">
-            <a:noAutofit/>
-          </a:bodyPr>
-          <a:lstStyle/>
-          <a:p>
-            <a:pPr marL="0" lvl="0" indent="0" algn="l" rtl="0">
-              <a:spcBef>
-                <a:spcPts val="0"/>
-              </a:spcBef>
-              <a:spcAft>
-                <a:spcPts val="0"/>
-              </a:spcAft>
-              <a:buNone/>
-            </a:pPr>
-            <a:endParaRPr/>
-          </a:p>
-        </p:txBody>
-      </p:sp>
-    </p:spTree>
-  </p:cSld>
-  <p:clrMapOvr>
-    <a:masterClrMapping/>
-  </p:clrMapOvr>
-</p:notes>
-</file>
-
-<file path=ppt/notesSlides/notesSlide8.xml><?xml version="1.0" encoding="utf-8"?>
-<p:notes xmlns:a="http://schemas.openxmlformats.org/drawingml/2006/main" xmlns:r="http://schemas.openxmlformats.org/officeDocument/2006/relationships" xmlns:p="http://schemas.openxmlformats.org/presentationml/2006/main" showMasterSp="0" showMasterPhAnim="0">
-  <p:cSld>
-    <p:spTree>
-      <p:nvGrpSpPr>
-        <p:cNvPr id="1" name="Shape 68"/>
-        <p:cNvGrpSpPr/>
-        <p:nvPr/>
-      </p:nvGrpSpPr>
-      <p:grpSpPr>
-        <a:xfrm>
-          <a:off x="0" y="0"/>
-          <a:ext cx="0" cy="0"/>
-          <a:chOff x="0" y="0"/>
-          <a:chExt cx="0" cy="0"/>
-        </a:xfrm>
-      </p:grpSpPr>
-      <p:sp>
-        <p:nvSpPr>
-          <p:cNvPr id="69" name="Google Shape;69;g79dc1f345_912:notes"/>
-          <p:cNvSpPr>
-            <a:spLocks noGrp="1" noRot="1" noChangeAspect="1"/>
-          </p:cNvSpPr>
-          <p:nvPr>
-            <p:ph type="sldImg" idx="2"/>
-          </p:nvPr>
-        </p:nvSpPr>
-        <p:spPr>
-          <a:xfrm>
-            <a:off x="381188" y="685800"/>
-            <a:ext cx="6096300" cy="3429000"/>
-          </a:xfrm>
-          <a:custGeom>
-            <a:avLst/>
-            <a:gdLst/>
-            <a:ahLst/>
-            <a:cxnLst/>
-            <a:rect l="l" t="t" r="r" b="b"/>
-            <a:pathLst>
-              <a:path w="120000" h="120000" extrusionOk="0">
-                <a:moveTo>
-                  <a:pt x="0" y="0"/>
-                </a:moveTo>
-                <a:lnTo>
-                  <a:pt x="120000" y="0"/>
-                </a:lnTo>
-                <a:lnTo>
-                  <a:pt x="120000" y="120000"/>
-                </a:lnTo>
-                <a:lnTo>
-                  <a:pt x="0" y="120000"/>
-                </a:lnTo>
-                <a:close/>
-              </a:path>
-            </a:pathLst>
-          </a:custGeom>
-        </p:spPr>
-      </p:sp>
-      <p:sp>
-        <p:nvSpPr>
-          <p:cNvPr id="70" name="Google Shape;70;g79dc1f345_912:notes"/>
           <p:cNvSpPr txBox="1">
             <a:spLocks noGrp="1"/>
           </p:cNvSpPr>
@@ -5712,6 +6042,475 @@
 </p:sld>
 </file>
 
+<file path=ppt/slides/slide10.xml><?xml version="1.0" encoding="utf-8"?>
+<p:sld xmlns:a="http://schemas.openxmlformats.org/drawingml/2006/main" xmlns:r="http://schemas.openxmlformats.org/officeDocument/2006/relationships" xmlns:p="http://schemas.openxmlformats.org/presentationml/2006/main">
+  <p:cSld>
+    <p:spTree>
+      <p:nvGrpSpPr>
+        <p:cNvPr id="1" name="Shape 64"/>
+        <p:cNvGrpSpPr/>
+        <p:nvPr/>
+      </p:nvGrpSpPr>
+      <p:grpSpPr>
+        <a:xfrm>
+          <a:off x="0" y="0"/>
+          <a:ext cx="0" cy="0"/>
+          <a:chOff x="0" y="0"/>
+          <a:chExt cx="0" cy="0"/>
+        </a:xfrm>
+      </p:grpSpPr>
+      <p:pic>
+        <p:nvPicPr>
+          <p:cNvPr id="65" name="Google Shape;65;p13" descr="Watchface-car-opened.png"/>
+          <p:cNvPicPr preferRelativeResize="0"/>
+          <p:nvPr/>
+        </p:nvPicPr>
+        <p:blipFill rotWithShape="1">
+          <a:blip r:embed="rId3">
+            <a:alphaModFix/>
+          </a:blip>
+          <a:srcRect r="62125"/>
+          <a:stretch/>
+        </p:blipFill>
+        <p:spPr>
+          <a:xfrm>
+            <a:off x="-16050" y="0"/>
+            <a:ext cx="3947397" cy="5143525"/>
+          </a:xfrm>
+          <a:prstGeom prst="rect">
+            <a:avLst/>
+          </a:prstGeom>
+          <a:noFill/>
+          <a:ln>
+            <a:noFill/>
+          </a:ln>
+        </p:spPr>
+      </p:pic>
+      <p:sp>
+        <p:nvSpPr>
+          <p:cNvPr id="66" name="Google Shape;66;p13"/>
+          <p:cNvSpPr txBox="1">
+            <a:spLocks noGrp="1"/>
+          </p:cNvSpPr>
+          <p:nvPr>
+            <p:ph type="title"/>
+          </p:nvPr>
+        </p:nvSpPr>
+        <p:spPr>
+          <a:xfrm>
+            <a:off x="4236075" y="211813"/>
+            <a:ext cx="4654800" cy="857400"/>
+          </a:xfrm>
+          <a:prstGeom prst="rect">
+            <a:avLst/>
+          </a:prstGeom>
+        </p:spPr>
+        <p:txBody>
+          <a:bodyPr spcFirstLastPara="1" wrap="square" lIns="91425" tIns="91425" rIns="91425" bIns="91425" anchor="t" anchorCtr="0">
+            <a:noAutofit/>
+          </a:bodyPr>
+          <a:lstStyle/>
+          <a:p>
+            <a:pPr marL="0" lvl="0" indent="0" algn="l" rtl="0">
+              <a:spcBef>
+                <a:spcPts val="0"/>
+              </a:spcBef>
+              <a:spcAft>
+                <a:spcPts val="0"/>
+              </a:spcAft>
+              <a:buNone/>
+            </a:pPr>
+            <a:r>
+              <a:rPr lang="en">
+                <a:solidFill>
+                  <a:srgbClr val="1155CC"/>
+                </a:solidFill>
+                <a:latin typeface="Proxima Nova"/>
+                <a:ea typeface="Proxima Nova"/>
+                <a:cs typeface="Proxima Nova"/>
+                <a:sym typeface="Proxima Nova"/>
+              </a:rPr>
+              <a:t>Image on left</a:t>
+            </a:r>
+            <a:endParaRPr>
+              <a:solidFill>
+                <a:srgbClr val="1155CC"/>
+              </a:solidFill>
+              <a:latin typeface="Proxima Nova"/>
+              <a:ea typeface="Proxima Nova"/>
+              <a:cs typeface="Proxima Nova"/>
+              <a:sym typeface="Proxima Nova"/>
+            </a:endParaRPr>
+          </a:p>
+        </p:txBody>
+      </p:sp>
+      <p:sp>
+        <p:nvSpPr>
+          <p:cNvPr id="67" name="Google Shape;67;p13"/>
+          <p:cNvSpPr txBox="1">
+            <a:spLocks noGrp="1"/>
+          </p:cNvSpPr>
+          <p:nvPr>
+            <p:ph type="body" idx="1"/>
+          </p:nvPr>
+        </p:nvSpPr>
+        <p:spPr>
+          <a:xfrm>
+            <a:off x="4236075" y="1205988"/>
+            <a:ext cx="4056600" cy="3725700"/>
+          </a:xfrm>
+          <a:prstGeom prst="rect">
+            <a:avLst/>
+          </a:prstGeom>
+        </p:spPr>
+        <p:txBody>
+          <a:bodyPr spcFirstLastPara="1" wrap="square" lIns="91425" tIns="91425" rIns="91425" bIns="91425" anchor="t" anchorCtr="0">
+            <a:noAutofit/>
+          </a:bodyPr>
+          <a:lstStyle/>
+          <a:p>
+            <a:pPr marL="0" lvl="0" indent="0" algn="l" rtl="0">
+              <a:spcBef>
+                <a:spcPts val="600"/>
+              </a:spcBef>
+              <a:spcAft>
+                <a:spcPts val="0"/>
+              </a:spcAft>
+              <a:buNone/>
+            </a:pPr>
+            <a:r>
+              <a:rPr lang="en" sz="2400" b="1">
+                <a:latin typeface="Proxima Nova"/>
+                <a:ea typeface="Proxima Nova"/>
+                <a:cs typeface="Proxima Nova"/>
+                <a:sym typeface="Proxima Nova"/>
+              </a:rPr>
+              <a:t>Cool Feature</a:t>
+            </a:r>
+            <a:endParaRPr sz="2400">
+              <a:latin typeface="Proxima Nova"/>
+              <a:ea typeface="Proxima Nova"/>
+              <a:cs typeface="Proxima Nova"/>
+              <a:sym typeface="Proxima Nova"/>
+            </a:endParaRPr>
+          </a:p>
+          <a:p>
+            <a:pPr marL="457200" lvl="0" indent="-381000" algn="l" rtl="0">
+              <a:spcBef>
+                <a:spcPts val="600"/>
+              </a:spcBef>
+              <a:spcAft>
+                <a:spcPts val="0"/>
+              </a:spcAft>
+              <a:buSzPts val="2400"/>
+              <a:buFont typeface="Proxima Nova"/>
+              <a:buChar char="●"/>
+            </a:pPr>
+            <a:r>
+              <a:rPr lang="en" sz="2400">
+                <a:latin typeface="Proxima Nova"/>
+                <a:ea typeface="Proxima Nova"/>
+                <a:cs typeface="Proxima Nova"/>
+                <a:sym typeface="Proxima Nova"/>
+              </a:rPr>
+              <a:t>List Item 1</a:t>
+            </a:r>
+            <a:endParaRPr sz="2400">
+              <a:latin typeface="Proxima Nova"/>
+              <a:ea typeface="Proxima Nova"/>
+              <a:cs typeface="Proxima Nova"/>
+              <a:sym typeface="Proxima Nova"/>
+            </a:endParaRPr>
+          </a:p>
+          <a:p>
+            <a:pPr marL="457200" lvl="0" indent="-381000" algn="l" rtl="0">
+              <a:spcBef>
+                <a:spcPts val="0"/>
+              </a:spcBef>
+              <a:spcAft>
+                <a:spcPts val="0"/>
+              </a:spcAft>
+              <a:buSzPts val="2400"/>
+              <a:buFont typeface="Proxima Nova"/>
+              <a:buChar char="●"/>
+            </a:pPr>
+            <a:r>
+              <a:rPr lang="en" sz="2400">
+                <a:latin typeface="Proxima Nova"/>
+                <a:ea typeface="Proxima Nova"/>
+                <a:cs typeface="Proxima Nova"/>
+                <a:sym typeface="Proxima Nova"/>
+              </a:rPr>
+              <a:t>List Item 2</a:t>
+            </a:r>
+            <a:endParaRPr sz="2400">
+              <a:latin typeface="Proxima Nova"/>
+              <a:ea typeface="Proxima Nova"/>
+              <a:cs typeface="Proxima Nova"/>
+              <a:sym typeface="Proxima Nova"/>
+            </a:endParaRPr>
+          </a:p>
+          <a:p>
+            <a:pPr marL="0" lvl="0" indent="0" algn="l" rtl="0">
+              <a:spcBef>
+                <a:spcPts val="600"/>
+              </a:spcBef>
+              <a:spcAft>
+                <a:spcPts val="0"/>
+              </a:spcAft>
+              <a:buNone/>
+            </a:pPr>
+            <a:r>
+              <a:rPr lang="en" sz="2400" b="1">
+                <a:latin typeface="Proxima Nova"/>
+                <a:ea typeface="Proxima Nova"/>
+                <a:cs typeface="Proxima Nova"/>
+                <a:sym typeface="Proxima Nova"/>
+              </a:rPr>
+              <a:t>One more</a:t>
+            </a:r>
+            <a:endParaRPr sz="2400" b="1">
+              <a:latin typeface="Proxima Nova"/>
+              <a:ea typeface="Proxima Nova"/>
+              <a:cs typeface="Proxima Nova"/>
+              <a:sym typeface="Proxima Nova"/>
+            </a:endParaRPr>
+          </a:p>
+          <a:p>
+            <a:pPr marL="457200" lvl="0" indent="-381000" algn="l" rtl="0">
+              <a:spcBef>
+                <a:spcPts val="600"/>
+              </a:spcBef>
+              <a:spcAft>
+                <a:spcPts val="0"/>
+              </a:spcAft>
+              <a:buSzPts val="2400"/>
+              <a:buFont typeface="Proxima Nova"/>
+              <a:buChar char="●"/>
+            </a:pPr>
+            <a:r>
+              <a:rPr lang="en" sz="2400">
+                <a:latin typeface="Proxima Nova"/>
+                <a:ea typeface="Proxima Nova"/>
+                <a:cs typeface="Proxima Nova"/>
+                <a:sym typeface="Proxima Nova"/>
+              </a:rPr>
+              <a:t>List Item 1</a:t>
+            </a:r>
+            <a:endParaRPr sz="2400">
+              <a:latin typeface="Proxima Nova"/>
+              <a:ea typeface="Proxima Nova"/>
+              <a:cs typeface="Proxima Nova"/>
+              <a:sym typeface="Proxima Nova"/>
+            </a:endParaRPr>
+          </a:p>
+          <a:p>
+            <a:pPr marL="457200" lvl="0" indent="-381000" algn="l" rtl="0">
+              <a:spcBef>
+                <a:spcPts val="0"/>
+              </a:spcBef>
+              <a:spcAft>
+                <a:spcPts val="0"/>
+              </a:spcAft>
+              <a:buSzPts val="2400"/>
+              <a:buFont typeface="Proxima Nova"/>
+              <a:buChar char="●"/>
+            </a:pPr>
+            <a:r>
+              <a:rPr lang="en" sz="2400">
+                <a:latin typeface="Proxima Nova"/>
+                <a:ea typeface="Proxima Nova"/>
+                <a:cs typeface="Proxima Nova"/>
+                <a:sym typeface="Proxima Nova"/>
+              </a:rPr>
+              <a:t>List Item 2</a:t>
+            </a:r>
+            <a:endParaRPr sz="2400">
+              <a:latin typeface="Proxima Nova"/>
+              <a:ea typeface="Proxima Nova"/>
+              <a:cs typeface="Proxima Nova"/>
+              <a:sym typeface="Proxima Nova"/>
+            </a:endParaRPr>
+          </a:p>
+        </p:txBody>
+      </p:sp>
+    </p:spTree>
+  </p:cSld>
+  <p:clrMapOvr>
+    <a:masterClrMapping/>
+  </p:clrMapOvr>
+</p:sld>
+</file>
+
+<file path=ppt/slides/slide11.xml><?xml version="1.0" encoding="utf-8"?>
+<p:sld xmlns:a="http://schemas.openxmlformats.org/drawingml/2006/main" xmlns:r="http://schemas.openxmlformats.org/officeDocument/2006/relationships" xmlns:p="http://schemas.openxmlformats.org/presentationml/2006/main">
+  <p:cSld>
+    <p:bg>
+      <p:bgPr>
+        <a:solidFill>
+          <a:srgbClr val="1155CC"/>
+        </a:solidFill>
+        <a:effectLst/>
+      </p:bgPr>
+    </p:bg>
+    <p:spTree>
+      <p:nvGrpSpPr>
+        <p:cNvPr id="1" name="Shape 71"/>
+        <p:cNvGrpSpPr/>
+        <p:nvPr/>
+      </p:nvGrpSpPr>
+      <p:grpSpPr>
+        <a:xfrm>
+          <a:off x="0" y="0"/>
+          <a:ext cx="0" cy="0"/>
+          <a:chOff x="0" y="0"/>
+          <a:chExt cx="0" cy="0"/>
+        </a:xfrm>
+      </p:grpSpPr>
+      <p:sp>
+        <p:nvSpPr>
+          <p:cNvPr id="72" name="Google Shape;72;p14"/>
+          <p:cNvSpPr txBox="1">
+            <a:spLocks noGrp="1"/>
+          </p:cNvSpPr>
+          <p:nvPr>
+            <p:ph type="ctrTitle"/>
+          </p:nvPr>
+        </p:nvSpPr>
+        <p:spPr>
+          <a:xfrm>
+            <a:off x="685800" y="1583342"/>
+            <a:ext cx="7772400" cy="1159800"/>
+          </a:xfrm>
+          <a:prstGeom prst="rect">
+            <a:avLst/>
+          </a:prstGeom>
+        </p:spPr>
+        <p:txBody>
+          <a:bodyPr spcFirstLastPara="1" wrap="square" lIns="91425" tIns="91425" rIns="91425" bIns="91425" anchor="b" anchorCtr="0">
+            <a:noAutofit/>
+          </a:bodyPr>
+          <a:lstStyle/>
+          <a:p>
+            <a:pPr marL="0" lvl="0" indent="0" algn="l" rtl="0">
+              <a:spcBef>
+                <a:spcPts val="0"/>
+              </a:spcBef>
+              <a:spcAft>
+                <a:spcPts val="0"/>
+              </a:spcAft>
+              <a:buNone/>
+            </a:pPr>
+            <a:r>
+              <a:rPr lang="en">
+                <a:solidFill>
+                  <a:schemeClr val="lt1"/>
+                </a:solidFill>
+              </a:rPr>
+              <a:t>Inspired by Technology.</a:t>
+            </a:r>
+            <a:endParaRPr>
+              <a:solidFill>
+                <a:schemeClr val="lt1"/>
+              </a:solidFill>
+            </a:endParaRPr>
+          </a:p>
+          <a:p>
+            <a:pPr marL="0" lvl="0" indent="0" algn="l" rtl="0">
+              <a:spcBef>
+                <a:spcPts val="0"/>
+              </a:spcBef>
+              <a:spcAft>
+                <a:spcPts val="0"/>
+              </a:spcAft>
+              <a:buNone/>
+            </a:pPr>
+            <a:r>
+              <a:rPr lang="en">
+                <a:solidFill>
+                  <a:schemeClr val="lt1"/>
+                </a:solidFill>
+              </a:rPr>
+              <a:t>Driven by Value.</a:t>
+            </a:r>
+            <a:endParaRPr/>
+          </a:p>
+        </p:txBody>
+      </p:sp>
+      <p:sp>
+        <p:nvSpPr>
+          <p:cNvPr id="73" name="Google Shape;73;p14"/>
+          <p:cNvSpPr txBox="1">
+            <a:spLocks noGrp="1"/>
+          </p:cNvSpPr>
+          <p:nvPr>
+            <p:ph type="subTitle" idx="1"/>
+          </p:nvPr>
+        </p:nvSpPr>
+        <p:spPr>
+          <a:xfrm>
+            <a:off x="685800" y="2611454"/>
+            <a:ext cx="7772400" cy="784800"/>
+          </a:xfrm>
+          <a:prstGeom prst="rect">
+            <a:avLst/>
+          </a:prstGeom>
+        </p:spPr>
+        <p:txBody>
+          <a:bodyPr spcFirstLastPara="1" wrap="square" lIns="91425" tIns="91425" rIns="91425" bIns="91425" anchor="t" anchorCtr="0">
+            <a:noAutofit/>
+          </a:bodyPr>
+          <a:lstStyle/>
+          <a:p>
+            <a:pPr marL="0" lvl="0" indent="0" algn="l" rtl="0">
+              <a:spcBef>
+                <a:spcPts val="0"/>
+              </a:spcBef>
+              <a:spcAft>
+                <a:spcPts val="0"/>
+              </a:spcAft>
+              <a:buNone/>
+            </a:pPr>
+            <a:endParaRPr/>
+          </a:p>
+        </p:txBody>
+      </p:sp>
+      <p:pic>
+        <p:nvPicPr>
+          <p:cNvPr id="74" name="Google Shape;74;p14"/>
+          <p:cNvPicPr preferRelativeResize="0"/>
+          <p:nvPr/>
+        </p:nvPicPr>
+        <p:blipFill>
+          <a:blip r:embed="rId3">
+            <a:alphaModFix/>
+          </a:blip>
+          <a:stretch>
+            <a:fillRect/>
+          </a:stretch>
+        </p:blipFill>
+        <p:spPr>
+          <a:xfrm>
+            <a:off x="880225" y="676625"/>
+            <a:ext cx="828905" cy="227400"/>
+          </a:xfrm>
+          <a:prstGeom prst="rect">
+            <a:avLst/>
+          </a:prstGeom>
+          <a:noFill/>
+          <a:ln>
+            <a:noFill/>
+          </a:ln>
+        </p:spPr>
+      </p:pic>
+    </p:spTree>
+  </p:cSld>
+  <p:clrMapOvr>
+    <a:masterClrMapping/>
+  </p:clrMapOvr>
+</p:sld>
+</file>
+
 <file path=ppt/slides/slide2.xml><?xml version="1.0" encoding="utf-8"?>
 <p:sld xmlns:a="http://schemas.openxmlformats.org/drawingml/2006/main" xmlns:r="http://schemas.openxmlformats.org/officeDocument/2006/relationships" xmlns:p="http://schemas.openxmlformats.org/presentationml/2006/main">
   <p:cSld>
@@ -6920,6 +7719,352 @@
         </p:nvSpPr>
         <p:spPr>
           <a:xfrm>
+            <a:off x="457200" y="249279"/>
+            <a:ext cx="8229600" cy="737189"/>
+          </a:xfrm>
+          <a:prstGeom prst="rect">
+            <a:avLst/>
+          </a:prstGeom>
+        </p:spPr>
+        <p:txBody>
+          <a:bodyPr spcFirstLastPara="1" wrap="square" lIns="91425" tIns="91425" rIns="91425" bIns="91425" anchor="t" anchorCtr="0">
+            <a:noAutofit/>
+          </a:bodyPr>
+          <a:lstStyle/>
+          <a:p>
+            <a:pPr marL="0" lvl="0" indent="0" algn="l" rtl="0">
+              <a:spcBef>
+                <a:spcPts val="0"/>
+              </a:spcBef>
+              <a:spcAft>
+                <a:spcPts val="0"/>
+              </a:spcAft>
+              <a:buNone/>
+            </a:pPr>
+            <a:r>
+              <a:rPr lang="en-US" dirty="0"/>
+              <a:t>Regions production</a:t>
+            </a:r>
+            <a:endParaRPr dirty="0">
+              <a:solidFill>
+                <a:srgbClr val="1155CC"/>
+              </a:solidFill>
+              <a:latin typeface="Proxima Nova"/>
+              <a:ea typeface="Proxima Nova"/>
+              <a:cs typeface="Proxima Nova"/>
+              <a:sym typeface="Proxima Nova"/>
+            </a:endParaRPr>
+          </a:p>
+        </p:txBody>
+      </p:sp>
+      <p:pic>
+        <p:nvPicPr>
+          <p:cNvPr id="2" name="Picture 1">
+            <a:extLst>
+              <a:ext uri="{FF2B5EF4-FFF2-40B4-BE49-F238E27FC236}">
+                <a16:creationId xmlns:a16="http://schemas.microsoft.com/office/drawing/2014/main" id="{9A973AEE-31F2-4886-A407-A80F036D2D27}"/>
+              </a:ext>
+            </a:extLst>
+          </p:cNvPr>
+          <p:cNvPicPr>
+            <a:picLocks noChangeAspect="1"/>
+          </p:cNvPicPr>
+          <p:nvPr/>
+        </p:nvPicPr>
+        <p:blipFill>
+          <a:blip r:embed="rId3"/>
+          <a:stretch>
+            <a:fillRect/>
+          </a:stretch>
+        </p:blipFill>
+        <p:spPr>
+          <a:xfrm>
+            <a:off x="0" y="893135"/>
+            <a:ext cx="9144000" cy="4001086"/>
+          </a:xfrm>
+          <a:prstGeom prst="rect">
+            <a:avLst/>
+          </a:prstGeom>
+        </p:spPr>
+      </p:pic>
+    </p:spTree>
+    <p:extLst>
+      <p:ext uri="{BB962C8B-B14F-4D97-AF65-F5344CB8AC3E}">
+        <p14:creationId xmlns:p14="http://schemas.microsoft.com/office/powerpoint/2010/main" val="755639322"/>
+      </p:ext>
+    </p:extLst>
+  </p:cSld>
+  <p:clrMapOvr>
+    <a:masterClrMapping/>
+  </p:clrMapOvr>
+</p:sld>
+</file>
+
+<file path=ppt/slides/slide5.xml><?xml version="1.0" encoding="utf-8"?>
+<p:sld xmlns:a="http://schemas.openxmlformats.org/drawingml/2006/main" xmlns:r="http://schemas.openxmlformats.org/officeDocument/2006/relationships" xmlns:p="http://schemas.openxmlformats.org/presentationml/2006/main">
+  <p:cSld>
+    <p:spTree>
+      <p:nvGrpSpPr>
+        <p:cNvPr id="1" name="Shape 44"/>
+        <p:cNvGrpSpPr/>
+        <p:nvPr/>
+      </p:nvGrpSpPr>
+      <p:grpSpPr>
+        <a:xfrm>
+          <a:off x="0" y="0"/>
+          <a:ext cx="0" cy="0"/>
+          <a:chOff x="0" y="0"/>
+          <a:chExt cx="0" cy="0"/>
+        </a:xfrm>
+      </p:grpSpPr>
+      <p:sp>
+        <p:nvSpPr>
+          <p:cNvPr id="45" name="Google Shape;45;p10"/>
+          <p:cNvSpPr txBox="1">
+            <a:spLocks noGrp="1"/>
+          </p:cNvSpPr>
+          <p:nvPr>
+            <p:ph type="title"/>
+          </p:nvPr>
+        </p:nvSpPr>
+        <p:spPr>
+          <a:xfrm>
+            <a:off x="457200" y="358378"/>
+            <a:ext cx="8229600" cy="591464"/>
+          </a:xfrm>
+          <a:prstGeom prst="rect">
+            <a:avLst/>
+          </a:prstGeom>
+        </p:spPr>
+        <p:txBody>
+          <a:bodyPr spcFirstLastPara="1" wrap="square" lIns="91425" tIns="91425" rIns="91425" bIns="91425" anchor="t" anchorCtr="0">
+            <a:noAutofit/>
+          </a:bodyPr>
+          <a:lstStyle/>
+          <a:p>
+            <a:pPr marL="0" lvl="0" indent="0" algn="l" rtl="0">
+              <a:spcBef>
+                <a:spcPts val="0"/>
+              </a:spcBef>
+              <a:spcAft>
+                <a:spcPts val="0"/>
+              </a:spcAft>
+              <a:buNone/>
+            </a:pPr>
+            <a:r>
+              <a:rPr lang="en-US" dirty="0">
+                <a:solidFill>
+                  <a:srgbClr val="1155CC"/>
+                </a:solidFill>
+                <a:latin typeface="Proxima Nova"/>
+                <a:ea typeface="Proxima Nova"/>
+                <a:cs typeface="Proxima Nova"/>
+                <a:sym typeface="Proxima Nova"/>
+              </a:rPr>
+              <a:t>Planted area</a:t>
+            </a:r>
+            <a:endParaRPr dirty="0">
+              <a:solidFill>
+                <a:srgbClr val="1155CC"/>
+              </a:solidFill>
+              <a:latin typeface="Proxima Nova"/>
+              <a:ea typeface="Proxima Nova"/>
+              <a:cs typeface="Proxima Nova"/>
+              <a:sym typeface="Proxima Nova"/>
+            </a:endParaRPr>
+          </a:p>
+        </p:txBody>
+      </p:sp>
+      <p:pic>
+        <p:nvPicPr>
+          <p:cNvPr id="4" name="Picture 3">
+            <a:extLst>
+              <a:ext uri="{FF2B5EF4-FFF2-40B4-BE49-F238E27FC236}">
+                <a16:creationId xmlns:a16="http://schemas.microsoft.com/office/drawing/2014/main" id="{80DEBDF4-9CB2-4F6D-8130-1E734AB81633}"/>
+              </a:ext>
+            </a:extLst>
+          </p:cNvPr>
+          <p:cNvPicPr>
+            <a:picLocks noChangeAspect="1"/>
+          </p:cNvPicPr>
+          <p:nvPr/>
+        </p:nvPicPr>
+        <p:blipFill>
+          <a:blip r:embed="rId3"/>
+          <a:stretch>
+            <a:fillRect/>
+          </a:stretch>
+        </p:blipFill>
+        <p:spPr>
+          <a:xfrm>
+            <a:off x="109870" y="949842"/>
+            <a:ext cx="8924260" cy="3895933"/>
+          </a:xfrm>
+          <a:prstGeom prst="rect">
+            <a:avLst/>
+          </a:prstGeom>
+        </p:spPr>
+      </p:pic>
+    </p:spTree>
+    <p:extLst>
+      <p:ext uri="{BB962C8B-B14F-4D97-AF65-F5344CB8AC3E}">
+        <p14:creationId xmlns:p14="http://schemas.microsoft.com/office/powerpoint/2010/main" val="1428756972"/>
+      </p:ext>
+    </p:extLst>
+  </p:cSld>
+  <p:clrMapOvr>
+    <a:masterClrMapping/>
+  </p:clrMapOvr>
+</p:sld>
+</file>
+
+<file path=ppt/slides/slide6.xml><?xml version="1.0" encoding="utf-8"?>
+<p:sld xmlns:a="http://schemas.openxmlformats.org/drawingml/2006/main" xmlns:r="http://schemas.openxmlformats.org/officeDocument/2006/relationships" xmlns:p="http://schemas.openxmlformats.org/presentationml/2006/main">
+  <p:cSld>
+    <p:spTree>
+      <p:nvGrpSpPr>
+        <p:cNvPr id="1" name="Shape 44"/>
+        <p:cNvGrpSpPr/>
+        <p:nvPr/>
+      </p:nvGrpSpPr>
+      <p:grpSpPr>
+        <a:xfrm>
+          <a:off x="0" y="0"/>
+          <a:ext cx="0" cy="0"/>
+          <a:chOff x="0" y="0"/>
+          <a:chExt cx="0" cy="0"/>
+        </a:xfrm>
+      </p:grpSpPr>
+      <p:sp>
+        <p:nvSpPr>
+          <p:cNvPr id="45" name="Google Shape;45;p10"/>
+          <p:cNvSpPr txBox="1">
+            <a:spLocks noGrp="1"/>
+          </p:cNvSpPr>
+          <p:nvPr>
+            <p:ph type="title"/>
+          </p:nvPr>
+        </p:nvSpPr>
+        <p:spPr>
+          <a:xfrm>
+            <a:off x="457200" y="358378"/>
+            <a:ext cx="8229600" cy="612729"/>
+          </a:xfrm>
+          <a:prstGeom prst="rect">
+            <a:avLst/>
+          </a:prstGeom>
+        </p:spPr>
+        <p:txBody>
+          <a:bodyPr spcFirstLastPara="1" wrap="square" lIns="91425" tIns="91425" rIns="91425" bIns="91425" anchor="t" anchorCtr="0">
+            <a:noAutofit/>
+          </a:bodyPr>
+          <a:lstStyle/>
+          <a:p>
+            <a:pPr marL="0" lvl="0" indent="0" algn="l" rtl="0">
+              <a:spcBef>
+                <a:spcPts val="0"/>
+              </a:spcBef>
+              <a:spcAft>
+                <a:spcPts val="0"/>
+              </a:spcAft>
+              <a:buNone/>
+            </a:pPr>
+            <a:r>
+              <a:rPr lang="en-US" dirty="0">
+                <a:solidFill>
+                  <a:srgbClr val="1155CC"/>
+                </a:solidFill>
+                <a:latin typeface="Proxima Nova"/>
+                <a:ea typeface="Proxima Nova"/>
+                <a:cs typeface="Proxima Nova"/>
+                <a:sym typeface="Proxima Nova"/>
+              </a:rPr>
+              <a:t>Rainfalls</a:t>
+            </a:r>
+            <a:endParaRPr dirty="0">
+              <a:solidFill>
+                <a:srgbClr val="1155CC"/>
+              </a:solidFill>
+              <a:latin typeface="Proxima Nova"/>
+              <a:ea typeface="Proxima Nova"/>
+              <a:cs typeface="Proxima Nova"/>
+              <a:sym typeface="Proxima Nova"/>
+            </a:endParaRPr>
+          </a:p>
+        </p:txBody>
+      </p:sp>
+      <p:pic>
+        <p:nvPicPr>
+          <p:cNvPr id="4" name="Picture 3">
+            <a:extLst>
+              <a:ext uri="{FF2B5EF4-FFF2-40B4-BE49-F238E27FC236}">
+                <a16:creationId xmlns:a16="http://schemas.microsoft.com/office/drawing/2014/main" id="{E1DA3BE7-0135-4623-AA3C-E635D4B9C843}"/>
+              </a:ext>
+            </a:extLst>
+          </p:cNvPr>
+          <p:cNvPicPr>
+            <a:picLocks noChangeAspect="1"/>
+          </p:cNvPicPr>
+          <p:nvPr/>
+        </p:nvPicPr>
+        <p:blipFill>
+          <a:blip r:embed="rId3"/>
+          <a:stretch>
+            <a:fillRect/>
+          </a:stretch>
+        </p:blipFill>
+        <p:spPr>
+          <a:xfrm>
+            <a:off x="0" y="921488"/>
+            <a:ext cx="9144000" cy="4013482"/>
+          </a:xfrm>
+          <a:prstGeom prst="rect">
+            <a:avLst/>
+          </a:prstGeom>
+        </p:spPr>
+      </p:pic>
+    </p:spTree>
+    <p:extLst>
+      <p:ext uri="{BB962C8B-B14F-4D97-AF65-F5344CB8AC3E}">
+        <p14:creationId xmlns:p14="http://schemas.microsoft.com/office/powerpoint/2010/main" val="2465871789"/>
+      </p:ext>
+    </p:extLst>
+  </p:cSld>
+  <p:clrMapOvr>
+    <a:masterClrMapping/>
+  </p:clrMapOvr>
+</p:sld>
+</file>
+
+<file path=ppt/slides/slide7.xml><?xml version="1.0" encoding="utf-8"?>
+<p:sld xmlns:a="http://schemas.openxmlformats.org/drawingml/2006/main" xmlns:r="http://schemas.openxmlformats.org/officeDocument/2006/relationships" xmlns:p="http://schemas.openxmlformats.org/presentationml/2006/main">
+  <p:cSld>
+    <p:spTree>
+      <p:nvGrpSpPr>
+        <p:cNvPr id="1" name="Shape 44"/>
+        <p:cNvGrpSpPr/>
+        <p:nvPr/>
+      </p:nvGrpSpPr>
+      <p:grpSpPr>
+        <a:xfrm>
+          <a:off x="0" y="0"/>
+          <a:ext cx="0" cy="0"/>
+          <a:chOff x="0" y="0"/>
+          <a:chExt cx="0" cy="0"/>
+        </a:xfrm>
+      </p:grpSpPr>
+      <p:sp>
+        <p:nvSpPr>
+          <p:cNvPr id="45" name="Google Shape;45;p10"/>
+          <p:cNvSpPr txBox="1">
+            <a:spLocks noGrp="1"/>
+          </p:cNvSpPr>
+          <p:nvPr>
+            <p:ph type="title"/>
+          </p:nvPr>
+        </p:nvSpPr>
+        <p:spPr>
+          <a:xfrm>
             <a:off x="457200" y="358378"/>
             <a:ext cx="8229600" cy="857400"/>
           </a:xfrm>
@@ -7043,7 +8188,7 @@
     </p:spTree>
     <p:extLst>
       <p:ext uri="{BB962C8B-B14F-4D97-AF65-F5344CB8AC3E}">
-        <p14:creationId xmlns:p14="http://schemas.microsoft.com/office/powerpoint/2010/main" val="755639322"/>
+        <p14:creationId xmlns:p14="http://schemas.microsoft.com/office/powerpoint/2010/main" val="3822690145"/>
       </p:ext>
     </p:extLst>
   </p:cSld>
@@ -7053,7 +8198,7 @@
 </p:sld>
 </file>
 
-<file path=ppt/slides/slide5.xml><?xml version="1.0" encoding="utf-8"?>
+<file path=ppt/slides/slide8.xml><?xml version="1.0" encoding="utf-8"?>
 <p:sld xmlns:a="http://schemas.openxmlformats.org/drawingml/2006/main" xmlns:r="http://schemas.openxmlformats.org/officeDocument/2006/relationships" xmlns:p="http://schemas.openxmlformats.org/presentationml/2006/main">
   <p:cSld>
     <p:bg>
@@ -7413,7 +8558,7 @@
 </p:sld>
 </file>
 
-<file path=ppt/slides/slide6.xml><?xml version="1.0" encoding="utf-8"?>
+<file path=ppt/slides/slide9.xml><?xml version="1.0" encoding="utf-8"?>
 <p:sld xmlns:a="http://schemas.openxmlformats.org/drawingml/2006/main" xmlns:r="http://schemas.openxmlformats.org/officeDocument/2006/relationships" xmlns:p="http://schemas.openxmlformats.org/presentationml/2006/main">
   <p:cSld>
     <p:bg>
@@ -7656,475 +8801,6 @@
           </a:p>
         </p:txBody>
       </p:sp>
-    </p:spTree>
-  </p:cSld>
-  <p:clrMapOvr>
-    <a:masterClrMapping/>
-  </p:clrMapOvr>
-</p:sld>
-</file>
-
-<file path=ppt/slides/slide7.xml><?xml version="1.0" encoding="utf-8"?>
-<p:sld xmlns:a="http://schemas.openxmlformats.org/drawingml/2006/main" xmlns:r="http://schemas.openxmlformats.org/officeDocument/2006/relationships" xmlns:p="http://schemas.openxmlformats.org/presentationml/2006/main">
-  <p:cSld>
-    <p:spTree>
-      <p:nvGrpSpPr>
-        <p:cNvPr id="1" name="Shape 64"/>
-        <p:cNvGrpSpPr/>
-        <p:nvPr/>
-      </p:nvGrpSpPr>
-      <p:grpSpPr>
-        <a:xfrm>
-          <a:off x="0" y="0"/>
-          <a:ext cx="0" cy="0"/>
-          <a:chOff x="0" y="0"/>
-          <a:chExt cx="0" cy="0"/>
-        </a:xfrm>
-      </p:grpSpPr>
-      <p:pic>
-        <p:nvPicPr>
-          <p:cNvPr id="65" name="Google Shape;65;p13" descr="Watchface-car-opened.png"/>
-          <p:cNvPicPr preferRelativeResize="0"/>
-          <p:nvPr/>
-        </p:nvPicPr>
-        <p:blipFill rotWithShape="1">
-          <a:blip r:embed="rId3">
-            <a:alphaModFix/>
-          </a:blip>
-          <a:srcRect r="62125"/>
-          <a:stretch/>
-        </p:blipFill>
-        <p:spPr>
-          <a:xfrm>
-            <a:off x="-16050" y="0"/>
-            <a:ext cx="3947397" cy="5143525"/>
-          </a:xfrm>
-          <a:prstGeom prst="rect">
-            <a:avLst/>
-          </a:prstGeom>
-          <a:noFill/>
-          <a:ln>
-            <a:noFill/>
-          </a:ln>
-        </p:spPr>
-      </p:pic>
-      <p:sp>
-        <p:nvSpPr>
-          <p:cNvPr id="66" name="Google Shape;66;p13"/>
-          <p:cNvSpPr txBox="1">
-            <a:spLocks noGrp="1"/>
-          </p:cNvSpPr>
-          <p:nvPr>
-            <p:ph type="title"/>
-          </p:nvPr>
-        </p:nvSpPr>
-        <p:spPr>
-          <a:xfrm>
-            <a:off x="4236075" y="211813"/>
-            <a:ext cx="4654800" cy="857400"/>
-          </a:xfrm>
-          <a:prstGeom prst="rect">
-            <a:avLst/>
-          </a:prstGeom>
-        </p:spPr>
-        <p:txBody>
-          <a:bodyPr spcFirstLastPara="1" wrap="square" lIns="91425" tIns="91425" rIns="91425" bIns="91425" anchor="t" anchorCtr="0">
-            <a:noAutofit/>
-          </a:bodyPr>
-          <a:lstStyle/>
-          <a:p>
-            <a:pPr marL="0" lvl="0" indent="0" algn="l" rtl="0">
-              <a:spcBef>
-                <a:spcPts val="0"/>
-              </a:spcBef>
-              <a:spcAft>
-                <a:spcPts val="0"/>
-              </a:spcAft>
-              <a:buNone/>
-            </a:pPr>
-            <a:r>
-              <a:rPr lang="en">
-                <a:solidFill>
-                  <a:srgbClr val="1155CC"/>
-                </a:solidFill>
-                <a:latin typeface="Proxima Nova"/>
-                <a:ea typeface="Proxima Nova"/>
-                <a:cs typeface="Proxima Nova"/>
-                <a:sym typeface="Proxima Nova"/>
-              </a:rPr>
-              <a:t>Image on left</a:t>
-            </a:r>
-            <a:endParaRPr>
-              <a:solidFill>
-                <a:srgbClr val="1155CC"/>
-              </a:solidFill>
-              <a:latin typeface="Proxima Nova"/>
-              <a:ea typeface="Proxima Nova"/>
-              <a:cs typeface="Proxima Nova"/>
-              <a:sym typeface="Proxima Nova"/>
-            </a:endParaRPr>
-          </a:p>
-        </p:txBody>
-      </p:sp>
-      <p:sp>
-        <p:nvSpPr>
-          <p:cNvPr id="67" name="Google Shape;67;p13"/>
-          <p:cNvSpPr txBox="1">
-            <a:spLocks noGrp="1"/>
-          </p:cNvSpPr>
-          <p:nvPr>
-            <p:ph type="body" idx="1"/>
-          </p:nvPr>
-        </p:nvSpPr>
-        <p:spPr>
-          <a:xfrm>
-            <a:off x="4236075" y="1205988"/>
-            <a:ext cx="4056600" cy="3725700"/>
-          </a:xfrm>
-          <a:prstGeom prst="rect">
-            <a:avLst/>
-          </a:prstGeom>
-        </p:spPr>
-        <p:txBody>
-          <a:bodyPr spcFirstLastPara="1" wrap="square" lIns="91425" tIns="91425" rIns="91425" bIns="91425" anchor="t" anchorCtr="0">
-            <a:noAutofit/>
-          </a:bodyPr>
-          <a:lstStyle/>
-          <a:p>
-            <a:pPr marL="0" lvl="0" indent="0" algn="l" rtl="0">
-              <a:spcBef>
-                <a:spcPts val="600"/>
-              </a:spcBef>
-              <a:spcAft>
-                <a:spcPts val="0"/>
-              </a:spcAft>
-              <a:buNone/>
-            </a:pPr>
-            <a:r>
-              <a:rPr lang="en" sz="2400" b="1">
-                <a:latin typeface="Proxima Nova"/>
-                <a:ea typeface="Proxima Nova"/>
-                <a:cs typeface="Proxima Nova"/>
-                <a:sym typeface="Proxima Nova"/>
-              </a:rPr>
-              <a:t>Cool Feature</a:t>
-            </a:r>
-            <a:endParaRPr sz="2400">
-              <a:latin typeface="Proxima Nova"/>
-              <a:ea typeface="Proxima Nova"/>
-              <a:cs typeface="Proxima Nova"/>
-              <a:sym typeface="Proxima Nova"/>
-            </a:endParaRPr>
-          </a:p>
-          <a:p>
-            <a:pPr marL="457200" lvl="0" indent="-381000" algn="l" rtl="0">
-              <a:spcBef>
-                <a:spcPts val="600"/>
-              </a:spcBef>
-              <a:spcAft>
-                <a:spcPts val="0"/>
-              </a:spcAft>
-              <a:buSzPts val="2400"/>
-              <a:buFont typeface="Proxima Nova"/>
-              <a:buChar char="●"/>
-            </a:pPr>
-            <a:r>
-              <a:rPr lang="en" sz="2400">
-                <a:latin typeface="Proxima Nova"/>
-                <a:ea typeface="Proxima Nova"/>
-                <a:cs typeface="Proxima Nova"/>
-                <a:sym typeface="Proxima Nova"/>
-              </a:rPr>
-              <a:t>List Item 1</a:t>
-            </a:r>
-            <a:endParaRPr sz="2400">
-              <a:latin typeface="Proxima Nova"/>
-              <a:ea typeface="Proxima Nova"/>
-              <a:cs typeface="Proxima Nova"/>
-              <a:sym typeface="Proxima Nova"/>
-            </a:endParaRPr>
-          </a:p>
-          <a:p>
-            <a:pPr marL="457200" lvl="0" indent="-381000" algn="l" rtl="0">
-              <a:spcBef>
-                <a:spcPts val="0"/>
-              </a:spcBef>
-              <a:spcAft>
-                <a:spcPts val="0"/>
-              </a:spcAft>
-              <a:buSzPts val="2400"/>
-              <a:buFont typeface="Proxima Nova"/>
-              <a:buChar char="●"/>
-            </a:pPr>
-            <a:r>
-              <a:rPr lang="en" sz="2400">
-                <a:latin typeface="Proxima Nova"/>
-                <a:ea typeface="Proxima Nova"/>
-                <a:cs typeface="Proxima Nova"/>
-                <a:sym typeface="Proxima Nova"/>
-              </a:rPr>
-              <a:t>List Item 2</a:t>
-            </a:r>
-            <a:endParaRPr sz="2400">
-              <a:latin typeface="Proxima Nova"/>
-              <a:ea typeface="Proxima Nova"/>
-              <a:cs typeface="Proxima Nova"/>
-              <a:sym typeface="Proxima Nova"/>
-            </a:endParaRPr>
-          </a:p>
-          <a:p>
-            <a:pPr marL="0" lvl="0" indent="0" algn="l" rtl="0">
-              <a:spcBef>
-                <a:spcPts val="600"/>
-              </a:spcBef>
-              <a:spcAft>
-                <a:spcPts val="0"/>
-              </a:spcAft>
-              <a:buNone/>
-            </a:pPr>
-            <a:r>
-              <a:rPr lang="en" sz="2400" b="1">
-                <a:latin typeface="Proxima Nova"/>
-                <a:ea typeface="Proxima Nova"/>
-                <a:cs typeface="Proxima Nova"/>
-                <a:sym typeface="Proxima Nova"/>
-              </a:rPr>
-              <a:t>One more</a:t>
-            </a:r>
-            <a:endParaRPr sz="2400" b="1">
-              <a:latin typeface="Proxima Nova"/>
-              <a:ea typeface="Proxima Nova"/>
-              <a:cs typeface="Proxima Nova"/>
-              <a:sym typeface="Proxima Nova"/>
-            </a:endParaRPr>
-          </a:p>
-          <a:p>
-            <a:pPr marL="457200" lvl="0" indent="-381000" algn="l" rtl="0">
-              <a:spcBef>
-                <a:spcPts val="600"/>
-              </a:spcBef>
-              <a:spcAft>
-                <a:spcPts val="0"/>
-              </a:spcAft>
-              <a:buSzPts val="2400"/>
-              <a:buFont typeface="Proxima Nova"/>
-              <a:buChar char="●"/>
-            </a:pPr>
-            <a:r>
-              <a:rPr lang="en" sz="2400">
-                <a:latin typeface="Proxima Nova"/>
-                <a:ea typeface="Proxima Nova"/>
-                <a:cs typeface="Proxima Nova"/>
-                <a:sym typeface="Proxima Nova"/>
-              </a:rPr>
-              <a:t>List Item 1</a:t>
-            </a:r>
-            <a:endParaRPr sz="2400">
-              <a:latin typeface="Proxima Nova"/>
-              <a:ea typeface="Proxima Nova"/>
-              <a:cs typeface="Proxima Nova"/>
-              <a:sym typeface="Proxima Nova"/>
-            </a:endParaRPr>
-          </a:p>
-          <a:p>
-            <a:pPr marL="457200" lvl="0" indent="-381000" algn="l" rtl="0">
-              <a:spcBef>
-                <a:spcPts val="0"/>
-              </a:spcBef>
-              <a:spcAft>
-                <a:spcPts val="0"/>
-              </a:spcAft>
-              <a:buSzPts val="2400"/>
-              <a:buFont typeface="Proxima Nova"/>
-              <a:buChar char="●"/>
-            </a:pPr>
-            <a:r>
-              <a:rPr lang="en" sz="2400">
-                <a:latin typeface="Proxima Nova"/>
-                <a:ea typeface="Proxima Nova"/>
-                <a:cs typeface="Proxima Nova"/>
-                <a:sym typeface="Proxima Nova"/>
-              </a:rPr>
-              <a:t>List Item 2</a:t>
-            </a:r>
-            <a:endParaRPr sz="2400">
-              <a:latin typeface="Proxima Nova"/>
-              <a:ea typeface="Proxima Nova"/>
-              <a:cs typeface="Proxima Nova"/>
-              <a:sym typeface="Proxima Nova"/>
-            </a:endParaRPr>
-          </a:p>
-        </p:txBody>
-      </p:sp>
-    </p:spTree>
-  </p:cSld>
-  <p:clrMapOvr>
-    <a:masterClrMapping/>
-  </p:clrMapOvr>
-</p:sld>
-</file>
-
-<file path=ppt/slides/slide8.xml><?xml version="1.0" encoding="utf-8"?>
-<p:sld xmlns:a="http://schemas.openxmlformats.org/drawingml/2006/main" xmlns:r="http://schemas.openxmlformats.org/officeDocument/2006/relationships" xmlns:p="http://schemas.openxmlformats.org/presentationml/2006/main">
-  <p:cSld>
-    <p:bg>
-      <p:bgPr>
-        <a:solidFill>
-          <a:srgbClr val="1155CC"/>
-        </a:solidFill>
-        <a:effectLst/>
-      </p:bgPr>
-    </p:bg>
-    <p:spTree>
-      <p:nvGrpSpPr>
-        <p:cNvPr id="1" name="Shape 71"/>
-        <p:cNvGrpSpPr/>
-        <p:nvPr/>
-      </p:nvGrpSpPr>
-      <p:grpSpPr>
-        <a:xfrm>
-          <a:off x="0" y="0"/>
-          <a:ext cx="0" cy="0"/>
-          <a:chOff x="0" y="0"/>
-          <a:chExt cx="0" cy="0"/>
-        </a:xfrm>
-      </p:grpSpPr>
-      <p:sp>
-        <p:nvSpPr>
-          <p:cNvPr id="72" name="Google Shape;72;p14"/>
-          <p:cNvSpPr txBox="1">
-            <a:spLocks noGrp="1"/>
-          </p:cNvSpPr>
-          <p:nvPr>
-            <p:ph type="ctrTitle"/>
-          </p:nvPr>
-        </p:nvSpPr>
-        <p:spPr>
-          <a:xfrm>
-            <a:off x="685800" y="1583342"/>
-            <a:ext cx="7772400" cy="1159800"/>
-          </a:xfrm>
-          <a:prstGeom prst="rect">
-            <a:avLst/>
-          </a:prstGeom>
-        </p:spPr>
-        <p:txBody>
-          <a:bodyPr spcFirstLastPara="1" wrap="square" lIns="91425" tIns="91425" rIns="91425" bIns="91425" anchor="b" anchorCtr="0">
-            <a:noAutofit/>
-          </a:bodyPr>
-          <a:lstStyle/>
-          <a:p>
-            <a:pPr marL="0" lvl="0" indent="0" algn="l" rtl="0">
-              <a:spcBef>
-                <a:spcPts val="0"/>
-              </a:spcBef>
-              <a:spcAft>
-                <a:spcPts val="0"/>
-              </a:spcAft>
-              <a:buNone/>
-            </a:pPr>
-            <a:r>
-              <a:rPr lang="en">
-                <a:solidFill>
-                  <a:schemeClr val="lt1"/>
-                </a:solidFill>
-              </a:rPr>
-              <a:t>Inspired by Technology.</a:t>
-            </a:r>
-            <a:endParaRPr>
-              <a:solidFill>
-                <a:schemeClr val="lt1"/>
-              </a:solidFill>
-            </a:endParaRPr>
-          </a:p>
-          <a:p>
-            <a:pPr marL="0" lvl="0" indent="0" algn="l" rtl="0">
-              <a:spcBef>
-                <a:spcPts val="0"/>
-              </a:spcBef>
-              <a:spcAft>
-                <a:spcPts val="0"/>
-              </a:spcAft>
-              <a:buNone/>
-            </a:pPr>
-            <a:r>
-              <a:rPr lang="en">
-                <a:solidFill>
-                  <a:schemeClr val="lt1"/>
-                </a:solidFill>
-              </a:rPr>
-              <a:t>Driven by Value.</a:t>
-            </a:r>
-            <a:endParaRPr/>
-          </a:p>
-        </p:txBody>
-      </p:sp>
-      <p:sp>
-        <p:nvSpPr>
-          <p:cNvPr id="73" name="Google Shape;73;p14"/>
-          <p:cNvSpPr txBox="1">
-            <a:spLocks noGrp="1"/>
-          </p:cNvSpPr>
-          <p:nvPr>
-            <p:ph type="subTitle" idx="1"/>
-          </p:nvPr>
-        </p:nvSpPr>
-        <p:spPr>
-          <a:xfrm>
-            <a:off x="685800" y="2611454"/>
-            <a:ext cx="7772400" cy="784800"/>
-          </a:xfrm>
-          <a:prstGeom prst="rect">
-            <a:avLst/>
-          </a:prstGeom>
-        </p:spPr>
-        <p:txBody>
-          <a:bodyPr spcFirstLastPara="1" wrap="square" lIns="91425" tIns="91425" rIns="91425" bIns="91425" anchor="t" anchorCtr="0">
-            <a:noAutofit/>
-          </a:bodyPr>
-          <a:lstStyle/>
-          <a:p>
-            <a:pPr marL="0" lvl="0" indent="0" algn="l" rtl="0">
-              <a:spcBef>
-                <a:spcPts val="0"/>
-              </a:spcBef>
-              <a:spcAft>
-                <a:spcPts val="0"/>
-              </a:spcAft>
-              <a:buNone/>
-            </a:pPr>
-            <a:endParaRPr/>
-          </a:p>
-        </p:txBody>
-      </p:sp>
-      <p:pic>
-        <p:nvPicPr>
-          <p:cNvPr id="74" name="Google Shape;74;p14"/>
-          <p:cNvPicPr preferRelativeResize="0"/>
-          <p:nvPr/>
-        </p:nvPicPr>
-        <p:blipFill>
-          <a:blip r:embed="rId3">
-            <a:alphaModFix/>
-          </a:blip>
-          <a:stretch>
-            <a:fillRect/>
-          </a:stretch>
-        </p:blipFill>
-        <p:spPr>
-          <a:xfrm>
-            <a:off x="880225" y="676625"/>
-            <a:ext cx="828905" cy="227400"/>
-          </a:xfrm>
-          <a:prstGeom prst="rect">
-            <a:avLst/>
-          </a:prstGeom>
-          <a:noFill/>
-          <a:ln>
-            <a:noFill/>
-          </a:ln>
-        </p:spPr>
-      </p:pic>
     </p:spTree>
   </p:cSld>
   <p:clrMapOvr>

--- a/doc/ds_timeseries_Alifanov.pptx
+++ b/doc/ds_timeseries_Alifanov.pptx
@@ -5,7 +5,7 @@
     <p:sldMasterId id="2147483655" r:id="rId1"/>
   </p:sldMasterIdLst>
   <p:notesMasterIdLst>
-    <p:notesMasterId r:id="rId13"/>
+    <p:notesMasterId r:id="rId25"/>
   </p:notesMasterIdLst>
   <p:sldIdLst>
     <p:sldId id="256" r:id="rId2"/>
@@ -14,28 +14,40 @@
     <p:sldId id="263" r:id="rId5"/>
     <p:sldId id="264" r:id="rId6"/>
     <p:sldId id="265" r:id="rId7"/>
-    <p:sldId id="266" r:id="rId8"/>
-    <p:sldId id="258" r:id="rId9"/>
-    <p:sldId id="259" r:id="rId10"/>
-    <p:sldId id="260" r:id="rId11"/>
-    <p:sldId id="261" r:id="rId12"/>
+    <p:sldId id="267" r:id="rId8"/>
+    <p:sldId id="268" r:id="rId9"/>
+    <p:sldId id="266" r:id="rId10"/>
+    <p:sldId id="269" r:id="rId11"/>
+    <p:sldId id="270" r:id="rId12"/>
+    <p:sldId id="271" r:id="rId13"/>
+    <p:sldId id="272" r:id="rId14"/>
+    <p:sldId id="273" r:id="rId15"/>
+    <p:sldId id="274" r:id="rId16"/>
+    <p:sldId id="276" r:id="rId17"/>
+    <p:sldId id="277" r:id="rId18"/>
+    <p:sldId id="275" r:id="rId19"/>
+    <p:sldId id="279" r:id="rId20"/>
+    <p:sldId id="280" r:id="rId21"/>
+    <p:sldId id="278" r:id="rId22"/>
+    <p:sldId id="281" r:id="rId23"/>
+    <p:sldId id="261" r:id="rId24"/>
   </p:sldIdLst>
   <p:sldSz cx="9144000" cy="5143500" type="screen16x9"/>
   <p:notesSz cx="6858000" cy="9144000"/>
   <p:embeddedFontLst>
     <p:embeddedFont>
       <p:font typeface="Proxima Nova" panose="020B0604020202020204" charset="0"/>
-      <p:regular r:id="rId14"/>
-      <p:bold r:id="rId15"/>
-      <p:italic r:id="rId16"/>
-      <p:boldItalic r:id="rId17"/>
+      <p:regular r:id="rId26"/>
+      <p:bold r:id="rId27"/>
+      <p:italic r:id="rId28"/>
+      <p:boldItalic r:id="rId29"/>
     </p:embeddedFont>
     <p:embeddedFont>
       <p:font typeface="Ubuntu" panose="020B0604020202020204" charset="0"/>
-      <p:regular r:id="rId18"/>
-      <p:bold r:id="rId19"/>
-      <p:italic r:id="rId20"/>
-      <p:boldItalic r:id="rId21"/>
+      <p:regular r:id="rId30"/>
+      <p:bold r:id="rId31"/>
+      <p:italic r:id="rId32"/>
+      <p:boldItalic r:id="rId33"/>
     </p:embeddedFont>
   </p:embeddedFontLst>
   <p:defaultTextStyle>
@@ -267,6 +279,11 @@
       </a:defRPr>
     </a:lvl9pPr>
   </p:defaultTextStyle>
+  <p:extLst>
+    <p:ext uri="{EFAFB233-063F-42B5-8137-9DF3F51BA10A}">
+      <p15:sldGuideLst xmlns:p15="http://schemas.microsoft.com/office/powerpoint/2012/main"/>
+    </p:ext>
+  </p:extLst>
 </p:presentation>
 </file>
 
@@ -820,7 +837,7 @@
   <p:cSld>
     <p:spTree>
       <p:nvGrpSpPr>
-        <p:cNvPr id="1" name="Shape 61"/>
+        <p:cNvPr id="1" name="Shape 41"/>
         <p:cNvGrpSpPr/>
         <p:nvPr/>
       </p:nvGrpSpPr>
@@ -834,7 +851,7 @@
       </p:grpSpPr>
       <p:sp>
         <p:nvSpPr>
-          <p:cNvPr id="62" name="Google Shape;62;g79dc1f345_315:notes"/>
+          <p:cNvPr id="42" name="Google Shape;42;g79dc1f345_30:notes"/>
           <p:cNvSpPr>
             <a:spLocks noGrp="1" noRot="1" noChangeAspect="1"/>
           </p:cNvSpPr>
@@ -844,8 +861,8 @@
         </p:nvSpPr>
         <p:spPr>
           <a:xfrm>
-            <a:off x="381188" y="685800"/>
-            <a:ext cx="6096300" cy="3429000"/>
+            <a:off x="381000" y="685800"/>
+            <a:ext cx="6096000" cy="3429000"/>
           </a:xfrm>
           <a:custGeom>
             <a:avLst/>
@@ -875,7 +892,7 @@
       </p:sp>
       <p:sp>
         <p:nvSpPr>
-          <p:cNvPr id="63" name="Google Shape;63;g79dc1f345_315:notes"/>
+          <p:cNvPr id="43" name="Google Shape;43;g79dc1f345_30:notes"/>
           <p:cNvSpPr txBox="1">
             <a:spLocks noGrp="1"/>
           </p:cNvSpPr>
@@ -912,6 +929,11 @@
         </p:txBody>
       </p:sp>
     </p:spTree>
+    <p:extLst>
+      <p:ext uri="{BB962C8B-B14F-4D97-AF65-F5344CB8AC3E}">
+        <p14:creationId xmlns:p14="http://schemas.microsoft.com/office/powerpoint/2010/main" val="2413371141"/>
+      </p:ext>
+    </p:extLst>
   </p:cSld>
   <p:clrMapOvr>
     <a:masterClrMapping/>
@@ -924,7 +946,7 @@
   <p:cSld>
     <p:spTree>
       <p:nvGrpSpPr>
-        <p:cNvPr id="1" name="Shape 68"/>
+        <p:cNvPr id="1" name="Shape 41"/>
         <p:cNvGrpSpPr/>
         <p:nvPr/>
       </p:nvGrpSpPr>
@@ -938,7 +960,7 @@
       </p:grpSpPr>
       <p:sp>
         <p:nvSpPr>
-          <p:cNvPr id="69" name="Google Shape;69;g79dc1f345_912:notes"/>
+          <p:cNvPr id="42" name="Google Shape;42;g79dc1f345_30:notes"/>
           <p:cNvSpPr>
             <a:spLocks noGrp="1" noRot="1" noChangeAspect="1"/>
           </p:cNvSpPr>
@@ -948,8 +970,8 @@
         </p:nvSpPr>
         <p:spPr>
           <a:xfrm>
-            <a:off x="381188" y="685800"/>
-            <a:ext cx="6096300" cy="3429000"/>
+            <a:off x="381000" y="685800"/>
+            <a:ext cx="6096000" cy="3429000"/>
           </a:xfrm>
           <a:custGeom>
             <a:avLst/>
@@ -979,7 +1001,7 @@
       </p:sp>
       <p:sp>
         <p:nvSpPr>
-          <p:cNvPr id="70" name="Google Shape;70;g79dc1f345_912:notes"/>
+          <p:cNvPr id="43" name="Google Shape;43;g79dc1f345_30:notes"/>
           <p:cNvSpPr txBox="1">
             <a:spLocks noGrp="1"/>
           </p:cNvSpPr>
@@ -1016,6 +1038,883 @@
         </p:txBody>
       </p:sp>
     </p:spTree>
+    <p:extLst>
+      <p:ext uri="{BB962C8B-B14F-4D97-AF65-F5344CB8AC3E}">
+        <p14:creationId xmlns:p14="http://schemas.microsoft.com/office/powerpoint/2010/main" val="3456678731"/>
+      </p:ext>
+    </p:extLst>
+  </p:cSld>
+  <p:clrMapOvr>
+    <a:masterClrMapping/>
+  </p:clrMapOvr>
+</p:notes>
+</file>
+
+<file path=ppt/notesSlides/notesSlide12.xml><?xml version="1.0" encoding="utf-8"?>
+<p:notes xmlns:a="http://schemas.openxmlformats.org/drawingml/2006/main" xmlns:r="http://schemas.openxmlformats.org/officeDocument/2006/relationships" xmlns:p="http://schemas.openxmlformats.org/presentationml/2006/main" showMasterSp="0" showMasterPhAnim="0">
+  <p:cSld>
+    <p:spTree>
+      <p:nvGrpSpPr>
+        <p:cNvPr id="1" name="Shape 41"/>
+        <p:cNvGrpSpPr/>
+        <p:nvPr/>
+      </p:nvGrpSpPr>
+      <p:grpSpPr>
+        <a:xfrm>
+          <a:off x="0" y="0"/>
+          <a:ext cx="0" cy="0"/>
+          <a:chOff x="0" y="0"/>
+          <a:chExt cx="0" cy="0"/>
+        </a:xfrm>
+      </p:grpSpPr>
+      <p:sp>
+        <p:nvSpPr>
+          <p:cNvPr id="42" name="Google Shape;42;g79dc1f345_30:notes"/>
+          <p:cNvSpPr>
+            <a:spLocks noGrp="1" noRot="1" noChangeAspect="1"/>
+          </p:cNvSpPr>
+          <p:nvPr>
+            <p:ph type="sldImg" idx="2"/>
+          </p:nvPr>
+        </p:nvSpPr>
+        <p:spPr>
+          <a:xfrm>
+            <a:off x="381000" y="685800"/>
+            <a:ext cx="6096000" cy="3429000"/>
+          </a:xfrm>
+          <a:custGeom>
+            <a:avLst/>
+            <a:gdLst/>
+            <a:ahLst/>
+            <a:cxnLst/>
+            <a:rect l="l" t="t" r="r" b="b"/>
+            <a:pathLst>
+              <a:path w="120000" h="120000" extrusionOk="0">
+                <a:moveTo>
+                  <a:pt x="0" y="0"/>
+                </a:moveTo>
+                <a:lnTo>
+                  <a:pt x="120000" y="0"/>
+                </a:lnTo>
+                <a:lnTo>
+                  <a:pt x="120000" y="120000"/>
+                </a:lnTo>
+                <a:lnTo>
+                  <a:pt x="0" y="120000"/>
+                </a:lnTo>
+                <a:close/>
+              </a:path>
+            </a:pathLst>
+          </a:custGeom>
+        </p:spPr>
+      </p:sp>
+      <p:sp>
+        <p:nvSpPr>
+          <p:cNvPr id="43" name="Google Shape;43;g79dc1f345_30:notes"/>
+          <p:cNvSpPr txBox="1">
+            <a:spLocks noGrp="1"/>
+          </p:cNvSpPr>
+          <p:nvPr>
+            <p:ph type="body" idx="1"/>
+          </p:nvPr>
+        </p:nvSpPr>
+        <p:spPr>
+          <a:xfrm>
+            <a:off x="685800" y="4343400"/>
+            <a:ext cx="5486400" cy="4114800"/>
+          </a:xfrm>
+          <a:prstGeom prst="rect">
+            <a:avLst/>
+          </a:prstGeom>
+        </p:spPr>
+        <p:txBody>
+          <a:bodyPr spcFirstLastPara="1" wrap="square" lIns="91425" tIns="91425" rIns="91425" bIns="91425" anchor="t" anchorCtr="0">
+            <a:noAutofit/>
+          </a:bodyPr>
+          <a:lstStyle/>
+          <a:p>
+            <a:pPr marL="0" lvl="0" indent="0" algn="l" rtl="0">
+              <a:spcBef>
+                <a:spcPts val="0"/>
+              </a:spcBef>
+              <a:spcAft>
+                <a:spcPts val="0"/>
+              </a:spcAft>
+              <a:buNone/>
+            </a:pPr>
+            <a:endParaRPr/>
+          </a:p>
+        </p:txBody>
+      </p:sp>
+    </p:spTree>
+    <p:extLst>
+      <p:ext uri="{BB962C8B-B14F-4D97-AF65-F5344CB8AC3E}">
+        <p14:creationId xmlns:p14="http://schemas.microsoft.com/office/powerpoint/2010/main" val="2089891522"/>
+      </p:ext>
+    </p:extLst>
+  </p:cSld>
+  <p:clrMapOvr>
+    <a:masterClrMapping/>
+  </p:clrMapOvr>
+</p:notes>
+</file>
+
+<file path=ppt/notesSlides/notesSlide13.xml><?xml version="1.0" encoding="utf-8"?>
+<p:notes xmlns:a="http://schemas.openxmlformats.org/drawingml/2006/main" xmlns:r="http://schemas.openxmlformats.org/officeDocument/2006/relationships" xmlns:p="http://schemas.openxmlformats.org/presentationml/2006/main" showMasterSp="0" showMasterPhAnim="0">
+  <p:cSld>
+    <p:spTree>
+      <p:nvGrpSpPr>
+        <p:cNvPr id="1" name="Shape 41"/>
+        <p:cNvGrpSpPr/>
+        <p:nvPr/>
+      </p:nvGrpSpPr>
+      <p:grpSpPr>
+        <a:xfrm>
+          <a:off x="0" y="0"/>
+          <a:ext cx="0" cy="0"/>
+          <a:chOff x="0" y="0"/>
+          <a:chExt cx="0" cy="0"/>
+        </a:xfrm>
+      </p:grpSpPr>
+      <p:sp>
+        <p:nvSpPr>
+          <p:cNvPr id="42" name="Google Shape;42;g79dc1f345_30:notes"/>
+          <p:cNvSpPr>
+            <a:spLocks noGrp="1" noRot="1" noChangeAspect="1"/>
+          </p:cNvSpPr>
+          <p:nvPr>
+            <p:ph type="sldImg" idx="2"/>
+          </p:nvPr>
+        </p:nvSpPr>
+        <p:spPr>
+          <a:xfrm>
+            <a:off x="381000" y="685800"/>
+            <a:ext cx="6096000" cy="3429000"/>
+          </a:xfrm>
+          <a:custGeom>
+            <a:avLst/>
+            <a:gdLst/>
+            <a:ahLst/>
+            <a:cxnLst/>
+            <a:rect l="l" t="t" r="r" b="b"/>
+            <a:pathLst>
+              <a:path w="120000" h="120000" extrusionOk="0">
+                <a:moveTo>
+                  <a:pt x="0" y="0"/>
+                </a:moveTo>
+                <a:lnTo>
+                  <a:pt x="120000" y="0"/>
+                </a:lnTo>
+                <a:lnTo>
+                  <a:pt x="120000" y="120000"/>
+                </a:lnTo>
+                <a:lnTo>
+                  <a:pt x="0" y="120000"/>
+                </a:lnTo>
+                <a:close/>
+              </a:path>
+            </a:pathLst>
+          </a:custGeom>
+        </p:spPr>
+      </p:sp>
+      <p:sp>
+        <p:nvSpPr>
+          <p:cNvPr id="43" name="Google Shape;43;g79dc1f345_30:notes"/>
+          <p:cNvSpPr txBox="1">
+            <a:spLocks noGrp="1"/>
+          </p:cNvSpPr>
+          <p:nvPr>
+            <p:ph type="body" idx="1"/>
+          </p:nvPr>
+        </p:nvSpPr>
+        <p:spPr>
+          <a:xfrm>
+            <a:off x="685800" y="4343400"/>
+            <a:ext cx="5486400" cy="4114800"/>
+          </a:xfrm>
+          <a:prstGeom prst="rect">
+            <a:avLst/>
+          </a:prstGeom>
+        </p:spPr>
+        <p:txBody>
+          <a:bodyPr spcFirstLastPara="1" wrap="square" lIns="91425" tIns="91425" rIns="91425" bIns="91425" anchor="t" anchorCtr="0">
+            <a:noAutofit/>
+          </a:bodyPr>
+          <a:lstStyle/>
+          <a:p>
+            <a:pPr marL="0" lvl="0" indent="0" algn="l" rtl="0">
+              <a:spcBef>
+                <a:spcPts val="0"/>
+              </a:spcBef>
+              <a:spcAft>
+                <a:spcPts val="0"/>
+              </a:spcAft>
+              <a:buNone/>
+            </a:pPr>
+            <a:endParaRPr/>
+          </a:p>
+        </p:txBody>
+      </p:sp>
+    </p:spTree>
+    <p:extLst>
+      <p:ext uri="{BB962C8B-B14F-4D97-AF65-F5344CB8AC3E}">
+        <p14:creationId xmlns:p14="http://schemas.microsoft.com/office/powerpoint/2010/main" val="1277701427"/>
+      </p:ext>
+    </p:extLst>
+  </p:cSld>
+  <p:clrMapOvr>
+    <a:masterClrMapping/>
+  </p:clrMapOvr>
+</p:notes>
+</file>
+
+<file path=ppt/notesSlides/notesSlide14.xml><?xml version="1.0" encoding="utf-8"?>
+<p:notes xmlns:a="http://schemas.openxmlformats.org/drawingml/2006/main" xmlns:r="http://schemas.openxmlformats.org/officeDocument/2006/relationships" xmlns:p="http://schemas.openxmlformats.org/presentationml/2006/main" showMasterSp="0" showMasterPhAnim="0">
+  <p:cSld>
+    <p:spTree>
+      <p:nvGrpSpPr>
+        <p:cNvPr id="1" name="Shape 41"/>
+        <p:cNvGrpSpPr/>
+        <p:nvPr/>
+      </p:nvGrpSpPr>
+      <p:grpSpPr>
+        <a:xfrm>
+          <a:off x="0" y="0"/>
+          <a:ext cx="0" cy="0"/>
+          <a:chOff x="0" y="0"/>
+          <a:chExt cx="0" cy="0"/>
+        </a:xfrm>
+      </p:grpSpPr>
+      <p:sp>
+        <p:nvSpPr>
+          <p:cNvPr id="42" name="Google Shape;42;g79dc1f345_30:notes"/>
+          <p:cNvSpPr>
+            <a:spLocks noGrp="1" noRot="1" noChangeAspect="1"/>
+          </p:cNvSpPr>
+          <p:nvPr>
+            <p:ph type="sldImg" idx="2"/>
+          </p:nvPr>
+        </p:nvSpPr>
+        <p:spPr>
+          <a:xfrm>
+            <a:off x="381000" y="685800"/>
+            <a:ext cx="6096000" cy="3429000"/>
+          </a:xfrm>
+          <a:custGeom>
+            <a:avLst/>
+            <a:gdLst/>
+            <a:ahLst/>
+            <a:cxnLst/>
+            <a:rect l="l" t="t" r="r" b="b"/>
+            <a:pathLst>
+              <a:path w="120000" h="120000" extrusionOk="0">
+                <a:moveTo>
+                  <a:pt x="0" y="0"/>
+                </a:moveTo>
+                <a:lnTo>
+                  <a:pt x="120000" y="0"/>
+                </a:lnTo>
+                <a:lnTo>
+                  <a:pt x="120000" y="120000"/>
+                </a:lnTo>
+                <a:lnTo>
+                  <a:pt x="0" y="120000"/>
+                </a:lnTo>
+                <a:close/>
+              </a:path>
+            </a:pathLst>
+          </a:custGeom>
+        </p:spPr>
+      </p:sp>
+      <p:sp>
+        <p:nvSpPr>
+          <p:cNvPr id="43" name="Google Shape;43;g79dc1f345_30:notes"/>
+          <p:cNvSpPr txBox="1">
+            <a:spLocks noGrp="1"/>
+          </p:cNvSpPr>
+          <p:nvPr>
+            <p:ph type="body" idx="1"/>
+          </p:nvPr>
+        </p:nvSpPr>
+        <p:spPr>
+          <a:xfrm>
+            <a:off x="685800" y="4343400"/>
+            <a:ext cx="5486400" cy="4114800"/>
+          </a:xfrm>
+          <a:prstGeom prst="rect">
+            <a:avLst/>
+          </a:prstGeom>
+        </p:spPr>
+        <p:txBody>
+          <a:bodyPr spcFirstLastPara="1" wrap="square" lIns="91425" tIns="91425" rIns="91425" bIns="91425" anchor="t" anchorCtr="0">
+            <a:noAutofit/>
+          </a:bodyPr>
+          <a:lstStyle/>
+          <a:p>
+            <a:pPr marL="0" lvl="0" indent="0" algn="l" rtl="0">
+              <a:spcBef>
+                <a:spcPts val="0"/>
+              </a:spcBef>
+              <a:spcAft>
+                <a:spcPts val="0"/>
+              </a:spcAft>
+              <a:buNone/>
+            </a:pPr>
+            <a:endParaRPr/>
+          </a:p>
+        </p:txBody>
+      </p:sp>
+    </p:spTree>
+    <p:extLst>
+      <p:ext uri="{BB962C8B-B14F-4D97-AF65-F5344CB8AC3E}">
+        <p14:creationId xmlns:p14="http://schemas.microsoft.com/office/powerpoint/2010/main" val="1822490908"/>
+      </p:ext>
+    </p:extLst>
+  </p:cSld>
+  <p:clrMapOvr>
+    <a:masterClrMapping/>
+  </p:clrMapOvr>
+</p:notes>
+</file>
+
+<file path=ppt/notesSlides/notesSlide15.xml><?xml version="1.0" encoding="utf-8"?>
+<p:notes xmlns:a="http://schemas.openxmlformats.org/drawingml/2006/main" xmlns:r="http://schemas.openxmlformats.org/officeDocument/2006/relationships" xmlns:p="http://schemas.openxmlformats.org/presentationml/2006/main" showMasterSp="0" showMasterPhAnim="0">
+  <p:cSld>
+    <p:spTree>
+      <p:nvGrpSpPr>
+        <p:cNvPr id="1" name="Shape 41"/>
+        <p:cNvGrpSpPr/>
+        <p:nvPr/>
+      </p:nvGrpSpPr>
+      <p:grpSpPr>
+        <a:xfrm>
+          <a:off x="0" y="0"/>
+          <a:ext cx="0" cy="0"/>
+          <a:chOff x="0" y="0"/>
+          <a:chExt cx="0" cy="0"/>
+        </a:xfrm>
+      </p:grpSpPr>
+      <p:sp>
+        <p:nvSpPr>
+          <p:cNvPr id="42" name="Google Shape;42;g79dc1f345_30:notes"/>
+          <p:cNvSpPr>
+            <a:spLocks noGrp="1" noRot="1" noChangeAspect="1"/>
+          </p:cNvSpPr>
+          <p:nvPr>
+            <p:ph type="sldImg" idx="2"/>
+          </p:nvPr>
+        </p:nvSpPr>
+        <p:spPr>
+          <a:xfrm>
+            <a:off x="381000" y="685800"/>
+            <a:ext cx="6096000" cy="3429000"/>
+          </a:xfrm>
+          <a:custGeom>
+            <a:avLst/>
+            <a:gdLst/>
+            <a:ahLst/>
+            <a:cxnLst/>
+            <a:rect l="l" t="t" r="r" b="b"/>
+            <a:pathLst>
+              <a:path w="120000" h="120000" extrusionOk="0">
+                <a:moveTo>
+                  <a:pt x="0" y="0"/>
+                </a:moveTo>
+                <a:lnTo>
+                  <a:pt x="120000" y="0"/>
+                </a:lnTo>
+                <a:lnTo>
+                  <a:pt x="120000" y="120000"/>
+                </a:lnTo>
+                <a:lnTo>
+                  <a:pt x="0" y="120000"/>
+                </a:lnTo>
+                <a:close/>
+              </a:path>
+            </a:pathLst>
+          </a:custGeom>
+        </p:spPr>
+      </p:sp>
+      <p:sp>
+        <p:nvSpPr>
+          <p:cNvPr id="43" name="Google Shape;43;g79dc1f345_30:notes"/>
+          <p:cNvSpPr txBox="1">
+            <a:spLocks noGrp="1"/>
+          </p:cNvSpPr>
+          <p:nvPr>
+            <p:ph type="body" idx="1"/>
+          </p:nvPr>
+        </p:nvSpPr>
+        <p:spPr>
+          <a:xfrm>
+            <a:off x="685800" y="4343400"/>
+            <a:ext cx="5486400" cy="4114800"/>
+          </a:xfrm>
+          <a:prstGeom prst="rect">
+            <a:avLst/>
+          </a:prstGeom>
+        </p:spPr>
+        <p:txBody>
+          <a:bodyPr spcFirstLastPara="1" wrap="square" lIns="91425" tIns="91425" rIns="91425" bIns="91425" anchor="t" anchorCtr="0">
+            <a:noAutofit/>
+          </a:bodyPr>
+          <a:lstStyle/>
+          <a:p>
+            <a:pPr marL="0" lvl="0" indent="0" algn="l" rtl="0">
+              <a:spcBef>
+                <a:spcPts val="0"/>
+              </a:spcBef>
+              <a:spcAft>
+                <a:spcPts val="0"/>
+              </a:spcAft>
+              <a:buNone/>
+            </a:pPr>
+            <a:endParaRPr/>
+          </a:p>
+        </p:txBody>
+      </p:sp>
+    </p:spTree>
+    <p:extLst>
+      <p:ext uri="{BB962C8B-B14F-4D97-AF65-F5344CB8AC3E}">
+        <p14:creationId xmlns:p14="http://schemas.microsoft.com/office/powerpoint/2010/main" val="1518987529"/>
+      </p:ext>
+    </p:extLst>
+  </p:cSld>
+  <p:clrMapOvr>
+    <a:masterClrMapping/>
+  </p:clrMapOvr>
+</p:notes>
+</file>
+
+<file path=ppt/notesSlides/notesSlide16.xml><?xml version="1.0" encoding="utf-8"?>
+<p:notes xmlns:a="http://schemas.openxmlformats.org/drawingml/2006/main" xmlns:r="http://schemas.openxmlformats.org/officeDocument/2006/relationships" xmlns:p="http://schemas.openxmlformats.org/presentationml/2006/main" showMasterSp="0" showMasterPhAnim="0">
+  <p:cSld>
+    <p:spTree>
+      <p:nvGrpSpPr>
+        <p:cNvPr id="1" name="Shape 41"/>
+        <p:cNvGrpSpPr/>
+        <p:nvPr/>
+      </p:nvGrpSpPr>
+      <p:grpSpPr>
+        <a:xfrm>
+          <a:off x="0" y="0"/>
+          <a:ext cx="0" cy="0"/>
+          <a:chOff x="0" y="0"/>
+          <a:chExt cx="0" cy="0"/>
+        </a:xfrm>
+      </p:grpSpPr>
+      <p:sp>
+        <p:nvSpPr>
+          <p:cNvPr id="42" name="Google Shape;42;g79dc1f345_30:notes"/>
+          <p:cNvSpPr>
+            <a:spLocks noGrp="1" noRot="1" noChangeAspect="1"/>
+          </p:cNvSpPr>
+          <p:nvPr>
+            <p:ph type="sldImg" idx="2"/>
+          </p:nvPr>
+        </p:nvSpPr>
+        <p:spPr>
+          <a:xfrm>
+            <a:off x="381000" y="685800"/>
+            <a:ext cx="6096000" cy="3429000"/>
+          </a:xfrm>
+          <a:custGeom>
+            <a:avLst/>
+            <a:gdLst/>
+            <a:ahLst/>
+            <a:cxnLst/>
+            <a:rect l="l" t="t" r="r" b="b"/>
+            <a:pathLst>
+              <a:path w="120000" h="120000" extrusionOk="0">
+                <a:moveTo>
+                  <a:pt x="0" y="0"/>
+                </a:moveTo>
+                <a:lnTo>
+                  <a:pt x="120000" y="0"/>
+                </a:lnTo>
+                <a:lnTo>
+                  <a:pt x="120000" y="120000"/>
+                </a:lnTo>
+                <a:lnTo>
+                  <a:pt x="0" y="120000"/>
+                </a:lnTo>
+                <a:close/>
+              </a:path>
+            </a:pathLst>
+          </a:custGeom>
+        </p:spPr>
+      </p:sp>
+      <p:sp>
+        <p:nvSpPr>
+          <p:cNvPr id="43" name="Google Shape;43;g79dc1f345_30:notes"/>
+          <p:cNvSpPr txBox="1">
+            <a:spLocks noGrp="1"/>
+          </p:cNvSpPr>
+          <p:nvPr>
+            <p:ph type="body" idx="1"/>
+          </p:nvPr>
+        </p:nvSpPr>
+        <p:spPr>
+          <a:xfrm>
+            <a:off x="685800" y="4343400"/>
+            <a:ext cx="5486400" cy="4114800"/>
+          </a:xfrm>
+          <a:prstGeom prst="rect">
+            <a:avLst/>
+          </a:prstGeom>
+        </p:spPr>
+        <p:txBody>
+          <a:bodyPr spcFirstLastPara="1" wrap="square" lIns="91425" tIns="91425" rIns="91425" bIns="91425" anchor="t" anchorCtr="0">
+            <a:noAutofit/>
+          </a:bodyPr>
+          <a:lstStyle/>
+          <a:p>
+            <a:pPr marL="0" lvl="0" indent="0" algn="l" rtl="0">
+              <a:spcBef>
+                <a:spcPts val="0"/>
+              </a:spcBef>
+              <a:spcAft>
+                <a:spcPts val="0"/>
+              </a:spcAft>
+              <a:buNone/>
+            </a:pPr>
+            <a:endParaRPr/>
+          </a:p>
+        </p:txBody>
+      </p:sp>
+    </p:spTree>
+    <p:extLst>
+      <p:ext uri="{BB962C8B-B14F-4D97-AF65-F5344CB8AC3E}">
+        <p14:creationId xmlns:p14="http://schemas.microsoft.com/office/powerpoint/2010/main" val="468301764"/>
+      </p:ext>
+    </p:extLst>
+  </p:cSld>
+  <p:clrMapOvr>
+    <a:masterClrMapping/>
+  </p:clrMapOvr>
+</p:notes>
+</file>
+
+<file path=ppt/notesSlides/notesSlide17.xml><?xml version="1.0" encoding="utf-8"?>
+<p:notes xmlns:a="http://schemas.openxmlformats.org/drawingml/2006/main" xmlns:r="http://schemas.openxmlformats.org/officeDocument/2006/relationships" xmlns:p="http://schemas.openxmlformats.org/presentationml/2006/main" showMasterSp="0" showMasterPhAnim="0">
+  <p:cSld>
+    <p:spTree>
+      <p:nvGrpSpPr>
+        <p:cNvPr id="1" name="Shape 41"/>
+        <p:cNvGrpSpPr/>
+        <p:nvPr/>
+      </p:nvGrpSpPr>
+      <p:grpSpPr>
+        <a:xfrm>
+          <a:off x="0" y="0"/>
+          <a:ext cx="0" cy="0"/>
+          <a:chOff x="0" y="0"/>
+          <a:chExt cx="0" cy="0"/>
+        </a:xfrm>
+      </p:grpSpPr>
+      <p:sp>
+        <p:nvSpPr>
+          <p:cNvPr id="42" name="Google Shape;42;g79dc1f345_30:notes"/>
+          <p:cNvSpPr>
+            <a:spLocks noGrp="1" noRot="1" noChangeAspect="1"/>
+          </p:cNvSpPr>
+          <p:nvPr>
+            <p:ph type="sldImg" idx="2"/>
+          </p:nvPr>
+        </p:nvSpPr>
+        <p:spPr>
+          <a:xfrm>
+            <a:off x="381000" y="685800"/>
+            <a:ext cx="6096000" cy="3429000"/>
+          </a:xfrm>
+          <a:custGeom>
+            <a:avLst/>
+            <a:gdLst/>
+            <a:ahLst/>
+            <a:cxnLst/>
+            <a:rect l="l" t="t" r="r" b="b"/>
+            <a:pathLst>
+              <a:path w="120000" h="120000" extrusionOk="0">
+                <a:moveTo>
+                  <a:pt x="0" y="0"/>
+                </a:moveTo>
+                <a:lnTo>
+                  <a:pt x="120000" y="0"/>
+                </a:lnTo>
+                <a:lnTo>
+                  <a:pt x="120000" y="120000"/>
+                </a:lnTo>
+                <a:lnTo>
+                  <a:pt x="0" y="120000"/>
+                </a:lnTo>
+                <a:close/>
+              </a:path>
+            </a:pathLst>
+          </a:custGeom>
+        </p:spPr>
+      </p:sp>
+      <p:sp>
+        <p:nvSpPr>
+          <p:cNvPr id="43" name="Google Shape;43;g79dc1f345_30:notes"/>
+          <p:cNvSpPr txBox="1">
+            <a:spLocks noGrp="1"/>
+          </p:cNvSpPr>
+          <p:nvPr>
+            <p:ph type="body" idx="1"/>
+          </p:nvPr>
+        </p:nvSpPr>
+        <p:spPr>
+          <a:xfrm>
+            <a:off x="685800" y="4343400"/>
+            <a:ext cx="5486400" cy="4114800"/>
+          </a:xfrm>
+          <a:prstGeom prst="rect">
+            <a:avLst/>
+          </a:prstGeom>
+        </p:spPr>
+        <p:txBody>
+          <a:bodyPr spcFirstLastPara="1" wrap="square" lIns="91425" tIns="91425" rIns="91425" bIns="91425" anchor="t" anchorCtr="0">
+            <a:noAutofit/>
+          </a:bodyPr>
+          <a:lstStyle/>
+          <a:p>
+            <a:pPr marL="0" lvl="0" indent="0" algn="l" rtl="0">
+              <a:spcBef>
+                <a:spcPts val="0"/>
+              </a:spcBef>
+              <a:spcAft>
+                <a:spcPts val="0"/>
+              </a:spcAft>
+              <a:buNone/>
+            </a:pPr>
+            <a:endParaRPr/>
+          </a:p>
+        </p:txBody>
+      </p:sp>
+    </p:spTree>
+    <p:extLst>
+      <p:ext uri="{BB962C8B-B14F-4D97-AF65-F5344CB8AC3E}">
+        <p14:creationId xmlns:p14="http://schemas.microsoft.com/office/powerpoint/2010/main" val="2618419479"/>
+      </p:ext>
+    </p:extLst>
+  </p:cSld>
+  <p:clrMapOvr>
+    <a:masterClrMapping/>
+  </p:clrMapOvr>
+</p:notes>
+</file>
+
+<file path=ppt/notesSlides/notesSlide18.xml><?xml version="1.0" encoding="utf-8"?>
+<p:notes xmlns:a="http://schemas.openxmlformats.org/drawingml/2006/main" xmlns:r="http://schemas.openxmlformats.org/officeDocument/2006/relationships" xmlns:p="http://schemas.openxmlformats.org/presentationml/2006/main" showMasterSp="0" showMasterPhAnim="0">
+  <p:cSld>
+    <p:spTree>
+      <p:nvGrpSpPr>
+        <p:cNvPr id="1" name="Shape 41"/>
+        <p:cNvGrpSpPr/>
+        <p:nvPr/>
+      </p:nvGrpSpPr>
+      <p:grpSpPr>
+        <a:xfrm>
+          <a:off x="0" y="0"/>
+          <a:ext cx="0" cy="0"/>
+          <a:chOff x="0" y="0"/>
+          <a:chExt cx="0" cy="0"/>
+        </a:xfrm>
+      </p:grpSpPr>
+      <p:sp>
+        <p:nvSpPr>
+          <p:cNvPr id="42" name="Google Shape;42;g79dc1f345_30:notes"/>
+          <p:cNvSpPr>
+            <a:spLocks noGrp="1" noRot="1" noChangeAspect="1"/>
+          </p:cNvSpPr>
+          <p:nvPr>
+            <p:ph type="sldImg" idx="2"/>
+          </p:nvPr>
+        </p:nvSpPr>
+        <p:spPr>
+          <a:xfrm>
+            <a:off x="381000" y="685800"/>
+            <a:ext cx="6096000" cy="3429000"/>
+          </a:xfrm>
+          <a:custGeom>
+            <a:avLst/>
+            <a:gdLst/>
+            <a:ahLst/>
+            <a:cxnLst/>
+            <a:rect l="l" t="t" r="r" b="b"/>
+            <a:pathLst>
+              <a:path w="120000" h="120000" extrusionOk="0">
+                <a:moveTo>
+                  <a:pt x="0" y="0"/>
+                </a:moveTo>
+                <a:lnTo>
+                  <a:pt x="120000" y="0"/>
+                </a:lnTo>
+                <a:lnTo>
+                  <a:pt x="120000" y="120000"/>
+                </a:lnTo>
+                <a:lnTo>
+                  <a:pt x="0" y="120000"/>
+                </a:lnTo>
+                <a:close/>
+              </a:path>
+            </a:pathLst>
+          </a:custGeom>
+        </p:spPr>
+      </p:sp>
+      <p:sp>
+        <p:nvSpPr>
+          <p:cNvPr id="43" name="Google Shape;43;g79dc1f345_30:notes"/>
+          <p:cNvSpPr txBox="1">
+            <a:spLocks noGrp="1"/>
+          </p:cNvSpPr>
+          <p:nvPr>
+            <p:ph type="body" idx="1"/>
+          </p:nvPr>
+        </p:nvSpPr>
+        <p:spPr>
+          <a:xfrm>
+            <a:off x="685800" y="4343400"/>
+            <a:ext cx="5486400" cy="4114800"/>
+          </a:xfrm>
+          <a:prstGeom prst="rect">
+            <a:avLst/>
+          </a:prstGeom>
+        </p:spPr>
+        <p:txBody>
+          <a:bodyPr spcFirstLastPara="1" wrap="square" lIns="91425" tIns="91425" rIns="91425" bIns="91425" anchor="t" anchorCtr="0">
+            <a:noAutofit/>
+          </a:bodyPr>
+          <a:lstStyle/>
+          <a:p>
+            <a:pPr marL="0" lvl="0" indent="0" algn="l" rtl="0">
+              <a:spcBef>
+                <a:spcPts val="0"/>
+              </a:spcBef>
+              <a:spcAft>
+                <a:spcPts val="0"/>
+              </a:spcAft>
+              <a:buNone/>
+            </a:pPr>
+            <a:endParaRPr/>
+          </a:p>
+        </p:txBody>
+      </p:sp>
+    </p:spTree>
+    <p:extLst>
+      <p:ext uri="{BB962C8B-B14F-4D97-AF65-F5344CB8AC3E}">
+        <p14:creationId xmlns:p14="http://schemas.microsoft.com/office/powerpoint/2010/main" val="1741796498"/>
+      </p:ext>
+    </p:extLst>
+  </p:cSld>
+  <p:clrMapOvr>
+    <a:masterClrMapping/>
+  </p:clrMapOvr>
+</p:notes>
+</file>
+
+<file path=ppt/notesSlides/notesSlide19.xml><?xml version="1.0" encoding="utf-8"?>
+<p:notes xmlns:a="http://schemas.openxmlformats.org/drawingml/2006/main" xmlns:r="http://schemas.openxmlformats.org/officeDocument/2006/relationships" xmlns:p="http://schemas.openxmlformats.org/presentationml/2006/main" showMasterSp="0" showMasterPhAnim="0">
+  <p:cSld>
+    <p:spTree>
+      <p:nvGrpSpPr>
+        <p:cNvPr id="1" name="Shape 41"/>
+        <p:cNvGrpSpPr/>
+        <p:nvPr/>
+      </p:nvGrpSpPr>
+      <p:grpSpPr>
+        <a:xfrm>
+          <a:off x="0" y="0"/>
+          <a:ext cx="0" cy="0"/>
+          <a:chOff x="0" y="0"/>
+          <a:chExt cx="0" cy="0"/>
+        </a:xfrm>
+      </p:grpSpPr>
+      <p:sp>
+        <p:nvSpPr>
+          <p:cNvPr id="42" name="Google Shape;42;g79dc1f345_30:notes"/>
+          <p:cNvSpPr>
+            <a:spLocks noGrp="1" noRot="1" noChangeAspect="1"/>
+          </p:cNvSpPr>
+          <p:nvPr>
+            <p:ph type="sldImg" idx="2"/>
+          </p:nvPr>
+        </p:nvSpPr>
+        <p:spPr>
+          <a:xfrm>
+            <a:off x="381000" y="685800"/>
+            <a:ext cx="6096000" cy="3429000"/>
+          </a:xfrm>
+          <a:custGeom>
+            <a:avLst/>
+            <a:gdLst/>
+            <a:ahLst/>
+            <a:cxnLst/>
+            <a:rect l="l" t="t" r="r" b="b"/>
+            <a:pathLst>
+              <a:path w="120000" h="120000" extrusionOk="0">
+                <a:moveTo>
+                  <a:pt x="0" y="0"/>
+                </a:moveTo>
+                <a:lnTo>
+                  <a:pt x="120000" y="0"/>
+                </a:lnTo>
+                <a:lnTo>
+                  <a:pt x="120000" y="120000"/>
+                </a:lnTo>
+                <a:lnTo>
+                  <a:pt x="0" y="120000"/>
+                </a:lnTo>
+                <a:close/>
+              </a:path>
+            </a:pathLst>
+          </a:custGeom>
+        </p:spPr>
+      </p:sp>
+      <p:sp>
+        <p:nvSpPr>
+          <p:cNvPr id="43" name="Google Shape;43;g79dc1f345_30:notes"/>
+          <p:cNvSpPr txBox="1">
+            <a:spLocks noGrp="1"/>
+          </p:cNvSpPr>
+          <p:nvPr>
+            <p:ph type="body" idx="1"/>
+          </p:nvPr>
+        </p:nvSpPr>
+        <p:spPr>
+          <a:xfrm>
+            <a:off x="685800" y="4343400"/>
+            <a:ext cx="5486400" cy="4114800"/>
+          </a:xfrm>
+          <a:prstGeom prst="rect">
+            <a:avLst/>
+          </a:prstGeom>
+        </p:spPr>
+        <p:txBody>
+          <a:bodyPr spcFirstLastPara="1" wrap="square" lIns="91425" tIns="91425" rIns="91425" bIns="91425" anchor="t" anchorCtr="0">
+            <a:noAutofit/>
+          </a:bodyPr>
+          <a:lstStyle/>
+          <a:p>
+            <a:pPr marL="0" lvl="0" indent="0" algn="l" rtl="0">
+              <a:spcBef>
+                <a:spcPts val="0"/>
+              </a:spcBef>
+              <a:spcAft>
+                <a:spcPts val="0"/>
+              </a:spcAft>
+              <a:buNone/>
+            </a:pPr>
+            <a:endParaRPr/>
+          </a:p>
+        </p:txBody>
+      </p:sp>
+    </p:spTree>
+    <p:extLst>
+      <p:ext uri="{BB962C8B-B14F-4D97-AF65-F5344CB8AC3E}">
+        <p14:creationId xmlns:p14="http://schemas.microsoft.com/office/powerpoint/2010/main" val="1729875606"/>
+      </p:ext>
+    </p:extLst>
   </p:cSld>
   <p:clrMapOvr>
     <a:masterClrMapping/>
@@ -1125,6 +2024,437 @@
         <p14:creationId xmlns:p14="http://schemas.microsoft.com/office/powerpoint/2010/main" val="1180925616"/>
       </p:ext>
     </p:extLst>
+  </p:cSld>
+  <p:clrMapOvr>
+    <a:masterClrMapping/>
+  </p:clrMapOvr>
+</p:notes>
+</file>
+
+<file path=ppt/notesSlides/notesSlide20.xml><?xml version="1.0" encoding="utf-8"?>
+<p:notes xmlns:a="http://schemas.openxmlformats.org/drawingml/2006/main" xmlns:r="http://schemas.openxmlformats.org/officeDocument/2006/relationships" xmlns:p="http://schemas.openxmlformats.org/presentationml/2006/main" showMasterSp="0" showMasterPhAnim="0">
+  <p:cSld>
+    <p:spTree>
+      <p:nvGrpSpPr>
+        <p:cNvPr id="1" name="Shape 41"/>
+        <p:cNvGrpSpPr/>
+        <p:nvPr/>
+      </p:nvGrpSpPr>
+      <p:grpSpPr>
+        <a:xfrm>
+          <a:off x="0" y="0"/>
+          <a:ext cx="0" cy="0"/>
+          <a:chOff x="0" y="0"/>
+          <a:chExt cx="0" cy="0"/>
+        </a:xfrm>
+      </p:grpSpPr>
+      <p:sp>
+        <p:nvSpPr>
+          <p:cNvPr id="42" name="Google Shape;42;g79dc1f345_30:notes"/>
+          <p:cNvSpPr>
+            <a:spLocks noGrp="1" noRot="1" noChangeAspect="1"/>
+          </p:cNvSpPr>
+          <p:nvPr>
+            <p:ph type="sldImg" idx="2"/>
+          </p:nvPr>
+        </p:nvSpPr>
+        <p:spPr>
+          <a:xfrm>
+            <a:off x="381000" y="685800"/>
+            <a:ext cx="6096000" cy="3429000"/>
+          </a:xfrm>
+          <a:custGeom>
+            <a:avLst/>
+            <a:gdLst/>
+            <a:ahLst/>
+            <a:cxnLst/>
+            <a:rect l="l" t="t" r="r" b="b"/>
+            <a:pathLst>
+              <a:path w="120000" h="120000" extrusionOk="0">
+                <a:moveTo>
+                  <a:pt x="0" y="0"/>
+                </a:moveTo>
+                <a:lnTo>
+                  <a:pt x="120000" y="0"/>
+                </a:lnTo>
+                <a:lnTo>
+                  <a:pt x="120000" y="120000"/>
+                </a:lnTo>
+                <a:lnTo>
+                  <a:pt x="0" y="120000"/>
+                </a:lnTo>
+                <a:close/>
+              </a:path>
+            </a:pathLst>
+          </a:custGeom>
+        </p:spPr>
+      </p:sp>
+      <p:sp>
+        <p:nvSpPr>
+          <p:cNvPr id="43" name="Google Shape;43;g79dc1f345_30:notes"/>
+          <p:cNvSpPr txBox="1">
+            <a:spLocks noGrp="1"/>
+          </p:cNvSpPr>
+          <p:nvPr>
+            <p:ph type="body" idx="1"/>
+          </p:nvPr>
+        </p:nvSpPr>
+        <p:spPr>
+          <a:xfrm>
+            <a:off x="685800" y="4343400"/>
+            <a:ext cx="5486400" cy="4114800"/>
+          </a:xfrm>
+          <a:prstGeom prst="rect">
+            <a:avLst/>
+          </a:prstGeom>
+        </p:spPr>
+        <p:txBody>
+          <a:bodyPr spcFirstLastPara="1" wrap="square" lIns="91425" tIns="91425" rIns="91425" bIns="91425" anchor="t" anchorCtr="0">
+            <a:noAutofit/>
+          </a:bodyPr>
+          <a:lstStyle/>
+          <a:p>
+            <a:pPr marL="0" lvl="0" indent="0" algn="l" rtl="0">
+              <a:spcBef>
+                <a:spcPts val="0"/>
+              </a:spcBef>
+              <a:spcAft>
+                <a:spcPts val="0"/>
+              </a:spcAft>
+              <a:buNone/>
+            </a:pPr>
+            <a:endParaRPr/>
+          </a:p>
+        </p:txBody>
+      </p:sp>
+    </p:spTree>
+    <p:extLst>
+      <p:ext uri="{BB962C8B-B14F-4D97-AF65-F5344CB8AC3E}">
+        <p14:creationId xmlns:p14="http://schemas.microsoft.com/office/powerpoint/2010/main" val="4020764921"/>
+      </p:ext>
+    </p:extLst>
+  </p:cSld>
+  <p:clrMapOvr>
+    <a:masterClrMapping/>
+  </p:clrMapOvr>
+</p:notes>
+</file>
+
+<file path=ppt/notesSlides/notesSlide21.xml><?xml version="1.0" encoding="utf-8"?>
+<p:notes xmlns:a="http://schemas.openxmlformats.org/drawingml/2006/main" xmlns:r="http://schemas.openxmlformats.org/officeDocument/2006/relationships" xmlns:p="http://schemas.openxmlformats.org/presentationml/2006/main" showMasterSp="0" showMasterPhAnim="0">
+  <p:cSld>
+    <p:spTree>
+      <p:nvGrpSpPr>
+        <p:cNvPr id="1" name="Shape 41"/>
+        <p:cNvGrpSpPr/>
+        <p:nvPr/>
+      </p:nvGrpSpPr>
+      <p:grpSpPr>
+        <a:xfrm>
+          <a:off x="0" y="0"/>
+          <a:ext cx="0" cy="0"/>
+          <a:chOff x="0" y="0"/>
+          <a:chExt cx="0" cy="0"/>
+        </a:xfrm>
+      </p:grpSpPr>
+      <p:sp>
+        <p:nvSpPr>
+          <p:cNvPr id="42" name="Google Shape;42;g79dc1f345_30:notes"/>
+          <p:cNvSpPr>
+            <a:spLocks noGrp="1" noRot="1" noChangeAspect="1"/>
+          </p:cNvSpPr>
+          <p:nvPr>
+            <p:ph type="sldImg" idx="2"/>
+          </p:nvPr>
+        </p:nvSpPr>
+        <p:spPr>
+          <a:xfrm>
+            <a:off x="381000" y="685800"/>
+            <a:ext cx="6096000" cy="3429000"/>
+          </a:xfrm>
+          <a:custGeom>
+            <a:avLst/>
+            <a:gdLst/>
+            <a:ahLst/>
+            <a:cxnLst/>
+            <a:rect l="l" t="t" r="r" b="b"/>
+            <a:pathLst>
+              <a:path w="120000" h="120000" extrusionOk="0">
+                <a:moveTo>
+                  <a:pt x="0" y="0"/>
+                </a:moveTo>
+                <a:lnTo>
+                  <a:pt x="120000" y="0"/>
+                </a:lnTo>
+                <a:lnTo>
+                  <a:pt x="120000" y="120000"/>
+                </a:lnTo>
+                <a:lnTo>
+                  <a:pt x="0" y="120000"/>
+                </a:lnTo>
+                <a:close/>
+              </a:path>
+            </a:pathLst>
+          </a:custGeom>
+        </p:spPr>
+      </p:sp>
+      <p:sp>
+        <p:nvSpPr>
+          <p:cNvPr id="43" name="Google Shape;43;g79dc1f345_30:notes"/>
+          <p:cNvSpPr txBox="1">
+            <a:spLocks noGrp="1"/>
+          </p:cNvSpPr>
+          <p:nvPr>
+            <p:ph type="body" idx="1"/>
+          </p:nvPr>
+        </p:nvSpPr>
+        <p:spPr>
+          <a:xfrm>
+            <a:off x="685800" y="4343400"/>
+            <a:ext cx="5486400" cy="4114800"/>
+          </a:xfrm>
+          <a:prstGeom prst="rect">
+            <a:avLst/>
+          </a:prstGeom>
+        </p:spPr>
+        <p:txBody>
+          <a:bodyPr spcFirstLastPara="1" wrap="square" lIns="91425" tIns="91425" rIns="91425" bIns="91425" anchor="t" anchorCtr="0">
+            <a:noAutofit/>
+          </a:bodyPr>
+          <a:lstStyle/>
+          <a:p>
+            <a:pPr marL="0" lvl="0" indent="0" algn="l" rtl="0">
+              <a:spcBef>
+                <a:spcPts val="0"/>
+              </a:spcBef>
+              <a:spcAft>
+                <a:spcPts val="0"/>
+              </a:spcAft>
+              <a:buNone/>
+            </a:pPr>
+            <a:endParaRPr/>
+          </a:p>
+        </p:txBody>
+      </p:sp>
+    </p:spTree>
+    <p:extLst>
+      <p:ext uri="{BB962C8B-B14F-4D97-AF65-F5344CB8AC3E}">
+        <p14:creationId xmlns:p14="http://schemas.microsoft.com/office/powerpoint/2010/main" val="2499108591"/>
+      </p:ext>
+    </p:extLst>
+  </p:cSld>
+  <p:clrMapOvr>
+    <a:masterClrMapping/>
+  </p:clrMapOvr>
+</p:notes>
+</file>
+
+<file path=ppt/notesSlides/notesSlide22.xml><?xml version="1.0" encoding="utf-8"?>
+<p:notes xmlns:a="http://schemas.openxmlformats.org/drawingml/2006/main" xmlns:r="http://schemas.openxmlformats.org/officeDocument/2006/relationships" xmlns:p="http://schemas.openxmlformats.org/presentationml/2006/main" showMasterSp="0" showMasterPhAnim="0">
+  <p:cSld>
+    <p:spTree>
+      <p:nvGrpSpPr>
+        <p:cNvPr id="1" name="Shape 41"/>
+        <p:cNvGrpSpPr/>
+        <p:nvPr/>
+      </p:nvGrpSpPr>
+      <p:grpSpPr>
+        <a:xfrm>
+          <a:off x="0" y="0"/>
+          <a:ext cx="0" cy="0"/>
+          <a:chOff x="0" y="0"/>
+          <a:chExt cx="0" cy="0"/>
+        </a:xfrm>
+      </p:grpSpPr>
+      <p:sp>
+        <p:nvSpPr>
+          <p:cNvPr id="42" name="Google Shape;42;g79dc1f345_30:notes"/>
+          <p:cNvSpPr>
+            <a:spLocks noGrp="1" noRot="1" noChangeAspect="1"/>
+          </p:cNvSpPr>
+          <p:nvPr>
+            <p:ph type="sldImg" idx="2"/>
+          </p:nvPr>
+        </p:nvSpPr>
+        <p:spPr>
+          <a:xfrm>
+            <a:off x="381000" y="685800"/>
+            <a:ext cx="6096000" cy="3429000"/>
+          </a:xfrm>
+          <a:custGeom>
+            <a:avLst/>
+            <a:gdLst/>
+            <a:ahLst/>
+            <a:cxnLst/>
+            <a:rect l="l" t="t" r="r" b="b"/>
+            <a:pathLst>
+              <a:path w="120000" h="120000" extrusionOk="0">
+                <a:moveTo>
+                  <a:pt x="0" y="0"/>
+                </a:moveTo>
+                <a:lnTo>
+                  <a:pt x="120000" y="0"/>
+                </a:lnTo>
+                <a:lnTo>
+                  <a:pt x="120000" y="120000"/>
+                </a:lnTo>
+                <a:lnTo>
+                  <a:pt x="0" y="120000"/>
+                </a:lnTo>
+                <a:close/>
+              </a:path>
+            </a:pathLst>
+          </a:custGeom>
+        </p:spPr>
+      </p:sp>
+      <p:sp>
+        <p:nvSpPr>
+          <p:cNvPr id="43" name="Google Shape;43;g79dc1f345_30:notes"/>
+          <p:cNvSpPr txBox="1">
+            <a:spLocks noGrp="1"/>
+          </p:cNvSpPr>
+          <p:nvPr>
+            <p:ph type="body" idx="1"/>
+          </p:nvPr>
+        </p:nvSpPr>
+        <p:spPr>
+          <a:xfrm>
+            <a:off x="685800" y="4343400"/>
+            <a:ext cx="5486400" cy="4114800"/>
+          </a:xfrm>
+          <a:prstGeom prst="rect">
+            <a:avLst/>
+          </a:prstGeom>
+        </p:spPr>
+        <p:txBody>
+          <a:bodyPr spcFirstLastPara="1" wrap="square" lIns="91425" tIns="91425" rIns="91425" bIns="91425" anchor="t" anchorCtr="0">
+            <a:noAutofit/>
+          </a:bodyPr>
+          <a:lstStyle/>
+          <a:p>
+            <a:pPr marL="0" lvl="0" indent="0" algn="l" rtl="0">
+              <a:spcBef>
+                <a:spcPts val="0"/>
+              </a:spcBef>
+              <a:spcAft>
+                <a:spcPts val="0"/>
+              </a:spcAft>
+              <a:buNone/>
+            </a:pPr>
+            <a:endParaRPr/>
+          </a:p>
+        </p:txBody>
+      </p:sp>
+    </p:spTree>
+    <p:extLst>
+      <p:ext uri="{BB962C8B-B14F-4D97-AF65-F5344CB8AC3E}">
+        <p14:creationId xmlns:p14="http://schemas.microsoft.com/office/powerpoint/2010/main" val="3051082197"/>
+      </p:ext>
+    </p:extLst>
+  </p:cSld>
+  <p:clrMapOvr>
+    <a:masterClrMapping/>
+  </p:clrMapOvr>
+</p:notes>
+</file>
+
+<file path=ppt/notesSlides/notesSlide23.xml><?xml version="1.0" encoding="utf-8"?>
+<p:notes xmlns:a="http://schemas.openxmlformats.org/drawingml/2006/main" xmlns:r="http://schemas.openxmlformats.org/officeDocument/2006/relationships" xmlns:p="http://schemas.openxmlformats.org/presentationml/2006/main" showMasterSp="0" showMasterPhAnim="0">
+  <p:cSld>
+    <p:spTree>
+      <p:nvGrpSpPr>
+        <p:cNvPr id="1" name="Shape 68"/>
+        <p:cNvGrpSpPr/>
+        <p:nvPr/>
+      </p:nvGrpSpPr>
+      <p:grpSpPr>
+        <a:xfrm>
+          <a:off x="0" y="0"/>
+          <a:ext cx="0" cy="0"/>
+          <a:chOff x="0" y="0"/>
+          <a:chExt cx="0" cy="0"/>
+        </a:xfrm>
+      </p:grpSpPr>
+      <p:sp>
+        <p:nvSpPr>
+          <p:cNvPr id="69" name="Google Shape;69;g79dc1f345_912:notes"/>
+          <p:cNvSpPr>
+            <a:spLocks noGrp="1" noRot="1" noChangeAspect="1"/>
+          </p:cNvSpPr>
+          <p:nvPr>
+            <p:ph type="sldImg" idx="2"/>
+          </p:nvPr>
+        </p:nvSpPr>
+        <p:spPr>
+          <a:xfrm>
+            <a:off x="381188" y="685800"/>
+            <a:ext cx="6096300" cy="3429000"/>
+          </a:xfrm>
+          <a:custGeom>
+            <a:avLst/>
+            <a:gdLst/>
+            <a:ahLst/>
+            <a:cxnLst/>
+            <a:rect l="l" t="t" r="r" b="b"/>
+            <a:pathLst>
+              <a:path w="120000" h="120000" extrusionOk="0">
+                <a:moveTo>
+                  <a:pt x="0" y="0"/>
+                </a:moveTo>
+                <a:lnTo>
+                  <a:pt x="120000" y="0"/>
+                </a:lnTo>
+                <a:lnTo>
+                  <a:pt x="120000" y="120000"/>
+                </a:lnTo>
+                <a:lnTo>
+                  <a:pt x="0" y="120000"/>
+                </a:lnTo>
+                <a:close/>
+              </a:path>
+            </a:pathLst>
+          </a:custGeom>
+        </p:spPr>
+      </p:sp>
+      <p:sp>
+        <p:nvSpPr>
+          <p:cNvPr id="70" name="Google Shape;70;g79dc1f345_912:notes"/>
+          <p:cNvSpPr txBox="1">
+            <a:spLocks noGrp="1"/>
+          </p:cNvSpPr>
+          <p:nvPr>
+            <p:ph type="body" idx="1"/>
+          </p:nvPr>
+        </p:nvSpPr>
+        <p:spPr>
+          <a:xfrm>
+            <a:off x="685800" y="4343400"/>
+            <a:ext cx="5486400" cy="4114800"/>
+          </a:xfrm>
+          <a:prstGeom prst="rect">
+            <a:avLst/>
+          </a:prstGeom>
+        </p:spPr>
+        <p:txBody>
+          <a:bodyPr spcFirstLastPara="1" wrap="square" lIns="91425" tIns="91425" rIns="91425" bIns="91425" anchor="t" anchorCtr="0">
+            <a:noAutofit/>
+          </a:bodyPr>
+          <a:lstStyle/>
+          <a:p>
+            <a:pPr marL="0" lvl="0" indent="0" algn="l" rtl="0">
+              <a:spcBef>
+                <a:spcPts val="0"/>
+              </a:spcBef>
+              <a:spcAft>
+                <a:spcPts val="0"/>
+              </a:spcAft>
+              <a:buNone/>
+            </a:pPr>
+            <a:endParaRPr/>
+          </a:p>
+        </p:txBody>
+      </p:sp>
+    </p:spTree>
   </p:cSld>
   <p:clrMapOvr>
     <a:masterClrMapping/>
@@ -1662,7 +2992,7 @@
     </p:spTree>
     <p:extLst>
       <p:ext uri="{BB962C8B-B14F-4D97-AF65-F5344CB8AC3E}">
-        <p14:creationId xmlns:p14="http://schemas.microsoft.com/office/powerpoint/2010/main" val="2646136935"/>
+        <p14:creationId xmlns:p14="http://schemas.microsoft.com/office/powerpoint/2010/main" val="4023134704"/>
       </p:ext>
     </p:extLst>
   </p:cSld>
@@ -1673,110 +3003,6 @@
 </file>
 
 <file path=ppt/notesSlides/notesSlide8.xml><?xml version="1.0" encoding="utf-8"?>
-<p:notes xmlns:a="http://schemas.openxmlformats.org/drawingml/2006/main" xmlns:r="http://schemas.openxmlformats.org/officeDocument/2006/relationships" xmlns:p="http://schemas.openxmlformats.org/presentationml/2006/main" showMasterSp="0" showMasterPhAnim="0">
-  <p:cSld>
-    <p:spTree>
-      <p:nvGrpSpPr>
-        <p:cNvPr id="1" name="Shape 47"/>
-        <p:cNvGrpSpPr/>
-        <p:nvPr/>
-      </p:nvGrpSpPr>
-      <p:grpSpPr>
-        <a:xfrm>
-          <a:off x="0" y="0"/>
-          <a:ext cx="0" cy="0"/>
-          <a:chOff x="0" y="0"/>
-          <a:chExt cx="0" cy="0"/>
-        </a:xfrm>
-      </p:grpSpPr>
-      <p:sp>
-        <p:nvSpPr>
-          <p:cNvPr id="48" name="Google Shape;48;g79dc1f345_310:notes"/>
-          <p:cNvSpPr>
-            <a:spLocks noGrp="1" noRot="1" noChangeAspect="1"/>
-          </p:cNvSpPr>
-          <p:nvPr>
-            <p:ph type="sldImg" idx="2"/>
-          </p:nvPr>
-        </p:nvSpPr>
-        <p:spPr>
-          <a:xfrm>
-            <a:off x="381188" y="685800"/>
-            <a:ext cx="6096300" cy="3429000"/>
-          </a:xfrm>
-          <a:custGeom>
-            <a:avLst/>
-            <a:gdLst/>
-            <a:ahLst/>
-            <a:cxnLst/>
-            <a:rect l="l" t="t" r="r" b="b"/>
-            <a:pathLst>
-              <a:path w="120000" h="120000" extrusionOk="0">
-                <a:moveTo>
-                  <a:pt x="0" y="0"/>
-                </a:moveTo>
-                <a:lnTo>
-                  <a:pt x="120000" y="0"/>
-                </a:lnTo>
-                <a:lnTo>
-                  <a:pt x="120000" y="120000"/>
-                </a:lnTo>
-                <a:lnTo>
-                  <a:pt x="0" y="120000"/>
-                </a:lnTo>
-                <a:close/>
-              </a:path>
-            </a:pathLst>
-          </a:custGeom>
-        </p:spPr>
-      </p:sp>
-      <p:sp>
-        <p:nvSpPr>
-          <p:cNvPr id="49" name="Google Shape;49;g79dc1f345_310:notes"/>
-          <p:cNvSpPr txBox="1">
-            <a:spLocks noGrp="1"/>
-          </p:cNvSpPr>
-          <p:nvPr>
-            <p:ph type="body" idx="1"/>
-          </p:nvPr>
-        </p:nvSpPr>
-        <p:spPr>
-          <a:xfrm>
-            <a:off x="685800" y="4343400"/>
-            <a:ext cx="5486400" cy="4114800"/>
-          </a:xfrm>
-          <a:prstGeom prst="rect">
-            <a:avLst/>
-          </a:prstGeom>
-        </p:spPr>
-        <p:txBody>
-          <a:bodyPr spcFirstLastPara="1" wrap="square" lIns="91425" tIns="91425" rIns="91425" bIns="91425" anchor="t" anchorCtr="0">
-            <a:noAutofit/>
-          </a:bodyPr>
-          <a:lstStyle/>
-          <a:p>
-            <a:pPr marL="0" lvl="0" indent="0" algn="l" rtl="0">
-              <a:spcBef>
-                <a:spcPts val="0"/>
-              </a:spcBef>
-              <a:spcAft>
-                <a:spcPts val="0"/>
-              </a:spcAft>
-              <a:buNone/>
-            </a:pPr>
-            <a:endParaRPr/>
-          </a:p>
-        </p:txBody>
-      </p:sp>
-    </p:spTree>
-  </p:cSld>
-  <p:clrMapOvr>
-    <a:masterClrMapping/>
-  </p:clrMapOvr>
-</p:notes>
-</file>
-
-<file path=ppt/notesSlides/notesSlide9.xml><?xml version="1.0" encoding="utf-8"?>
 <p:notes xmlns:a="http://schemas.openxmlformats.org/drawingml/2006/main" xmlns:r="http://schemas.openxmlformats.org/officeDocument/2006/relationships" xmlns:p="http://schemas.openxmlformats.org/presentationml/2006/main" showMasterSp="0" showMasterPhAnim="0">
   <p:cSld>
     <p:spTree>
@@ -1805,8 +3031,8 @@
         </p:nvSpPr>
         <p:spPr>
           <a:xfrm>
-            <a:off x="381188" y="685800"/>
-            <a:ext cx="6096300" cy="3429000"/>
+            <a:off x="381000" y="685800"/>
+            <a:ext cx="6096000" cy="3429000"/>
           </a:xfrm>
           <a:custGeom>
             <a:avLst/>
@@ -1873,6 +3099,120 @@
         </p:txBody>
       </p:sp>
     </p:spTree>
+    <p:extLst>
+      <p:ext uri="{BB962C8B-B14F-4D97-AF65-F5344CB8AC3E}">
+        <p14:creationId xmlns:p14="http://schemas.microsoft.com/office/powerpoint/2010/main" val="2602981726"/>
+      </p:ext>
+    </p:extLst>
+  </p:cSld>
+  <p:clrMapOvr>
+    <a:masterClrMapping/>
+  </p:clrMapOvr>
+</p:notes>
+</file>
+
+<file path=ppt/notesSlides/notesSlide9.xml><?xml version="1.0" encoding="utf-8"?>
+<p:notes xmlns:a="http://schemas.openxmlformats.org/drawingml/2006/main" xmlns:r="http://schemas.openxmlformats.org/officeDocument/2006/relationships" xmlns:p="http://schemas.openxmlformats.org/presentationml/2006/main" showMasterSp="0" showMasterPhAnim="0">
+  <p:cSld>
+    <p:spTree>
+      <p:nvGrpSpPr>
+        <p:cNvPr id="1" name="Shape 41"/>
+        <p:cNvGrpSpPr/>
+        <p:nvPr/>
+      </p:nvGrpSpPr>
+      <p:grpSpPr>
+        <a:xfrm>
+          <a:off x="0" y="0"/>
+          <a:ext cx="0" cy="0"/>
+          <a:chOff x="0" y="0"/>
+          <a:chExt cx="0" cy="0"/>
+        </a:xfrm>
+      </p:grpSpPr>
+      <p:sp>
+        <p:nvSpPr>
+          <p:cNvPr id="42" name="Google Shape;42;g79dc1f345_30:notes"/>
+          <p:cNvSpPr>
+            <a:spLocks noGrp="1" noRot="1" noChangeAspect="1"/>
+          </p:cNvSpPr>
+          <p:nvPr>
+            <p:ph type="sldImg" idx="2"/>
+          </p:nvPr>
+        </p:nvSpPr>
+        <p:spPr>
+          <a:xfrm>
+            <a:off x="381000" y="685800"/>
+            <a:ext cx="6096000" cy="3429000"/>
+          </a:xfrm>
+          <a:custGeom>
+            <a:avLst/>
+            <a:gdLst/>
+            <a:ahLst/>
+            <a:cxnLst/>
+            <a:rect l="l" t="t" r="r" b="b"/>
+            <a:pathLst>
+              <a:path w="120000" h="120000" extrusionOk="0">
+                <a:moveTo>
+                  <a:pt x="0" y="0"/>
+                </a:moveTo>
+                <a:lnTo>
+                  <a:pt x="120000" y="0"/>
+                </a:lnTo>
+                <a:lnTo>
+                  <a:pt x="120000" y="120000"/>
+                </a:lnTo>
+                <a:lnTo>
+                  <a:pt x="0" y="120000"/>
+                </a:lnTo>
+                <a:close/>
+              </a:path>
+            </a:pathLst>
+          </a:custGeom>
+        </p:spPr>
+      </p:sp>
+      <p:sp>
+        <p:nvSpPr>
+          <p:cNvPr id="43" name="Google Shape;43;g79dc1f345_30:notes"/>
+          <p:cNvSpPr txBox="1">
+            <a:spLocks noGrp="1"/>
+          </p:cNvSpPr>
+          <p:nvPr>
+            <p:ph type="body" idx="1"/>
+          </p:nvPr>
+        </p:nvSpPr>
+        <p:spPr>
+          <a:xfrm>
+            <a:off x="685800" y="4343400"/>
+            <a:ext cx="5486400" cy="4114800"/>
+          </a:xfrm>
+          <a:prstGeom prst="rect">
+            <a:avLst/>
+          </a:prstGeom>
+        </p:spPr>
+        <p:txBody>
+          <a:bodyPr spcFirstLastPara="1" wrap="square" lIns="91425" tIns="91425" rIns="91425" bIns="91425" anchor="t" anchorCtr="0">
+            <a:noAutofit/>
+          </a:bodyPr>
+          <a:lstStyle/>
+          <a:p>
+            <a:pPr marL="0" lvl="0" indent="0" algn="l" rtl="0">
+              <a:spcBef>
+                <a:spcPts val="0"/>
+              </a:spcBef>
+              <a:spcAft>
+                <a:spcPts val="0"/>
+              </a:spcAft>
+              <a:buNone/>
+            </a:pPr>
+            <a:endParaRPr/>
+          </a:p>
+        </p:txBody>
+      </p:sp>
+    </p:spTree>
+    <p:extLst>
+      <p:ext uri="{BB962C8B-B14F-4D97-AF65-F5344CB8AC3E}">
+        <p14:creationId xmlns:p14="http://schemas.microsoft.com/office/powerpoint/2010/main" val="2646136935"/>
+      </p:ext>
+    </p:extLst>
   </p:cSld>
   <p:clrMapOvr>
     <a:masterClrMapping/>
@@ -3505,355 +4845,6 @@
 </file>
 
 <file path=ppt/slideLayouts/slideLayout5.xml><?xml version="1.0" encoding="utf-8"?>
-<p:sldLayout xmlns:a="http://schemas.openxmlformats.org/drawingml/2006/main" xmlns:r="http://schemas.openxmlformats.org/officeDocument/2006/relationships" xmlns:p="http://schemas.openxmlformats.org/presentationml/2006/main" matchingName="IMG to the Left">
-  <p:cSld name="TITLE_AND_BODY_1">
-    <p:spTree>
-      <p:nvGrpSpPr>
-        <p:cNvPr id="1" name="Shape 23"/>
-        <p:cNvGrpSpPr/>
-        <p:nvPr/>
-      </p:nvGrpSpPr>
-      <p:grpSpPr>
-        <a:xfrm>
-          <a:off x="0" y="0"/>
-          <a:ext cx="0" cy="0"/>
-          <a:chOff x="0" y="0"/>
-          <a:chExt cx="0" cy="0"/>
-        </a:xfrm>
-      </p:grpSpPr>
-      <p:sp>
-        <p:nvSpPr>
-          <p:cNvPr id="24" name="Google Shape;24;p6"/>
-          <p:cNvSpPr txBox="1">
-            <a:spLocks noGrp="1"/>
-          </p:cNvSpPr>
-          <p:nvPr>
-            <p:ph type="title"/>
-          </p:nvPr>
-        </p:nvSpPr>
-        <p:spPr>
-          <a:xfrm>
-            <a:off x="4236075" y="211813"/>
-            <a:ext cx="4654800" cy="857400"/>
-          </a:xfrm>
-          <a:prstGeom prst="rect">
-            <a:avLst/>
-          </a:prstGeom>
-        </p:spPr>
-        <p:txBody>
-          <a:bodyPr spcFirstLastPara="1" wrap="square" lIns="91425" tIns="91425" rIns="91425" bIns="91425" anchor="t" anchorCtr="0">
-            <a:noAutofit/>
-          </a:bodyPr>
-          <a:lstStyle>
-            <a:lvl1pPr lvl="0" rtl="0">
-              <a:spcBef>
-                <a:spcPts val="0"/>
-              </a:spcBef>
-              <a:spcAft>
-                <a:spcPts val="0"/>
-              </a:spcAft>
-              <a:buClr>
-                <a:srgbClr val="1155CC"/>
-              </a:buClr>
-              <a:buSzPts val="3600"/>
-              <a:buFont typeface="Proxima Nova"/>
-              <a:buNone/>
-              <a:defRPr>
-                <a:solidFill>
-                  <a:srgbClr val="1155CC"/>
-                </a:solidFill>
-                <a:latin typeface="Proxima Nova"/>
-                <a:ea typeface="Proxima Nova"/>
-                <a:cs typeface="Proxima Nova"/>
-                <a:sym typeface="Proxima Nova"/>
-              </a:defRPr>
-            </a:lvl1pPr>
-            <a:lvl2pPr lvl="1" rtl="0">
-              <a:spcBef>
-                <a:spcPts val="0"/>
-              </a:spcBef>
-              <a:spcAft>
-                <a:spcPts val="0"/>
-              </a:spcAft>
-              <a:buSzPts val="3600"/>
-              <a:buNone/>
-              <a:defRPr/>
-            </a:lvl2pPr>
-            <a:lvl3pPr lvl="2" rtl="0">
-              <a:spcBef>
-                <a:spcPts val="0"/>
-              </a:spcBef>
-              <a:spcAft>
-                <a:spcPts val="0"/>
-              </a:spcAft>
-              <a:buSzPts val="3600"/>
-              <a:buNone/>
-              <a:defRPr/>
-            </a:lvl3pPr>
-            <a:lvl4pPr lvl="3" rtl="0">
-              <a:spcBef>
-                <a:spcPts val="0"/>
-              </a:spcBef>
-              <a:spcAft>
-                <a:spcPts val="0"/>
-              </a:spcAft>
-              <a:buSzPts val="3600"/>
-              <a:buNone/>
-              <a:defRPr/>
-            </a:lvl4pPr>
-            <a:lvl5pPr lvl="4" rtl="0">
-              <a:spcBef>
-                <a:spcPts val="0"/>
-              </a:spcBef>
-              <a:spcAft>
-                <a:spcPts val="0"/>
-              </a:spcAft>
-              <a:buSzPts val="3600"/>
-              <a:buNone/>
-              <a:defRPr/>
-            </a:lvl5pPr>
-            <a:lvl6pPr lvl="5" rtl="0">
-              <a:spcBef>
-                <a:spcPts val="0"/>
-              </a:spcBef>
-              <a:spcAft>
-                <a:spcPts val="0"/>
-              </a:spcAft>
-              <a:buSzPts val="3600"/>
-              <a:buNone/>
-              <a:defRPr/>
-            </a:lvl6pPr>
-            <a:lvl7pPr lvl="6" rtl="0">
-              <a:spcBef>
-                <a:spcPts val="0"/>
-              </a:spcBef>
-              <a:spcAft>
-                <a:spcPts val="0"/>
-              </a:spcAft>
-              <a:buSzPts val="3600"/>
-              <a:buNone/>
-              <a:defRPr/>
-            </a:lvl7pPr>
-            <a:lvl8pPr lvl="7" rtl="0">
-              <a:spcBef>
-                <a:spcPts val="0"/>
-              </a:spcBef>
-              <a:spcAft>
-                <a:spcPts val="0"/>
-              </a:spcAft>
-              <a:buSzPts val="3600"/>
-              <a:buNone/>
-              <a:defRPr/>
-            </a:lvl8pPr>
-            <a:lvl9pPr lvl="8" rtl="0">
-              <a:spcBef>
-                <a:spcPts val="0"/>
-              </a:spcBef>
-              <a:spcAft>
-                <a:spcPts val="0"/>
-              </a:spcAft>
-              <a:buSzPts val="3600"/>
-              <a:buNone/>
-              <a:defRPr/>
-            </a:lvl9pPr>
-          </a:lstStyle>
-          <a:p>
-            <a:endParaRPr/>
-          </a:p>
-        </p:txBody>
-      </p:sp>
-      <p:sp>
-        <p:nvSpPr>
-          <p:cNvPr id="25" name="Google Shape;25;p6"/>
-          <p:cNvSpPr txBox="1">
-            <a:spLocks noGrp="1"/>
-          </p:cNvSpPr>
-          <p:nvPr>
-            <p:ph type="body" idx="1"/>
-          </p:nvPr>
-        </p:nvSpPr>
-        <p:spPr>
-          <a:xfrm>
-            <a:off x="4236075" y="1205988"/>
-            <a:ext cx="4056600" cy="3725700"/>
-          </a:xfrm>
-          <a:prstGeom prst="rect">
-            <a:avLst/>
-          </a:prstGeom>
-        </p:spPr>
-        <p:txBody>
-          <a:bodyPr spcFirstLastPara="1" wrap="square" lIns="91425" tIns="91425" rIns="91425" bIns="91425" anchor="t" anchorCtr="0">
-            <a:noAutofit/>
-          </a:bodyPr>
-          <a:lstStyle>
-            <a:lvl1pPr marL="457200" lvl="0" indent="-419100" rtl="0">
-              <a:spcBef>
-                <a:spcPts val="600"/>
-              </a:spcBef>
-              <a:spcAft>
-                <a:spcPts val="0"/>
-              </a:spcAft>
-              <a:buSzPts val="3000"/>
-              <a:buFont typeface="Proxima Nova"/>
-              <a:buChar char="●"/>
-              <a:defRPr>
-                <a:latin typeface="Proxima Nova"/>
-                <a:ea typeface="Proxima Nova"/>
-                <a:cs typeface="Proxima Nova"/>
-                <a:sym typeface="Proxima Nova"/>
-              </a:defRPr>
-            </a:lvl1pPr>
-            <a:lvl2pPr marL="914400" lvl="1" indent="-381000" rtl="0">
-              <a:spcBef>
-                <a:spcPts val="0"/>
-              </a:spcBef>
-              <a:spcAft>
-                <a:spcPts val="0"/>
-              </a:spcAft>
-              <a:buSzPts val="2400"/>
-              <a:buFont typeface="Proxima Nova"/>
-              <a:buChar char="○"/>
-              <a:defRPr>
-                <a:latin typeface="Proxima Nova"/>
-                <a:ea typeface="Proxima Nova"/>
-                <a:cs typeface="Proxima Nova"/>
-                <a:sym typeface="Proxima Nova"/>
-              </a:defRPr>
-            </a:lvl2pPr>
-            <a:lvl3pPr marL="1371600" lvl="2" indent="-381000" rtl="0">
-              <a:spcBef>
-                <a:spcPts val="0"/>
-              </a:spcBef>
-              <a:spcAft>
-                <a:spcPts val="0"/>
-              </a:spcAft>
-              <a:buSzPts val="2400"/>
-              <a:buFont typeface="Proxima Nova"/>
-              <a:buChar char="■"/>
-              <a:defRPr>
-                <a:latin typeface="Proxima Nova"/>
-                <a:ea typeface="Proxima Nova"/>
-                <a:cs typeface="Proxima Nova"/>
-                <a:sym typeface="Proxima Nova"/>
-              </a:defRPr>
-            </a:lvl3pPr>
-            <a:lvl4pPr marL="1828800" lvl="3" indent="-342900" rtl="0">
-              <a:spcBef>
-                <a:spcPts val="0"/>
-              </a:spcBef>
-              <a:spcAft>
-                <a:spcPts val="0"/>
-              </a:spcAft>
-              <a:buSzPts val="1800"/>
-              <a:buFont typeface="Proxima Nova"/>
-              <a:buChar char="●"/>
-              <a:defRPr>
-                <a:latin typeface="Proxima Nova"/>
-                <a:ea typeface="Proxima Nova"/>
-                <a:cs typeface="Proxima Nova"/>
-                <a:sym typeface="Proxima Nova"/>
-              </a:defRPr>
-            </a:lvl4pPr>
-            <a:lvl5pPr marL="2286000" lvl="4" indent="-342900" rtl="0">
-              <a:spcBef>
-                <a:spcPts val="0"/>
-              </a:spcBef>
-              <a:spcAft>
-                <a:spcPts val="0"/>
-              </a:spcAft>
-              <a:buSzPts val="1800"/>
-              <a:buFont typeface="Proxima Nova"/>
-              <a:buChar char="○"/>
-              <a:defRPr>
-                <a:latin typeface="Proxima Nova"/>
-                <a:ea typeface="Proxima Nova"/>
-                <a:cs typeface="Proxima Nova"/>
-                <a:sym typeface="Proxima Nova"/>
-              </a:defRPr>
-            </a:lvl5pPr>
-            <a:lvl6pPr marL="2743200" lvl="5" indent="-342900" rtl="0">
-              <a:spcBef>
-                <a:spcPts val="0"/>
-              </a:spcBef>
-              <a:spcAft>
-                <a:spcPts val="0"/>
-              </a:spcAft>
-              <a:buSzPts val="1800"/>
-              <a:buFont typeface="Proxima Nova"/>
-              <a:buChar char="■"/>
-              <a:defRPr>
-                <a:latin typeface="Proxima Nova"/>
-                <a:ea typeface="Proxima Nova"/>
-                <a:cs typeface="Proxima Nova"/>
-                <a:sym typeface="Proxima Nova"/>
-              </a:defRPr>
-            </a:lvl6pPr>
-            <a:lvl7pPr marL="3200400" lvl="6" indent="-342900" rtl="0">
-              <a:spcBef>
-                <a:spcPts val="0"/>
-              </a:spcBef>
-              <a:spcAft>
-                <a:spcPts val="0"/>
-              </a:spcAft>
-              <a:buSzPts val="1800"/>
-              <a:buFont typeface="Proxima Nova"/>
-              <a:buChar char="●"/>
-              <a:defRPr>
-                <a:latin typeface="Proxima Nova"/>
-                <a:ea typeface="Proxima Nova"/>
-                <a:cs typeface="Proxima Nova"/>
-                <a:sym typeface="Proxima Nova"/>
-              </a:defRPr>
-            </a:lvl7pPr>
-            <a:lvl8pPr marL="3657600" lvl="7" indent="-342900" rtl="0">
-              <a:spcBef>
-                <a:spcPts val="0"/>
-              </a:spcBef>
-              <a:spcAft>
-                <a:spcPts val="0"/>
-              </a:spcAft>
-              <a:buSzPts val="1800"/>
-              <a:buFont typeface="Proxima Nova"/>
-              <a:buChar char="○"/>
-              <a:defRPr>
-                <a:latin typeface="Proxima Nova"/>
-                <a:ea typeface="Proxima Nova"/>
-                <a:cs typeface="Proxima Nova"/>
-                <a:sym typeface="Proxima Nova"/>
-              </a:defRPr>
-            </a:lvl8pPr>
-            <a:lvl9pPr marL="4114800" lvl="8" indent="-342900" rtl="0">
-              <a:spcBef>
-                <a:spcPts val="0"/>
-              </a:spcBef>
-              <a:spcAft>
-                <a:spcPts val="0"/>
-              </a:spcAft>
-              <a:buSzPts val="1800"/>
-              <a:buFont typeface="Proxima Nova"/>
-              <a:buChar char="■"/>
-              <a:defRPr>
-                <a:latin typeface="Proxima Nova"/>
-                <a:ea typeface="Proxima Nova"/>
-                <a:cs typeface="Proxima Nova"/>
-                <a:sym typeface="Proxima Nova"/>
-              </a:defRPr>
-            </a:lvl9pPr>
-          </a:lstStyle>
-          <a:p>
-            <a:endParaRPr/>
-          </a:p>
-        </p:txBody>
-      </p:sp>
-    </p:spTree>
-  </p:cSld>
-  <p:clrMapOvr>
-    <a:masterClrMapping/>
-  </p:clrMapOvr>
-</p:sldLayout>
-</file>
-
-<file path=ppt/slideLayouts/slideLayout6.xml><?xml version="1.0" encoding="utf-8"?>
 <p:sldLayout xmlns:a="http://schemas.openxmlformats.org/drawingml/2006/main" xmlns:r="http://schemas.openxmlformats.org/officeDocument/2006/relationships" xmlns:p="http://schemas.openxmlformats.org/presentationml/2006/main" matchingName="Title and two columns" type="twoColTx">
   <p:cSld name="TITLE_AND_TWO_COLUMNS">
     <p:spTree>
@@ -4441,7 +5432,7 @@
 </p:sldLayout>
 </file>
 
-<file path=ppt/slideLayouts/slideLayout7.xml><?xml version="1.0" encoding="utf-8"?>
+<file path=ppt/slideLayouts/slideLayout6.xml><?xml version="1.0" encoding="utf-8"?>
 <p:sldLayout xmlns:a="http://schemas.openxmlformats.org/drawingml/2006/main" xmlns:r="http://schemas.openxmlformats.org/officeDocument/2006/relationships" xmlns:p="http://schemas.openxmlformats.org/presentationml/2006/main" matchingName="Title only" type="titleOnly">
   <p:cSld name="TITLE_ONLY">
     <p:spTree>
@@ -5082,9 +6073,8 @@
     <p:sldLayoutId id="2147483649" r:id="rId2"/>
     <p:sldLayoutId id="2147483650" r:id="rId3"/>
     <p:sldLayoutId id="2147483651" r:id="rId4"/>
-    <p:sldLayoutId id="2147483652" r:id="rId5"/>
-    <p:sldLayoutId id="2147483653" r:id="rId6"/>
-    <p:sldLayoutId id="2147483654" r:id="rId7"/>
+    <p:sldLayoutId id="2147483653" r:id="rId5"/>
+    <p:sldLayoutId id="2147483654" r:id="rId6"/>
   </p:sldLayoutIdLst>
   <p:hf sldNum="0" hdr="0" ftr="0" dt="0"/>
   <p:txStyles>
@@ -6047,7 +7037,420 @@
   <p:cSld>
     <p:spTree>
       <p:nvGrpSpPr>
-        <p:cNvPr id="1" name="Shape 64"/>
+        <p:cNvPr id="1" name="Shape 44"/>
+        <p:cNvGrpSpPr/>
+        <p:nvPr/>
+      </p:nvGrpSpPr>
+      <p:grpSpPr>
+        <a:xfrm>
+          <a:off x="0" y="0"/>
+          <a:ext cx="0" cy="0"/>
+          <a:chOff x="0" y="0"/>
+          <a:chExt cx="0" cy="0"/>
+        </a:xfrm>
+      </p:grpSpPr>
+      <p:sp>
+        <p:nvSpPr>
+          <p:cNvPr id="45" name="Google Shape;45;p10"/>
+          <p:cNvSpPr txBox="1">
+            <a:spLocks noGrp="1"/>
+          </p:cNvSpPr>
+          <p:nvPr>
+            <p:ph type="title"/>
+          </p:nvPr>
+        </p:nvSpPr>
+        <p:spPr>
+          <a:xfrm>
+            <a:off x="457200" y="358378"/>
+            <a:ext cx="8229600" cy="857400"/>
+          </a:xfrm>
+          <a:prstGeom prst="rect">
+            <a:avLst/>
+          </a:prstGeom>
+        </p:spPr>
+        <p:txBody>
+          <a:bodyPr spcFirstLastPara="1" wrap="square" lIns="91425" tIns="91425" rIns="91425" bIns="91425" anchor="t" anchorCtr="0">
+            <a:noAutofit/>
+          </a:bodyPr>
+          <a:lstStyle/>
+          <a:p>
+            <a:pPr marL="0" lvl="0" indent="0" algn="l" rtl="0">
+              <a:spcBef>
+                <a:spcPts val="0"/>
+              </a:spcBef>
+              <a:spcAft>
+                <a:spcPts val="0"/>
+              </a:spcAft>
+              <a:buNone/>
+            </a:pPr>
+            <a:r>
+              <a:rPr lang="en-US" dirty="0">
+                <a:solidFill>
+                  <a:srgbClr val="1155CC"/>
+                </a:solidFill>
+                <a:latin typeface="Proxima Nova"/>
+                <a:ea typeface="Proxima Nova"/>
+                <a:cs typeface="Proxima Nova"/>
+                <a:sym typeface="Proxima Nova"/>
+              </a:rPr>
+              <a:t>ARIMA</a:t>
+            </a:r>
+            <a:endParaRPr dirty="0">
+              <a:solidFill>
+                <a:srgbClr val="1155CC"/>
+              </a:solidFill>
+              <a:latin typeface="Proxima Nova"/>
+              <a:ea typeface="Proxima Nova"/>
+              <a:cs typeface="Proxima Nova"/>
+              <a:sym typeface="Proxima Nova"/>
+            </a:endParaRPr>
+          </a:p>
+        </p:txBody>
+      </p:sp>
+      <p:sp>
+        <p:nvSpPr>
+          <p:cNvPr id="46" name="Google Shape;46;p10"/>
+          <p:cNvSpPr txBox="1">
+            <a:spLocks noGrp="1"/>
+          </p:cNvSpPr>
+          <p:nvPr>
+            <p:ph type="body" idx="1"/>
+          </p:nvPr>
+        </p:nvSpPr>
+        <p:spPr>
+          <a:xfrm>
+            <a:off x="457200" y="1215774"/>
+            <a:ext cx="8229600" cy="1981081"/>
+          </a:xfrm>
+          <a:prstGeom prst="rect">
+            <a:avLst/>
+          </a:prstGeom>
+        </p:spPr>
+        <p:txBody>
+          <a:bodyPr spcFirstLastPara="1" wrap="square" lIns="91425" tIns="91425" rIns="91425" bIns="91425" anchor="t" anchorCtr="0">
+            <a:noAutofit/>
+          </a:bodyPr>
+          <a:lstStyle/>
+          <a:p>
+            <a:pPr marL="0" lvl="0" indent="0" algn="l" rtl="0">
+              <a:lnSpc>
+                <a:spcPct val="100000"/>
+              </a:lnSpc>
+              <a:spcBef>
+                <a:spcPts val="0"/>
+              </a:spcBef>
+              <a:spcAft>
+                <a:spcPts val="1000"/>
+              </a:spcAft>
+              <a:buClr>
+                <a:schemeClr val="dk1"/>
+              </a:buClr>
+              <a:buSzPts val="1100"/>
+              <a:buFont typeface="Arial"/>
+              <a:buNone/>
+            </a:pPr>
+            <a:r>
+              <a:rPr lang="en-US" sz="2400" b="1" dirty="0">
+                <a:solidFill>
+                  <a:srgbClr val="000000"/>
+                </a:solidFill>
+                <a:latin typeface="Proxima Nova"/>
+                <a:ea typeface="Proxima Nova"/>
+                <a:cs typeface="Proxima Nova"/>
+                <a:sym typeface="Proxima Nova"/>
+              </a:rPr>
+              <a:t>Instead of formula</a:t>
+            </a:r>
+          </a:p>
+          <a:p>
+            <a:pPr marL="0" lvl="0" indent="0" algn="l" rtl="0">
+              <a:lnSpc>
+                <a:spcPct val="100000"/>
+              </a:lnSpc>
+              <a:spcBef>
+                <a:spcPts val="0"/>
+              </a:spcBef>
+              <a:spcAft>
+                <a:spcPts val="1000"/>
+              </a:spcAft>
+              <a:buClr>
+                <a:schemeClr val="dk1"/>
+              </a:buClr>
+              <a:buSzPts val="1100"/>
+              <a:buFont typeface="Arial"/>
+              <a:buNone/>
+            </a:pPr>
+            <a:r>
+              <a:rPr lang="en-US" sz="2400" b="1" u="sng" dirty="0">
+                <a:solidFill>
+                  <a:srgbClr val="000000"/>
+                </a:solidFill>
+              </a:rPr>
+              <a:t>AR</a:t>
+            </a:r>
+            <a:r>
+              <a:rPr lang="en-US" sz="2400" b="1" dirty="0">
+                <a:solidFill>
+                  <a:srgbClr val="000000"/>
+                </a:solidFill>
+              </a:rPr>
+              <a:t>  I  </a:t>
+            </a:r>
+            <a:r>
+              <a:rPr lang="en-US" sz="2400" b="1" u="sng" dirty="0">
+                <a:solidFill>
+                  <a:srgbClr val="000000"/>
+                </a:solidFill>
+              </a:rPr>
+              <a:t>MA</a:t>
+            </a:r>
+            <a:endParaRPr sz="2400" u="sng" dirty="0">
+              <a:solidFill>
+                <a:srgbClr val="000000"/>
+              </a:solidFill>
+            </a:endParaRPr>
+          </a:p>
+        </p:txBody>
+      </p:sp>
+    </p:spTree>
+    <p:extLst>
+      <p:ext uri="{BB962C8B-B14F-4D97-AF65-F5344CB8AC3E}">
+        <p14:creationId xmlns:p14="http://schemas.microsoft.com/office/powerpoint/2010/main" val="1399435270"/>
+      </p:ext>
+    </p:extLst>
+  </p:cSld>
+  <p:clrMapOvr>
+    <a:masterClrMapping/>
+  </p:clrMapOvr>
+</p:sld>
+</file>
+
+<file path=ppt/slides/slide11.xml><?xml version="1.0" encoding="utf-8"?>
+<p:sld xmlns:a="http://schemas.openxmlformats.org/drawingml/2006/main" xmlns:r="http://schemas.openxmlformats.org/officeDocument/2006/relationships" xmlns:p="http://schemas.openxmlformats.org/presentationml/2006/main">
+  <p:cSld>
+    <p:spTree>
+      <p:nvGrpSpPr>
+        <p:cNvPr id="1" name="Shape 44"/>
+        <p:cNvGrpSpPr/>
+        <p:nvPr/>
+      </p:nvGrpSpPr>
+      <p:grpSpPr>
+        <a:xfrm>
+          <a:off x="0" y="0"/>
+          <a:ext cx="0" cy="0"/>
+          <a:chOff x="0" y="0"/>
+          <a:chExt cx="0" cy="0"/>
+        </a:xfrm>
+      </p:grpSpPr>
+      <p:sp>
+        <p:nvSpPr>
+          <p:cNvPr id="45" name="Google Shape;45;p10"/>
+          <p:cNvSpPr txBox="1">
+            <a:spLocks noGrp="1"/>
+          </p:cNvSpPr>
+          <p:nvPr>
+            <p:ph type="title"/>
+          </p:nvPr>
+        </p:nvSpPr>
+        <p:spPr>
+          <a:xfrm>
+            <a:off x="457199" y="358378"/>
+            <a:ext cx="8481237" cy="655259"/>
+          </a:xfrm>
+          <a:prstGeom prst="rect">
+            <a:avLst/>
+          </a:prstGeom>
+        </p:spPr>
+        <p:txBody>
+          <a:bodyPr spcFirstLastPara="1" wrap="square" lIns="91425" tIns="91425" rIns="91425" bIns="91425" anchor="t" anchorCtr="0">
+            <a:noAutofit/>
+          </a:bodyPr>
+          <a:lstStyle/>
+          <a:p>
+            <a:pPr marL="0" lvl="0" indent="0" algn="l" rtl="0">
+              <a:spcBef>
+                <a:spcPts val="0"/>
+              </a:spcBef>
+              <a:spcAft>
+                <a:spcPts val="0"/>
+              </a:spcAft>
+              <a:buNone/>
+            </a:pPr>
+            <a:r>
+              <a:rPr lang="en-US" dirty="0">
+                <a:solidFill>
+                  <a:srgbClr val="1155CC"/>
+                </a:solidFill>
+                <a:latin typeface="Proxima Nova"/>
+                <a:ea typeface="Proxima Nova"/>
+                <a:cs typeface="Proxima Nova"/>
+                <a:sym typeface="Proxima Nova"/>
+              </a:rPr>
+              <a:t>Diffs first level evaluation</a:t>
+            </a:r>
+            <a:endParaRPr dirty="0">
+              <a:solidFill>
+                <a:srgbClr val="1155CC"/>
+              </a:solidFill>
+              <a:latin typeface="Proxima Nova"/>
+              <a:ea typeface="Proxima Nova"/>
+              <a:cs typeface="Proxima Nova"/>
+              <a:sym typeface="Proxima Nova"/>
+            </a:endParaRPr>
+          </a:p>
+        </p:txBody>
+      </p:sp>
+      <p:pic>
+        <p:nvPicPr>
+          <p:cNvPr id="4" name="Picture 3">
+            <a:extLst>
+              <a:ext uri="{FF2B5EF4-FFF2-40B4-BE49-F238E27FC236}">
+                <a16:creationId xmlns:a16="http://schemas.microsoft.com/office/drawing/2014/main" id="{BFA2C74E-C6D6-45EB-8F5D-90A1B086F130}"/>
+              </a:ext>
+            </a:extLst>
+          </p:cNvPr>
+          <p:cNvPicPr>
+            <a:picLocks noChangeAspect="1"/>
+          </p:cNvPicPr>
+          <p:nvPr/>
+        </p:nvPicPr>
+        <p:blipFill>
+          <a:blip r:embed="rId3"/>
+          <a:stretch>
+            <a:fillRect/>
+          </a:stretch>
+        </p:blipFill>
+        <p:spPr>
+          <a:xfrm>
+            <a:off x="36422" y="964018"/>
+            <a:ext cx="9071155" cy="4179481"/>
+          </a:xfrm>
+          <a:prstGeom prst="rect">
+            <a:avLst/>
+          </a:prstGeom>
+        </p:spPr>
+      </p:pic>
+    </p:spTree>
+    <p:extLst>
+      <p:ext uri="{BB962C8B-B14F-4D97-AF65-F5344CB8AC3E}">
+        <p14:creationId xmlns:p14="http://schemas.microsoft.com/office/powerpoint/2010/main" val="711534854"/>
+      </p:ext>
+    </p:extLst>
+  </p:cSld>
+  <p:clrMapOvr>
+    <a:masterClrMapping/>
+  </p:clrMapOvr>
+</p:sld>
+</file>
+
+<file path=ppt/slides/slide12.xml><?xml version="1.0" encoding="utf-8"?>
+<p:sld xmlns:a="http://schemas.openxmlformats.org/drawingml/2006/main" xmlns:r="http://schemas.openxmlformats.org/officeDocument/2006/relationships" xmlns:p="http://schemas.openxmlformats.org/presentationml/2006/main">
+  <p:cSld>
+    <p:spTree>
+      <p:nvGrpSpPr>
+        <p:cNvPr id="1" name="Shape 44"/>
+        <p:cNvGrpSpPr/>
+        <p:nvPr/>
+      </p:nvGrpSpPr>
+      <p:grpSpPr>
+        <a:xfrm>
+          <a:off x="0" y="0"/>
+          <a:ext cx="0" cy="0"/>
+          <a:chOff x="0" y="0"/>
+          <a:chExt cx="0" cy="0"/>
+        </a:xfrm>
+      </p:grpSpPr>
+      <p:sp>
+        <p:nvSpPr>
+          <p:cNvPr id="45" name="Google Shape;45;p10"/>
+          <p:cNvSpPr txBox="1">
+            <a:spLocks noGrp="1"/>
+          </p:cNvSpPr>
+          <p:nvPr>
+            <p:ph type="title"/>
+          </p:nvPr>
+        </p:nvSpPr>
+        <p:spPr>
+          <a:xfrm>
+            <a:off x="457200" y="358378"/>
+            <a:ext cx="8229600" cy="857400"/>
+          </a:xfrm>
+          <a:prstGeom prst="rect">
+            <a:avLst/>
+          </a:prstGeom>
+        </p:spPr>
+        <p:txBody>
+          <a:bodyPr spcFirstLastPara="1" wrap="square" lIns="91425" tIns="91425" rIns="91425" bIns="91425" anchor="t" anchorCtr="0">
+            <a:noAutofit/>
+          </a:bodyPr>
+          <a:lstStyle/>
+          <a:p>
+            <a:pPr lvl="0"/>
+            <a:r>
+              <a:rPr lang="en-US" dirty="0"/>
+              <a:t>PACF, ACF</a:t>
+            </a:r>
+            <a:endParaRPr dirty="0">
+              <a:solidFill>
+                <a:srgbClr val="1155CC"/>
+              </a:solidFill>
+              <a:latin typeface="Proxima Nova"/>
+              <a:ea typeface="Proxima Nova"/>
+              <a:cs typeface="Proxima Nova"/>
+              <a:sym typeface="Proxima Nova"/>
+            </a:endParaRPr>
+          </a:p>
+        </p:txBody>
+      </p:sp>
+      <p:pic>
+        <p:nvPicPr>
+          <p:cNvPr id="4" name="Picture 3">
+            <a:extLst>
+              <a:ext uri="{FF2B5EF4-FFF2-40B4-BE49-F238E27FC236}">
+                <a16:creationId xmlns:a16="http://schemas.microsoft.com/office/drawing/2014/main" id="{680AC102-02C2-4663-980E-CD6A45D99DFD}"/>
+              </a:ext>
+            </a:extLst>
+          </p:cNvPr>
+          <p:cNvPicPr>
+            <a:picLocks noChangeAspect="1"/>
+          </p:cNvPicPr>
+          <p:nvPr/>
+        </p:nvPicPr>
+        <p:blipFill>
+          <a:blip r:embed="rId3"/>
+          <a:stretch>
+            <a:fillRect/>
+          </a:stretch>
+        </p:blipFill>
+        <p:spPr>
+          <a:xfrm>
+            <a:off x="0" y="935664"/>
+            <a:ext cx="9144000" cy="4051819"/>
+          </a:xfrm>
+          <a:prstGeom prst="rect">
+            <a:avLst/>
+          </a:prstGeom>
+        </p:spPr>
+      </p:pic>
+    </p:spTree>
+    <p:extLst>
+      <p:ext uri="{BB962C8B-B14F-4D97-AF65-F5344CB8AC3E}">
+        <p14:creationId xmlns:p14="http://schemas.microsoft.com/office/powerpoint/2010/main" val="1246142794"/>
+      </p:ext>
+    </p:extLst>
+  </p:cSld>
+  <p:clrMapOvr>
+    <a:masterClrMapping/>
+  </p:clrMapOvr>
+</p:sld>
+</file>
+
+<file path=ppt/slides/slide13.xml><?xml version="1.0" encoding="utf-8"?>
+<p:sld xmlns:a="http://schemas.openxmlformats.org/drawingml/2006/main" xmlns:r="http://schemas.openxmlformats.org/officeDocument/2006/relationships" xmlns:p="http://schemas.openxmlformats.org/presentationml/2006/main">
+  <p:cSld>
+    <p:spTree>
+      <p:nvGrpSpPr>
+        <p:cNvPr id="1" name="Shape 44"/>
         <p:cNvGrpSpPr/>
         <p:nvPr/>
       </p:nvGrpSpPr>
@@ -6061,280 +7464,40 @@
       </p:grpSpPr>
       <p:pic>
         <p:nvPicPr>
-          <p:cNvPr id="65" name="Google Shape;65;p13" descr="Watchface-car-opened.png"/>
-          <p:cNvPicPr preferRelativeResize="0"/>
+          <p:cNvPr id="4" name="Picture 3">
+            <a:extLst>
+              <a:ext uri="{FF2B5EF4-FFF2-40B4-BE49-F238E27FC236}">
+                <a16:creationId xmlns:a16="http://schemas.microsoft.com/office/drawing/2014/main" id="{F6FD477D-B40D-490E-A04B-1E25465A81A2}"/>
+              </a:ext>
+            </a:extLst>
+          </p:cNvPr>
+          <p:cNvPicPr>
+            <a:picLocks noChangeAspect="1"/>
+          </p:cNvPicPr>
           <p:nvPr/>
         </p:nvPicPr>
-        <p:blipFill rotWithShape="1">
-          <a:blip r:embed="rId3">
-            <a:alphaModFix/>
-          </a:blip>
-          <a:srcRect r="62125"/>
-          <a:stretch/>
+        <p:blipFill>
+          <a:blip r:embed="rId3"/>
+          <a:stretch>
+            <a:fillRect/>
+          </a:stretch>
         </p:blipFill>
         <p:spPr>
           <a:xfrm>
-            <a:off x="-16050" y="0"/>
-            <a:ext cx="3947397" cy="5143525"/>
+            <a:off x="0" y="0"/>
+            <a:ext cx="9144000" cy="5067974"/>
           </a:xfrm>
           <a:prstGeom prst="rect">
             <a:avLst/>
           </a:prstGeom>
-          <a:noFill/>
-          <a:ln>
-            <a:noFill/>
-          </a:ln>
         </p:spPr>
       </p:pic>
-      <p:sp>
-        <p:nvSpPr>
-          <p:cNvPr id="66" name="Google Shape;66;p13"/>
-          <p:cNvSpPr txBox="1">
-            <a:spLocks noGrp="1"/>
-          </p:cNvSpPr>
-          <p:nvPr>
-            <p:ph type="title"/>
-          </p:nvPr>
-        </p:nvSpPr>
-        <p:spPr>
-          <a:xfrm>
-            <a:off x="4236075" y="211813"/>
-            <a:ext cx="4654800" cy="857400"/>
-          </a:xfrm>
-          <a:prstGeom prst="rect">
-            <a:avLst/>
-          </a:prstGeom>
-        </p:spPr>
-        <p:txBody>
-          <a:bodyPr spcFirstLastPara="1" wrap="square" lIns="91425" tIns="91425" rIns="91425" bIns="91425" anchor="t" anchorCtr="0">
-            <a:noAutofit/>
-          </a:bodyPr>
-          <a:lstStyle/>
-          <a:p>
-            <a:pPr marL="0" lvl="0" indent="0" algn="l" rtl="0">
-              <a:spcBef>
-                <a:spcPts val="0"/>
-              </a:spcBef>
-              <a:spcAft>
-                <a:spcPts val="0"/>
-              </a:spcAft>
-              <a:buNone/>
-            </a:pPr>
-            <a:r>
-              <a:rPr lang="en">
-                <a:solidFill>
-                  <a:srgbClr val="1155CC"/>
-                </a:solidFill>
-                <a:latin typeface="Proxima Nova"/>
-                <a:ea typeface="Proxima Nova"/>
-                <a:cs typeface="Proxima Nova"/>
-                <a:sym typeface="Proxima Nova"/>
-              </a:rPr>
-              <a:t>Image on left</a:t>
-            </a:r>
-            <a:endParaRPr>
-              <a:solidFill>
-                <a:srgbClr val="1155CC"/>
-              </a:solidFill>
-              <a:latin typeface="Proxima Nova"/>
-              <a:ea typeface="Proxima Nova"/>
-              <a:cs typeface="Proxima Nova"/>
-              <a:sym typeface="Proxima Nova"/>
-            </a:endParaRPr>
-          </a:p>
-        </p:txBody>
-      </p:sp>
-      <p:sp>
-        <p:nvSpPr>
-          <p:cNvPr id="67" name="Google Shape;67;p13"/>
-          <p:cNvSpPr txBox="1">
-            <a:spLocks noGrp="1"/>
-          </p:cNvSpPr>
-          <p:nvPr>
-            <p:ph type="body" idx="1"/>
-          </p:nvPr>
-        </p:nvSpPr>
-        <p:spPr>
-          <a:xfrm>
-            <a:off x="4236075" y="1205988"/>
-            <a:ext cx="4056600" cy="3725700"/>
-          </a:xfrm>
-          <a:prstGeom prst="rect">
-            <a:avLst/>
-          </a:prstGeom>
-        </p:spPr>
-        <p:txBody>
-          <a:bodyPr spcFirstLastPara="1" wrap="square" lIns="91425" tIns="91425" rIns="91425" bIns="91425" anchor="t" anchorCtr="0">
-            <a:noAutofit/>
-          </a:bodyPr>
-          <a:lstStyle/>
-          <a:p>
-            <a:pPr marL="0" lvl="0" indent="0" algn="l" rtl="0">
-              <a:spcBef>
-                <a:spcPts val="600"/>
-              </a:spcBef>
-              <a:spcAft>
-                <a:spcPts val="0"/>
-              </a:spcAft>
-              <a:buNone/>
-            </a:pPr>
-            <a:r>
-              <a:rPr lang="en" sz="2400" b="1">
-                <a:latin typeface="Proxima Nova"/>
-                <a:ea typeface="Proxima Nova"/>
-                <a:cs typeface="Proxima Nova"/>
-                <a:sym typeface="Proxima Nova"/>
-              </a:rPr>
-              <a:t>Cool Feature</a:t>
-            </a:r>
-            <a:endParaRPr sz="2400">
-              <a:latin typeface="Proxima Nova"/>
-              <a:ea typeface="Proxima Nova"/>
-              <a:cs typeface="Proxima Nova"/>
-              <a:sym typeface="Proxima Nova"/>
-            </a:endParaRPr>
-          </a:p>
-          <a:p>
-            <a:pPr marL="457200" lvl="0" indent="-381000" algn="l" rtl="0">
-              <a:spcBef>
-                <a:spcPts val="600"/>
-              </a:spcBef>
-              <a:spcAft>
-                <a:spcPts val="0"/>
-              </a:spcAft>
-              <a:buSzPts val="2400"/>
-              <a:buFont typeface="Proxima Nova"/>
-              <a:buChar char="●"/>
-            </a:pPr>
-            <a:r>
-              <a:rPr lang="en" sz="2400">
-                <a:latin typeface="Proxima Nova"/>
-                <a:ea typeface="Proxima Nova"/>
-                <a:cs typeface="Proxima Nova"/>
-                <a:sym typeface="Proxima Nova"/>
-              </a:rPr>
-              <a:t>List Item 1</a:t>
-            </a:r>
-            <a:endParaRPr sz="2400">
-              <a:latin typeface="Proxima Nova"/>
-              <a:ea typeface="Proxima Nova"/>
-              <a:cs typeface="Proxima Nova"/>
-              <a:sym typeface="Proxima Nova"/>
-            </a:endParaRPr>
-          </a:p>
-          <a:p>
-            <a:pPr marL="457200" lvl="0" indent="-381000" algn="l" rtl="0">
-              <a:spcBef>
-                <a:spcPts val="0"/>
-              </a:spcBef>
-              <a:spcAft>
-                <a:spcPts val="0"/>
-              </a:spcAft>
-              <a:buSzPts val="2400"/>
-              <a:buFont typeface="Proxima Nova"/>
-              <a:buChar char="●"/>
-            </a:pPr>
-            <a:r>
-              <a:rPr lang="en" sz="2400">
-                <a:latin typeface="Proxima Nova"/>
-                <a:ea typeface="Proxima Nova"/>
-                <a:cs typeface="Proxima Nova"/>
-                <a:sym typeface="Proxima Nova"/>
-              </a:rPr>
-              <a:t>List Item 2</a:t>
-            </a:r>
-            <a:endParaRPr sz="2400">
-              <a:latin typeface="Proxima Nova"/>
-              <a:ea typeface="Proxima Nova"/>
-              <a:cs typeface="Proxima Nova"/>
-              <a:sym typeface="Proxima Nova"/>
-            </a:endParaRPr>
-          </a:p>
-          <a:p>
-            <a:pPr marL="0" lvl="0" indent="0" algn="l" rtl="0">
-              <a:spcBef>
-                <a:spcPts val="600"/>
-              </a:spcBef>
-              <a:spcAft>
-                <a:spcPts val="0"/>
-              </a:spcAft>
-              <a:buNone/>
-            </a:pPr>
-            <a:r>
-              <a:rPr lang="en" sz="2400" b="1">
-                <a:latin typeface="Proxima Nova"/>
-                <a:ea typeface="Proxima Nova"/>
-                <a:cs typeface="Proxima Nova"/>
-                <a:sym typeface="Proxima Nova"/>
-              </a:rPr>
-              <a:t>One more</a:t>
-            </a:r>
-            <a:endParaRPr sz="2400" b="1">
-              <a:latin typeface="Proxima Nova"/>
-              <a:ea typeface="Proxima Nova"/>
-              <a:cs typeface="Proxima Nova"/>
-              <a:sym typeface="Proxima Nova"/>
-            </a:endParaRPr>
-          </a:p>
-          <a:p>
-            <a:pPr marL="457200" lvl="0" indent="-381000" algn="l" rtl="0">
-              <a:spcBef>
-                <a:spcPts val="600"/>
-              </a:spcBef>
-              <a:spcAft>
-                <a:spcPts val="0"/>
-              </a:spcAft>
-              <a:buSzPts val="2400"/>
-              <a:buFont typeface="Proxima Nova"/>
-              <a:buChar char="●"/>
-            </a:pPr>
-            <a:r>
-              <a:rPr lang="en" sz="2400">
-                <a:latin typeface="Proxima Nova"/>
-                <a:ea typeface="Proxima Nova"/>
-                <a:cs typeface="Proxima Nova"/>
-                <a:sym typeface="Proxima Nova"/>
-              </a:rPr>
-              <a:t>List Item 1</a:t>
-            </a:r>
-            <a:endParaRPr sz="2400">
-              <a:latin typeface="Proxima Nova"/>
-              <a:ea typeface="Proxima Nova"/>
-              <a:cs typeface="Proxima Nova"/>
-              <a:sym typeface="Proxima Nova"/>
-            </a:endParaRPr>
-          </a:p>
-          <a:p>
-            <a:pPr marL="457200" lvl="0" indent="-381000" algn="l" rtl="0">
-              <a:spcBef>
-                <a:spcPts val="0"/>
-              </a:spcBef>
-              <a:spcAft>
-                <a:spcPts val="0"/>
-              </a:spcAft>
-              <a:buSzPts val="2400"/>
-              <a:buFont typeface="Proxima Nova"/>
-              <a:buChar char="●"/>
-            </a:pPr>
-            <a:r>
-              <a:rPr lang="en" sz="2400">
-                <a:latin typeface="Proxima Nova"/>
-                <a:ea typeface="Proxima Nova"/>
-                <a:cs typeface="Proxima Nova"/>
-                <a:sym typeface="Proxima Nova"/>
-              </a:rPr>
-              <a:t>List Item 2</a:t>
-            </a:r>
-            <a:endParaRPr sz="2400">
-              <a:latin typeface="Proxima Nova"/>
-              <a:ea typeface="Proxima Nova"/>
-              <a:cs typeface="Proxima Nova"/>
-              <a:sym typeface="Proxima Nova"/>
-            </a:endParaRPr>
-          </a:p>
-        </p:txBody>
-      </p:sp>
     </p:spTree>
+    <p:extLst>
+      <p:ext uri="{BB962C8B-B14F-4D97-AF65-F5344CB8AC3E}">
+        <p14:creationId xmlns:p14="http://schemas.microsoft.com/office/powerpoint/2010/main" val="3721046584"/>
+      </p:ext>
+    </p:extLst>
   </p:cSld>
   <p:clrMapOvr>
     <a:masterClrMapping/>
@@ -6342,20 +7505,72 @@
 </p:sld>
 </file>
 
-<file path=ppt/slides/slide11.xml><?xml version="1.0" encoding="utf-8"?>
+<file path=ppt/slides/slide14.xml><?xml version="1.0" encoding="utf-8"?>
 <p:sld xmlns:a="http://schemas.openxmlformats.org/drawingml/2006/main" xmlns:r="http://schemas.openxmlformats.org/officeDocument/2006/relationships" xmlns:p="http://schemas.openxmlformats.org/presentationml/2006/main">
   <p:cSld>
-    <p:bg>
-      <p:bgPr>
-        <a:solidFill>
-          <a:srgbClr val="1155CC"/>
-        </a:solidFill>
-        <a:effectLst/>
-      </p:bgPr>
-    </p:bg>
     <p:spTree>
       <p:nvGrpSpPr>
-        <p:cNvPr id="1" name="Shape 71"/>
+        <p:cNvPr id="1" name="Shape 44"/>
+        <p:cNvGrpSpPr/>
+        <p:nvPr/>
+      </p:nvGrpSpPr>
+      <p:grpSpPr>
+        <a:xfrm>
+          <a:off x="0" y="0"/>
+          <a:ext cx="0" cy="0"/>
+          <a:chOff x="0" y="0"/>
+          <a:chExt cx="0" cy="0"/>
+        </a:xfrm>
+      </p:grpSpPr>
+      <p:pic>
+        <p:nvPicPr>
+          <p:cNvPr id="4" name="Picture 3">
+            <a:extLst>
+              <a:ext uri="{FF2B5EF4-FFF2-40B4-BE49-F238E27FC236}">
+                <a16:creationId xmlns:a16="http://schemas.microsoft.com/office/drawing/2014/main" id="{BD6F99FC-5199-4CE7-BBE7-28CDC263F5E6}"/>
+              </a:ext>
+            </a:extLst>
+          </p:cNvPr>
+          <p:cNvPicPr>
+            <a:picLocks noChangeAspect="1"/>
+          </p:cNvPicPr>
+          <p:nvPr/>
+        </p:nvPicPr>
+        <p:blipFill>
+          <a:blip r:embed="rId3"/>
+          <a:stretch>
+            <a:fillRect/>
+          </a:stretch>
+        </p:blipFill>
+        <p:spPr>
+          <a:xfrm>
+            <a:off x="297938" y="120502"/>
+            <a:ext cx="8548123" cy="4954772"/>
+          </a:xfrm>
+          <a:prstGeom prst="rect">
+            <a:avLst/>
+          </a:prstGeom>
+        </p:spPr>
+      </p:pic>
+    </p:spTree>
+    <p:extLst>
+      <p:ext uri="{BB962C8B-B14F-4D97-AF65-F5344CB8AC3E}">
+        <p14:creationId xmlns:p14="http://schemas.microsoft.com/office/powerpoint/2010/main" val="3304352329"/>
+      </p:ext>
+    </p:extLst>
+  </p:cSld>
+  <p:clrMapOvr>
+    <a:masterClrMapping/>
+  </p:clrMapOvr>
+</p:sld>
+</file>
+
+<file path=ppt/slides/slide15.xml><?xml version="1.0" encoding="utf-8"?>
+<p:sld xmlns:a="http://schemas.openxmlformats.org/drawingml/2006/main" xmlns:r="http://schemas.openxmlformats.org/officeDocument/2006/relationships" xmlns:p="http://schemas.openxmlformats.org/presentationml/2006/main">
+  <p:cSld>
+    <p:spTree>
+      <p:nvGrpSpPr>
+        <p:cNvPr id="1" name="Shape 44"/>
         <p:cNvGrpSpPr/>
         <p:nvPr/>
       </p:nvGrpSpPr>
@@ -6369,88 +7584,18 @@
       </p:grpSpPr>
       <p:sp>
         <p:nvSpPr>
-          <p:cNvPr id="72" name="Google Shape;72;p14"/>
+          <p:cNvPr id="45" name="Google Shape;45;p10"/>
           <p:cNvSpPr txBox="1">
             <a:spLocks noGrp="1"/>
           </p:cNvSpPr>
           <p:nvPr>
-            <p:ph type="ctrTitle"/>
+            <p:ph type="title"/>
           </p:nvPr>
         </p:nvSpPr>
         <p:spPr>
           <a:xfrm>
-            <a:off x="685800" y="1583342"/>
-            <a:ext cx="7772400" cy="1159800"/>
-          </a:xfrm>
-          <a:prstGeom prst="rect">
-            <a:avLst/>
-          </a:prstGeom>
-        </p:spPr>
-        <p:txBody>
-          <a:bodyPr spcFirstLastPara="1" wrap="square" lIns="91425" tIns="91425" rIns="91425" bIns="91425" anchor="b" anchorCtr="0">
-            <a:noAutofit/>
-          </a:bodyPr>
-          <a:lstStyle/>
-          <a:p>
-            <a:pPr marL="0" lvl="0" indent="0" algn="l" rtl="0">
-              <a:spcBef>
-                <a:spcPts val="0"/>
-              </a:spcBef>
-              <a:spcAft>
-                <a:spcPts val="0"/>
-              </a:spcAft>
-              <a:buNone/>
-            </a:pPr>
-            <a:r>
-              <a:rPr lang="en">
-                <a:solidFill>
-                  <a:schemeClr val="lt1"/>
-                </a:solidFill>
-              </a:rPr>
-              <a:t>Inspired by Technology.</a:t>
-            </a:r>
-            <a:endParaRPr>
-              <a:solidFill>
-                <a:schemeClr val="lt1"/>
-              </a:solidFill>
-            </a:endParaRPr>
-          </a:p>
-          <a:p>
-            <a:pPr marL="0" lvl="0" indent="0" algn="l" rtl="0">
-              <a:spcBef>
-                <a:spcPts val="0"/>
-              </a:spcBef>
-              <a:spcAft>
-                <a:spcPts val="0"/>
-              </a:spcAft>
-              <a:buNone/>
-            </a:pPr>
-            <a:r>
-              <a:rPr lang="en">
-                <a:solidFill>
-                  <a:schemeClr val="lt1"/>
-                </a:solidFill>
-              </a:rPr>
-              <a:t>Driven by Value.</a:t>
-            </a:r>
-            <a:endParaRPr/>
-          </a:p>
-        </p:txBody>
-      </p:sp>
-      <p:sp>
-        <p:nvSpPr>
-          <p:cNvPr id="73" name="Google Shape;73;p14"/>
-          <p:cNvSpPr txBox="1">
-            <a:spLocks noGrp="1"/>
-          </p:cNvSpPr>
-          <p:nvPr>
-            <p:ph type="subTitle" idx="1"/>
-          </p:nvPr>
-        </p:nvSpPr>
-        <p:spPr>
-          <a:xfrm>
-            <a:off x="685800" y="2611454"/>
-            <a:ext cx="7772400" cy="784800"/>
+            <a:off x="457200" y="108305"/>
+            <a:ext cx="6303862" cy="612729"/>
           </a:xfrm>
           <a:prstGeom prst="rect">
             <a:avLst/>
@@ -6471,39 +7616,688 @@
               </a:spcAft>
               <a:buNone/>
             </a:pPr>
-            <a:endParaRPr/>
+            <a:r>
+              <a:rPr lang="en-US" dirty="0">
+                <a:solidFill>
+                  <a:srgbClr val="1155CC"/>
+                </a:solidFill>
+                <a:latin typeface="Proxima Nova"/>
+                <a:ea typeface="Proxima Nova"/>
+                <a:cs typeface="Proxima Nova"/>
+                <a:sym typeface="Proxima Nova"/>
+              </a:rPr>
+              <a:t>JHR ARIMA result (p, d, q)</a:t>
+            </a:r>
+            <a:endParaRPr dirty="0">
+              <a:solidFill>
+                <a:srgbClr val="1155CC"/>
+              </a:solidFill>
+              <a:latin typeface="Proxima Nova"/>
+              <a:ea typeface="Proxima Nova"/>
+              <a:cs typeface="Proxima Nova"/>
+              <a:sym typeface="Proxima Nova"/>
+            </a:endParaRPr>
           </a:p>
         </p:txBody>
       </p:sp>
       <p:pic>
         <p:nvPicPr>
-          <p:cNvPr id="74" name="Google Shape;74;p14"/>
-          <p:cNvPicPr preferRelativeResize="0"/>
+          <p:cNvPr id="4" name="Picture 3">
+            <a:extLst>
+              <a:ext uri="{FF2B5EF4-FFF2-40B4-BE49-F238E27FC236}">
+                <a16:creationId xmlns:a16="http://schemas.microsoft.com/office/drawing/2014/main" id="{B2F8A434-FBD0-4EF0-8EB7-278F1FC56BCE}"/>
+              </a:ext>
+            </a:extLst>
+          </p:cNvPr>
+          <p:cNvPicPr>
+            <a:picLocks noChangeAspect="1"/>
+          </p:cNvPicPr>
           <p:nvPr/>
         </p:nvPicPr>
         <p:blipFill>
-          <a:blip r:embed="rId3">
-            <a:alphaModFix/>
-          </a:blip>
+          <a:blip r:embed="rId3"/>
           <a:stretch>
             <a:fillRect/>
           </a:stretch>
         </p:blipFill>
         <p:spPr>
           <a:xfrm>
-            <a:off x="880225" y="676625"/>
-            <a:ext cx="828905" cy="227400"/>
+            <a:off x="6761062" y="0"/>
+            <a:ext cx="2199884" cy="5143500"/>
           </a:xfrm>
           <a:prstGeom prst="rect">
             <a:avLst/>
           </a:prstGeom>
-          <a:noFill/>
-          <a:ln>
-            <a:noFill/>
-          </a:ln>
+        </p:spPr>
+      </p:pic>
+      <p:pic>
+        <p:nvPicPr>
+          <p:cNvPr id="5" name="Picture 4">
+            <a:extLst>
+              <a:ext uri="{FF2B5EF4-FFF2-40B4-BE49-F238E27FC236}">
+                <a16:creationId xmlns:a16="http://schemas.microsoft.com/office/drawing/2014/main" id="{F735ED8E-4EE3-4EFC-926F-FD3D62B70459}"/>
+              </a:ext>
+            </a:extLst>
+          </p:cNvPr>
+          <p:cNvPicPr>
+            <a:picLocks noChangeAspect="1"/>
+          </p:cNvPicPr>
+          <p:nvPr/>
+        </p:nvPicPr>
+        <p:blipFill>
+          <a:blip r:embed="rId4"/>
+          <a:stretch>
+            <a:fillRect/>
+          </a:stretch>
+        </p:blipFill>
+        <p:spPr>
+          <a:xfrm>
+            <a:off x="-1" y="721034"/>
+            <a:ext cx="6691265" cy="4548077"/>
+          </a:xfrm>
+          <a:prstGeom prst="rect">
+            <a:avLst/>
+          </a:prstGeom>
         </p:spPr>
       </p:pic>
     </p:spTree>
+    <p:extLst>
+      <p:ext uri="{BB962C8B-B14F-4D97-AF65-F5344CB8AC3E}">
+        <p14:creationId xmlns:p14="http://schemas.microsoft.com/office/powerpoint/2010/main" val="1866282298"/>
+      </p:ext>
+    </p:extLst>
+  </p:cSld>
+  <p:clrMapOvr>
+    <a:masterClrMapping/>
+  </p:clrMapOvr>
+</p:sld>
+</file>
+
+<file path=ppt/slides/slide16.xml><?xml version="1.0" encoding="utf-8"?>
+<p:sld xmlns:a="http://schemas.openxmlformats.org/drawingml/2006/main" xmlns:r="http://schemas.openxmlformats.org/officeDocument/2006/relationships" xmlns:p="http://schemas.openxmlformats.org/presentationml/2006/main">
+  <p:cSld>
+    <p:spTree>
+      <p:nvGrpSpPr>
+        <p:cNvPr id="1" name="Shape 44"/>
+        <p:cNvGrpSpPr/>
+        <p:nvPr/>
+      </p:nvGrpSpPr>
+      <p:grpSpPr>
+        <a:xfrm>
+          <a:off x="0" y="0"/>
+          <a:ext cx="0" cy="0"/>
+          <a:chOff x="0" y="0"/>
+          <a:chExt cx="0" cy="0"/>
+        </a:xfrm>
+      </p:grpSpPr>
+      <p:sp>
+        <p:nvSpPr>
+          <p:cNvPr id="45" name="Google Shape;45;p10"/>
+          <p:cNvSpPr txBox="1">
+            <a:spLocks noGrp="1"/>
+          </p:cNvSpPr>
+          <p:nvPr>
+            <p:ph type="title"/>
+          </p:nvPr>
+        </p:nvSpPr>
+        <p:spPr>
+          <a:xfrm>
+            <a:off x="457200" y="108305"/>
+            <a:ext cx="6303862" cy="612729"/>
+          </a:xfrm>
+          <a:prstGeom prst="rect">
+            <a:avLst/>
+          </a:prstGeom>
+        </p:spPr>
+        <p:txBody>
+          <a:bodyPr spcFirstLastPara="1" wrap="square" lIns="91425" tIns="91425" rIns="91425" bIns="91425" anchor="t" anchorCtr="0">
+            <a:noAutofit/>
+          </a:bodyPr>
+          <a:lstStyle/>
+          <a:p>
+            <a:pPr marL="0" lvl="0" indent="0" algn="l" rtl="0">
+              <a:spcBef>
+                <a:spcPts val="0"/>
+              </a:spcBef>
+              <a:spcAft>
+                <a:spcPts val="0"/>
+              </a:spcAft>
+              <a:buNone/>
+            </a:pPr>
+            <a:r>
+              <a:rPr lang="en-US" dirty="0">
+                <a:solidFill>
+                  <a:srgbClr val="1155CC"/>
+                </a:solidFill>
+                <a:latin typeface="Proxima Nova"/>
+                <a:ea typeface="Proxima Nova"/>
+                <a:cs typeface="Proxima Nova"/>
+                <a:sym typeface="Proxima Nova"/>
+              </a:rPr>
+              <a:t>PHG ARIMA result (p, d, q)</a:t>
+            </a:r>
+            <a:endParaRPr dirty="0">
+              <a:solidFill>
+                <a:srgbClr val="1155CC"/>
+              </a:solidFill>
+              <a:latin typeface="Proxima Nova"/>
+              <a:ea typeface="Proxima Nova"/>
+              <a:cs typeface="Proxima Nova"/>
+              <a:sym typeface="Proxima Nova"/>
+            </a:endParaRPr>
+          </a:p>
+        </p:txBody>
+      </p:sp>
+      <p:pic>
+        <p:nvPicPr>
+          <p:cNvPr id="2" name="Picture 1">
+            <a:extLst>
+              <a:ext uri="{FF2B5EF4-FFF2-40B4-BE49-F238E27FC236}">
+                <a16:creationId xmlns:a16="http://schemas.microsoft.com/office/drawing/2014/main" id="{EF70AF8C-407E-47D6-A6EF-40E60B76BA43}"/>
+              </a:ext>
+            </a:extLst>
+          </p:cNvPr>
+          <p:cNvPicPr>
+            <a:picLocks noChangeAspect="1"/>
+          </p:cNvPicPr>
+          <p:nvPr/>
+        </p:nvPicPr>
+        <p:blipFill>
+          <a:blip r:embed="rId3"/>
+          <a:stretch>
+            <a:fillRect/>
+          </a:stretch>
+        </p:blipFill>
+        <p:spPr>
+          <a:xfrm>
+            <a:off x="7061401" y="0"/>
+            <a:ext cx="2082599" cy="5143500"/>
+          </a:xfrm>
+          <a:prstGeom prst="rect">
+            <a:avLst/>
+          </a:prstGeom>
+        </p:spPr>
+      </p:pic>
+      <p:pic>
+        <p:nvPicPr>
+          <p:cNvPr id="3" name="Picture 2">
+            <a:extLst>
+              <a:ext uri="{FF2B5EF4-FFF2-40B4-BE49-F238E27FC236}">
+                <a16:creationId xmlns:a16="http://schemas.microsoft.com/office/drawing/2014/main" id="{68799527-B6B0-4B35-B0D6-742C25FC95D1}"/>
+              </a:ext>
+            </a:extLst>
+          </p:cNvPr>
+          <p:cNvPicPr>
+            <a:picLocks noChangeAspect="1"/>
+          </p:cNvPicPr>
+          <p:nvPr/>
+        </p:nvPicPr>
+        <p:blipFill>
+          <a:blip r:embed="rId4"/>
+          <a:stretch>
+            <a:fillRect/>
+          </a:stretch>
+        </p:blipFill>
+        <p:spPr>
+          <a:xfrm>
+            <a:off x="221641" y="721034"/>
+            <a:ext cx="6757059" cy="4374842"/>
+          </a:xfrm>
+          <a:prstGeom prst="rect">
+            <a:avLst/>
+          </a:prstGeom>
+        </p:spPr>
+      </p:pic>
+    </p:spTree>
+    <p:extLst>
+      <p:ext uri="{BB962C8B-B14F-4D97-AF65-F5344CB8AC3E}">
+        <p14:creationId xmlns:p14="http://schemas.microsoft.com/office/powerpoint/2010/main" val="3233557363"/>
+      </p:ext>
+    </p:extLst>
+  </p:cSld>
+  <p:clrMapOvr>
+    <a:masterClrMapping/>
+  </p:clrMapOvr>
+</p:sld>
+</file>
+
+<file path=ppt/slides/slide17.xml><?xml version="1.0" encoding="utf-8"?>
+<p:sld xmlns:a="http://schemas.openxmlformats.org/drawingml/2006/main" xmlns:r="http://schemas.openxmlformats.org/officeDocument/2006/relationships" xmlns:p="http://schemas.openxmlformats.org/presentationml/2006/main">
+  <p:cSld>
+    <p:spTree>
+      <p:nvGrpSpPr>
+        <p:cNvPr id="1" name="Shape 44"/>
+        <p:cNvGrpSpPr/>
+        <p:nvPr/>
+      </p:nvGrpSpPr>
+      <p:grpSpPr>
+        <a:xfrm>
+          <a:off x="0" y="0"/>
+          <a:ext cx="0" cy="0"/>
+          <a:chOff x="0" y="0"/>
+          <a:chExt cx="0" cy="0"/>
+        </a:xfrm>
+      </p:grpSpPr>
+      <p:sp>
+        <p:nvSpPr>
+          <p:cNvPr id="45" name="Google Shape;45;p10"/>
+          <p:cNvSpPr txBox="1">
+            <a:spLocks noGrp="1"/>
+          </p:cNvSpPr>
+          <p:nvPr>
+            <p:ph type="title"/>
+          </p:nvPr>
+        </p:nvSpPr>
+        <p:spPr>
+          <a:xfrm>
+            <a:off x="457200" y="108305"/>
+            <a:ext cx="6303862" cy="612729"/>
+          </a:xfrm>
+          <a:prstGeom prst="rect">
+            <a:avLst/>
+          </a:prstGeom>
+        </p:spPr>
+        <p:txBody>
+          <a:bodyPr spcFirstLastPara="1" wrap="square" lIns="91425" tIns="91425" rIns="91425" bIns="91425" anchor="t" anchorCtr="0">
+            <a:noAutofit/>
+          </a:bodyPr>
+          <a:lstStyle/>
+          <a:p>
+            <a:pPr marL="0" lvl="0" indent="0" algn="l" rtl="0">
+              <a:spcBef>
+                <a:spcPts val="0"/>
+              </a:spcBef>
+              <a:spcAft>
+                <a:spcPts val="0"/>
+              </a:spcAft>
+              <a:buNone/>
+            </a:pPr>
+            <a:r>
+              <a:rPr lang="en-US" dirty="0">
+                <a:solidFill>
+                  <a:srgbClr val="1155CC"/>
+                </a:solidFill>
+                <a:latin typeface="Proxima Nova"/>
+                <a:ea typeface="Proxima Nova"/>
+                <a:cs typeface="Proxima Nova"/>
+                <a:sym typeface="Proxima Nova"/>
+              </a:rPr>
+              <a:t>SBH, ARIMA result (p, d, q)</a:t>
+            </a:r>
+            <a:endParaRPr dirty="0">
+              <a:solidFill>
+                <a:srgbClr val="1155CC"/>
+              </a:solidFill>
+              <a:latin typeface="Proxima Nova"/>
+              <a:ea typeface="Proxima Nova"/>
+              <a:cs typeface="Proxima Nova"/>
+              <a:sym typeface="Proxima Nova"/>
+            </a:endParaRPr>
+          </a:p>
+        </p:txBody>
+      </p:sp>
+      <p:pic>
+        <p:nvPicPr>
+          <p:cNvPr id="4" name="Picture 3">
+            <a:extLst>
+              <a:ext uri="{FF2B5EF4-FFF2-40B4-BE49-F238E27FC236}">
+                <a16:creationId xmlns:a16="http://schemas.microsoft.com/office/drawing/2014/main" id="{1FA95F0F-E2E5-4112-87E9-0CBEDEA12DBF}"/>
+              </a:ext>
+            </a:extLst>
+          </p:cNvPr>
+          <p:cNvPicPr>
+            <a:picLocks noChangeAspect="1"/>
+          </p:cNvPicPr>
+          <p:nvPr/>
+        </p:nvPicPr>
+        <p:blipFill>
+          <a:blip r:embed="rId3"/>
+          <a:stretch>
+            <a:fillRect/>
+          </a:stretch>
+        </p:blipFill>
+        <p:spPr>
+          <a:xfrm>
+            <a:off x="7155275" y="0"/>
+            <a:ext cx="1988725" cy="5143500"/>
+          </a:xfrm>
+          <a:prstGeom prst="rect">
+            <a:avLst/>
+          </a:prstGeom>
+        </p:spPr>
+      </p:pic>
+      <p:pic>
+        <p:nvPicPr>
+          <p:cNvPr id="5" name="Picture 4">
+            <a:extLst>
+              <a:ext uri="{FF2B5EF4-FFF2-40B4-BE49-F238E27FC236}">
+                <a16:creationId xmlns:a16="http://schemas.microsoft.com/office/drawing/2014/main" id="{CC966428-95AB-40ED-8641-9F1D2039497A}"/>
+              </a:ext>
+            </a:extLst>
+          </p:cNvPr>
+          <p:cNvPicPr>
+            <a:picLocks noChangeAspect="1"/>
+          </p:cNvPicPr>
+          <p:nvPr/>
+        </p:nvPicPr>
+        <p:blipFill>
+          <a:blip r:embed="rId4"/>
+          <a:stretch>
+            <a:fillRect/>
+          </a:stretch>
+        </p:blipFill>
+        <p:spPr>
+          <a:xfrm>
+            <a:off x="0" y="721034"/>
+            <a:ext cx="7146177" cy="4422466"/>
+          </a:xfrm>
+          <a:prstGeom prst="rect">
+            <a:avLst/>
+          </a:prstGeom>
+        </p:spPr>
+      </p:pic>
+    </p:spTree>
+    <p:extLst>
+      <p:ext uri="{BB962C8B-B14F-4D97-AF65-F5344CB8AC3E}">
+        <p14:creationId xmlns:p14="http://schemas.microsoft.com/office/powerpoint/2010/main" val="354518386"/>
+      </p:ext>
+    </p:extLst>
+  </p:cSld>
+  <p:clrMapOvr>
+    <a:masterClrMapping/>
+  </p:clrMapOvr>
+</p:sld>
+</file>
+
+<file path=ppt/slides/slide18.xml><?xml version="1.0" encoding="utf-8"?>
+<p:sld xmlns:a="http://schemas.openxmlformats.org/drawingml/2006/main" xmlns:r="http://schemas.openxmlformats.org/officeDocument/2006/relationships" xmlns:p="http://schemas.openxmlformats.org/presentationml/2006/main">
+  <p:cSld>
+    <p:spTree>
+      <p:nvGrpSpPr>
+        <p:cNvPr id="1" name="Shape 44"/>
+        <p:cNvGrpSpPr/>
+        <p:nvPr/>
+      </p:nvGrpSpPr>
+      <p:grpSpPr>
+        <a:xfrm>
+          <a:off x="0" y="0"/>
+          <a:ext cx="0" cy="0"/>
+          <a:chOff x="0" y="0"/>
+          <a:chExt cx="0" cy="0"/>
+        </a:xfrm>
+      </p:grpSpPr>
+      <p:sp>
+        <p:nvSpPr>
+          <p:cNvPr id="45" name="Google Shape;45;p10"/>
+          <p:cNvSpPr txBox="1">
+            <a:spLocks noGrp="1"/>
+          </p:cNvSpPr>
+          <p:nvPr>
+            <p:ph type="title"/>
+          </p:nvPr>
+        </p:nvSpPr>
+        <p:spPr>
+          <a:xfrm>
+            <a:off x="457200" y="252058"/>
+            <a:ext cx="3810000" cy="626905"/>
+          </a:xfrm>
+          <a:prstGeom prst="rect">
+            <a:avLst/>
+          </a:prstGeom>
+        </p:spPr>
+        <p:txBody>
+          <a:bodyPr spcFirstLastPara="1" wrap="square" lIns="91425" tIns="91425" rIns="91425" bIns="91425" anchor="t" anchorCtr="0">
+            <a:noAutofit/>
+          </a:bodyPr>
+          <a:lstStyle/>
+          <a:p>
+            <a:pPr marL="0" lvl="0" indent="0" algn="l" rtl="0">
+              <a:spcBef>
+                <a:spcPts val="0"/>
+              </a:spcBef>
+              <a:spcAft>
+                <a:spcPts val="0"/>
+              </a:spcAft>
+              <a:buNone/>
+            </a:pPr>
+            <a:r>
+              <a:rPr lang="en-US" dirty="0">
+                <a:solidFill>
+                  <a:srgbClr val="1155CC"/>
+                </a:solidFill>
+                <a:latin typeface="Proxima Nova"/>
+                <a:ea typeface="Proxima Nova"/>
+                <a:cs typeface="Proxima Nova"/>
+                <a:sym typeface="Proxima Nova"/>
+              </a:rPr>
+              <a:t>Regression, JHR </a:t>
+            </a:r>
+            <a:endParaRPr dirty="0">
+              <a:solidFill>
+                <a:srgbClr val="1155CC"/>
+              </a:solidFill>
+              <a:latin typeface="Proxima Nova"/>
+              <a:ea typeface="Proxima Nova"/>
+              <a:cs typeface="Proxima Nova"/>
+              <a:sym typeface="Proxima Nova"/>
+            </a:endParaRPr>
+          </a:p>
+        </p:txBody>
+      </p:sp>
+      <p:pic>
+        <p:nvPicPr>
+          <p:cNvPr id="2" name="Picture 1">
+            <a:extLst>
+              <a:ext uri="{FF2B5EF4-FFF2-40B4-BE49-F238E27FC236}">
+                <a16:creationId xmlns:a16="http://schemas.microsoft.com/office/drawing/2014/main" id="{2386C168-57CE-4170-9D2A-B110FDB93E31}"/>
+              </a:ext>
+            </a:extLst>
+          </p:cNvPr>
+          <p:cNvPicPr>
+            <a:picLocks noChangeAspect="1"/>
+          </p:cNvPicPr>
+          <p:nvPr/>
+        </p:nvPicPr>
+        <p:blipFill>
+          <a:blip r:embed="rId3"/>
+          <a:stretch>
+            <a:fillRect/>
+          </a:stretch>
+        </p:blipFill>
+        <p:spPr>
+          <a:xfrm>
+            <a:off x="56707" y="878963"/>
+            <a:ext cx="8803758" cy="4127346"/>
+          </a:xfrm>
+          <a:prstGeom prst="rect">
+            <a:avLst/>
+          </a:prstGeom>
+        </p:spPr>
+      </p:pic>
+      <p:pic>
+        <p:nvPicPr>
+          <p:cNvPr id="3" name="Picture 2">
+            <a:extLst>
+              <a:ext uri="{FF2B5EF4-FFF2-40B4-BE49-F238E27FC236}">
+                <a16:creationId xmlns:a16="http://schemas.microsoft.com/office/drawing/2014/main" id="{24C6DA0C-8FCE-479B-8FB1-B56276ED442F}"/>
+              </a:ext>
+            </a:extLst>
+          </p:cNvPr>
+          <p:cNvPicPr>
+            <a:picLocks noChangeAspect="1"/>
+          </p:cNvPicPr>
+          <p:nvPr/>
+        </p:nvPicPr>
+        <p:blipFill>
+          <a:blip r:embed="rId4"/>
+          <a:stretch>
+            <a:fillRect/>
+          </a:stretch>
+        </p:blipFill>
+        <p:spPr>
+          <a:xfrm>
+            <a:off x="4564690" y="298811"/>
+            <a:ext cx="4295775" cy="533400"/>
+          </a:xfrm>
+          <a:prstGeom prst="rect">
+            <a:avLst/>
+          </a:prstGeom>
+        </p:spPr>
+      </p:pic>
+    </p:spTree>
+    <p:extLst>
+      <p:ext uri="{BB962C8B-B14F-4D97-AF65-F5344CB8AC3E}">
+        <p14:creationId xmlns:p14="http://schemas.microsoft.com/office/powerpoint/2010/main" val="1948848972"/>
+      </p:ext>
+    </p:extLst>
+  </p:cSld>
+  <p:clrMapOvr>
+    <a:masterClrMapping/>
+  </p:clrMapOvr>
+</p:sld>
+</file>
+
+<file path=ppt/slides/slide19.xml><?xml version="1.0" encoding="utf-8"?>
+<p:sld xmlns:a="http://schemas.openxmlformats.org/drawingml/2006/main" xmlns:r="http://schemas.openxmlformats.org/officeDocument/2006/relationships" xmlns:p="http://schemas.openxmlformats.org/presentationml/2006/main">
+  <p:cSld>
+    <p:spTree>
+      <p:nvGrpSpPr>
+        <p:cNvPr id="1" name="Shape 44"/>
+        <p:cNvGrpSpPr/>
+        <p:nvPr/>
+      </p:nvGrpSpPr>
+      <p:grpSpPr>
+        <a:xfrm>
+          <a:off x="0" y="0"/>
+          <a:ext cx="0" cy="0"/>
+          <a:chOff x="0" y="0"/>
+          <a:chExt cx="0" cy="0"/>
+        </a:xfrm>
+      </p:grpSpPr>
+      <p:sp>
+        <p:nvSpPr>
+          <p:cNvPr id="45" name="Google Shape;45;p10"/>
+          <p:cNvSpPr txBox="1">
+            <a:spLocks noGrp="1"/>
+          </p:cNvSpPr>
+          <p:nvPr>
+            <p:ph type="title"/>
+          </p:nvPr>
+        </p:nvSpPr>
+        <p:spPr>
+          <a:xfrm>
+            <a:off x="457200" y="252058"/>
+            <a:ext cx="3958856" cy="626905"/>
+          </a:xfrm>
+          <a:prstGeom prst="rect">
+            <a:avLst/>
+          </a:prstGeom>
+        </p:spPr>
+        <p:txBody>
+          <a:bodyPr spcFirstLastPara="1" wrap="square" lIns="91425" tIns="91425" rIns="91425" bIns="91425" anchor="t" anchorCtr="0">
+            <a:noAutofit/>
+          </a:bodyPr>
+          <a:lstStyle/>
+          <a:p>
+            <a:pPr marL="0" lvl="0" indent="0" algn="l" rtl="0">
+              <a:spcBef>
+                <a:spcPts val="0"/>
+              </a:spcBef>
+              <a:spcAft>
+                <a:spcPts val="0"/>
+              </a:spcAft>
+              <a:buNone/>
+            </a:pPr>
+            <a:r>
+              <a:rPr lang="en-US" dirty="0">
+                <a:solidFill>
+                  <a:srgbClr val="1155CC"/>
+                </a:solidFill>
+                <a:latin typeface="Proxima Nova"/>
+                <a:ea typeface="Proxima Nova"/>
+                <a:cs typeface="Proxima Nova"/>
+                <a:sym typeface="Proxima Nova"/>
+              </a:rPr>
+              <a:t>Regression, PHG </a:t>
+            </a:r>
+            <a:endParaRPr dirty="0">
+              <a:solidFill>
+                <a:srgbClr val="1155CC"/>
+              </a:solidFill>
+              <a:latin typeface="Proxima Nova"/>
+              <a:ea typeface="Proxima Nova"/>
+              <a:cs typeface="Proxima Nova"/>
+              <a:sym typeface="Proxima Nova"/>
+            </a:endParaRPr>
+          </a:p>
+        </p:txBody>
+      </p:sp>
+      <p:pic>
+        <p:nvPicPr>
+          <p:cNvPr id="4" name="Picture 3">
+            <a:extLst>
+              <a:ext uri="{FF2B5EF4-FFF2-40B4-BE49-F238E27FC236}">
+                <a16:creationId xmlns:a16="http://schemas.microsoft.com/office/drawing/2014/main" id="{A15053A4-861B-4B3C-9B99-08B2CD680C7D}"/>
+              </a:ext>
+            </a:extLst>
+          </p:cNvPr>
+          <p:cNvPicPr>
+            <a:picLocks noChangeAspect="1"/>
+          </p:cNvPicPr>
+          <p:nvPr/>
+        </p:nvPicPr>
+        <p:blipFill>
+          <a:blip r:embed="rId3"/>
+          <a:stretch>
+            <a:fillRect/>
+          </a:stretch>
+        </p:blipFill>
+        <p:spPr>
+          <a:xfrm>
+            <a:off x="92148" y="878963"/>
+            <a:ext cx="9051851" cy="4135030"/>
+          </a:xfrm>
+          <a:prstGeom prst="rect">
+            <a:avLst/>
+          </a:prstGeom>
+        </p:spPr>
+      </p:pic>
+      <p:pic>
+        <p:nvPicPr>
+          <p:cNvPr id="5" name="Picture 4">
+            <a:extLst>
+              <a:ext uri="{FF2B5EF4-FFF2-40B4-BE49-F238E27FC236}">
+                <a16:creationId xmlns:a16="http://schemas.microsoft.com/office/drawing/2014/main" id="{37A59480-CD4D-4227-A573-B0E779C7E7A4}"/>
+              </a:ext>
+            </a:extLst>
+          </p:cNvPr>
+          <p:cNvPicPr>
+            <a:picLocks noChangeAspect="1"/>
+          </p:cNvPicPr>
+          <p:nvPr/>
+        </p:nvPicPr>
+        <p:blipFill>
+          <a:blip r:embed="rId4"/>
+          <a:stretch>
+            <a:fillRect/>
+          </a:stretch>
+        </p:blipFill>
+        <p:spPr>
+          <a:xfrm>
+            <a:off x="4572000" y="215287"/>
+            <a:ext cx="4410075" cy="485775"/>
+          </a:xfrm>
+          <a:prstGeom prst="rect">
+            <a:avLst/>
+          </a:prstGeom>
+        </p:spPr>
+      </p:pic>
+    </p:spTree>
+    <p:extLst>
+      <p:ext uri="{BB962C8B-B14F-4D97-AF65-F5344CB8AC3E}">
+        <p14:creationId xmlns:p14="http://schemas.microsoft.com/office/powerpoint/2010/main" val="1299405841"/>
+      </p:ext>
+    </p:extLst>
   </p:cSld>
   <p:clrMapOvr>
     <a:masterClrMapping/>
@@ -6540,7 +8334,7 @@
         </p:nvSpPr>
         <p:spPr>
           <a:xfrm>
-            <a:off x="457200" y="358378"/>
+            <a:off x="265814" y="71409"/>
             <a:ext cx="8229600" cy="857400"/>
           </a:xfrm>
           <a:prstGeom prst="rect">
@@ -6779,6 +8573,665 @@
 </p:sld>
 </file>
 
+<file path=ppt/slides/slide20.xml><?xml version="1.0" encoding="utf-8"?>
+<p:sld xmlns:a="http://schemas.openxmlformats.org/drawingml/2006/main" xmlns:r="http://schemas.openxmlformats.org/officeDocument/2006/relationships" xmlns:p="http://schemas.openxmlformats.org/presentationml/2006/main">
+  <p:cSld>
+    <p:spTree>
+      <p:nvGrpSpPr>
+        <p:cNvPr id="1" name="Shape 44"/>
+        <p:cNvGrpSpPr/>
+        <p:nvPr/>
+      </p:nvGrpSpPr>
+      <p:grpSpPr>
+        <a:xfrm>
+          <a:off x="0" y="0"/>
+          <a:ext cx="0" cy="0"/>
+          <a:chOff x="0" y="0"/>
+          <a:chExt cx="0" cy="0"/>
+        </a:xfrm>
+      </p:grpSpPr>
+      <p:sp>
+        <p:nvSpPr>
+          <p:cNvPr id="45" name="Google Shape;45;p10"/>
+          <p:cNvSpPr txBox="1">
+            <a:spLocks noGrp="1"/>
+          </p:cNvSpPr>
+          <p:nvPr>
+            <p:ph type="title"/>
+          </p:nvPr>
+        </p:nvSpPr>
+        <p:spPr>
+          <a:xfrm>
+            <a:off x="457200" y="252058"/>
+            <a:ext cx="3916106" cy="626905"/>
+          </a:xfrm>
+          <a:prstGeom prst="rect">
+            <a:avLst/>
+          </a:prstGeom>
+        </p:spPr>
+        <p:txBody>
+          <a:bodyPr spcFirstLastPara="1" wrap="square" lIns="91425" tIns="91425" rIns="91425" bIns="91425" anchor="t" anchorCtr="0">
+            <a:noAutofit/>
+          </a:bodyPr>
+          <a:lstStyle/>
+          <a:p>
+            <a:pPr marL="0" lvl="0" indent="0" algn="l" rtl="0">
+              <a:spcBef>
+                <a:spcPts val="0"/>
+              </a:spcBef>
+              <a:spcAft>
+                <a:spcPts val="0"/>
+              </a:spcAft>
+              <a:buNone/>
+            </a:pPr>
+            <a:r>
+              <a:rPr lang="en-US" dirty="0">
+                <a:solidFill>
+                  <a:srgbClr val="1155CC"/>
+                </a:solidFill>
+                <a:latin typeface="Proxima Nova"/>
+                <a:ea typeface="Proxima Nova"/>
+                <a:cs typeface="Proxima Nova"/>
+                <a:sym typeface="Proxima Nova"/>
+              </a:rPr>
+              <a:t>Regression, SBH </a:t>
+            </a:r>
+            <a:endParaRPr dirty="0">
+              <a:solidFill>
+                <a:srgbClr val="1155CC"/>
+              </a:solidFill>
+              <a:latin typeface="Proxima Nova"/>
+              <a:ea typeface="Proxima Nova"/>
+              <a:cs typeface="Proxima Nova"/>
+              <a:sym typeface="Proxima Nova"/>
+            </a:endParaRPr>
+          </a:p>
+        </p:txBody>
+      </p:sp>
+      <p:pic>
+        <p:nvPicPr>
+          <p:cNvPr id="2" name="Picture 1">
+            <a:extLst>
+              <a:ext uri="{FF2B5EF4-FFF2-40B4-BE49-F238E27FC236}">
+                <a16:creationId xmlns:a16="http://schemas.microsoft.com/office/drawing/2014/main" id="{970701D4-B2A0-4574-B621-A63AF650A113}"/>
+              </a:ext>
+            </a:extLst>
+          </p:cNvPr>
+          <p:cNvPicPr>
+            <a:picLocks noChangeAspect="1"/>
+          </p:cNvPicPr>
+          <p:nvPr/>
+        </p:nvPicPr>
+        <p:blipFill>
+          <a:blip r:embed="rId3"/>
+          <a:stretch>
+            <a:fillRect/>
+          </a:stretch>
+        </p:blipFill>
+        <p:spPr>
+          <a:xfrm>
+            <a:off x="4373306" y="252058"/>
+            <a:ext cx="4686300" cy="485775"/>
+          </a:xfrm>
+          <a:prstGeom prst="rect">
+            <a:avLst/>
+          </a:prstGeom>
+        </p:spPr>
+      </p:pic>
+      <p:pic>
+        <p:nvPicPr>
+          <p:cNvPr id="3" name="Picture 2">
+            <a:extLst>
+              <a:ext uri="{FF2B5EF4-FFF2-40B4-BE49-F238E27FC236}">
+                <a16:creationId xmlns:a16="http://schemas.microsoft.com/office/drawing/2014/main" id="{77BFD9A3-CC2C-4CA0-B4F2-99AF920C7722}"/>
+              </a:ext>
+            </a:extLst>
+          </p:cNvPr>
+          <p:cNvPicPr>
+            <a:picLocks noChangeAspect="1"/>
+          </p:cNvPicPr>
+          <p:nvPr/>
+        </p:nvPicPr>
+        <p:blipFill>
+          <a:blip r:embed="rId4"/>
+          <a:stretch>
+            <a:fillRect/>
+          </a:stretch>
+        </p:blipFill>
+        <p:spPr>
+          <a:xfrm>
+            <a:off x="0" y="871867"/>
+            <a:ext cx="9144000" cy="4270448"/>
+          </a:xfrm>
+          <a:prstGeom prst="rect">
+            <a:avLst/>
+          </a:prstGeom>
+        </p:spPr>
+      </p:pic>
+    </p:spTree>
+    <p:extLst>
+      <p:ext uri="{BB962C8B-B14F-4D97-AF65-F5344CB8AC3E}">
+        <p14:creationId xmlns:p14="http://schemas.microsoft.com/office/powerpoint/2010/main" val="1526444421"/>
+      </p:ext>
+    </p:extLst>
+  </p:cSld>
+  <p:clrMapOvr>
+    <a:masterClrMapping/>
+  </p:clrMapOvr>
+</p:sld>
+</file>
+
+<file path=ppt/slides/slide21.xml><?xml version="1.0" encoding="utf-8"?>
+<p:sld xmlns:a="http://schemas.openxmlformats.org/drawingml/2006/main" xmlns:r="http://schemas.openxmlformats.org/officeDocument/2006/relationships" xmlns:p="http://schemas.openxmlformats.org/presentationml/2006/main">
+  <p:cSld>
+    <p:spTree>
+      <p:nvGrpSpPr>
+        <p:cNvPr id="1" name="Shape 44"/>
+        <p:cNvGrpSpPr/>
+        <p:nvPr/>
+      </p:nvGrpSpPr>
+      <p:grpSpPr>
+        <a:xfrm>
+          <a:off x="0" y="0"/>
+          <a:ext cx="0" cy="0"/>
+          <a:chOff x="0" y="0"/>
+          <a:chExt cx="0" cy="0"/>
+        </a:xfrm>
+      </p:grpSpPr>
+      <p:sp>
+        <p:nvSpPr>
+          <p:cNvPr id="45" name="Google Shape;45;p10"/>
+          <p:cNvSpPr txBox="1">
+            <a:spLocks noGrp="1"/>
+          </p:cNvSpPr>
+          <p:nvPr>
+            <p:ph type="title"/>
+          </p:nvPr>
+        </p:nvSpPr>
+        <p:spPr>
+          <a:xfrm>
+            <a:off x="457200" y="358378"/>
+            <a:ext cx="8229600" cy="857400"/>
+          </a:xfrm>
+          <a:prstGeom prst="rect">
+            <a:avLst/>
+          </a:prstGeom>
+        </p:spPr>
+        <p:txBody>
+          <a:bodyPr spcFirstLastPara="1" wrap="square" lIns="91425" tIns="91425" rIns="91425" bIns="91425" anchor="t" anchorCtr="0">
+            <a:noAutofit/>
+          </a:bodyPr>
+          <a:lstStyle/>
+          <a:p>
+            <a:pPr marL="0" lvl="0" indent="0" algn="l" rtl="0">
+              <a:spcBef>
+                <a:spcPts val="0"/>
+              </a:spcBef>
+              <a:spcAft>
+                <a:spcPts val="0"/>
+              </a:spcAft>
+              <a:buNone/>
+            </a:pPr>
+            <a:r>
+              <a:rPr lang="en-US" dirty="0">
+                <a:solidFill>
+                  <a:srgbClr val="1155CC"/>
+                </a:solidFill>
+                <a:latin typeface="Proxima Nova"/>
+                <a:ea typeface="Proxima Nova"/>
+                <a:cs typeface="Proxima Nova"/>
+                <a:sym typeface="Proxima Nova"/>
+              </a:rPr>
+              <a:t>Next steps</a:t>
+            </a:r>
+            <a:endParaRPr dirty="0">
+              <a:solidFill>
+                <a:srgbClr val="1155CC"/>
+              </a:solidFill>
+              <a:latin typeface="Proxima Nova"/>
+              <a:ea typeface="Proxima Nova"/>
+              <a:cs typeface="Proxima Nova"/>
+              <a:sym typeface="Proxima Nova"/>
+            </a:endParaRPr>
+          </a:p>
+        </p:txBody>
+      </p:sp>
+      <p:sp>
+        <p:nvSpPr>
+          <p:cNvPr id="3" name="Text Placeholder 2">
+            <a:extLst>
+              <a:ext uri="{FF2B5EF4-FFF2-40B4-BE49-F238E27FC236}">
+                <a16:creationId xmlns:a16="http://schemas.microsoft.com/office/drawing/2014/main" id="{DA73C5D6-5E6A-4EAD-9494-0F805473DEBA}"/>
+              </a:ext>
+            </a:extLst>
+          </p:cNvPr>
+          <p:cNvSpPr>
+            <a:spLocks noGrp="1"/>
+          </p:cNvSpPr>
+          <p:nvPr>
+            <p:ph type="body" idx="1"/>
+          </p:nvPr>
+        </p:nvSpPr>
+        <p:spPr>
+          <a:xfrm>
+            <a:off x="457200" y="1215778"/>
+            <a:ext cx="8229600" cy="3725681"/>
+          </a:xfrm>
+        </p:spPr>
+        <p:txBody>
+          <a:bodyPr/>
+          <a:lstStyle/>
+          <a:p>
+            <a:r>
+              <a:rPr lang="en-US" dirty="0"/>
+              <a:t>Use other data sets</a:t>
+            </a:r>
+          </a:p>
+          <a:p>
+            <a:r>
+              <a:rPr lang="en-US" dirty="0"/>
+              <a:t>Machine learning</a:t>
+            </a:r>
+          </a:p>
+          <a:p>
+            <a:endParaRPr lang="en-US" dirty="0"/>
+          </a:p>
+        </p:txBody>
+      </p:sp>
+    </p:spTree>
+    <p:extLst>
+      <p:ext uri="{BB962C8B-B14F-4D97-AF65-F5344CB8AC3E}">
+        <p14:creationId xmlns:p14="http://schemas.microsoft.com/office/powerpoint/2010/main" val="1118246064"/>
+      </p:ext>
+    </p:extLst>
+  </p:cSld>
+  <p:clrMapOvr>
+    <a:masterClrMapping/>
+  </p:clrMapOvr>
+</p:sld>
+</file>
+
+<file path=ppt/slides/slide22.xml><?xml version="1.0" encoding="utf-8"?>
+<p:sld xmlns:a="http://schemas.openxmlformats.org/drawingml/2006/main" xmlns:r="http://schemas.openxmlformats.org/officeDocument/2006/relationships" xmlns:p="http://schemas.openxmlformats.org/presentationml/2006/main">
+  <p:cSld>
+    <p:spTree>
+      <p:nvGrpSpPr>
+        <p:cNvPr id="1" name="Shape 44"/>
+        <p:cNvGrpSpPr/>
+        <p:nvPr/>
+      </p:nvGrpSpPr>
+      <p:grpSpPr>
+        <a:xfrm>
+          <a:off x="0" y="0"/>
+          <a:ext cx="0" cy="0"/>
+          <a:chOff x="0" y="0"/>
+          <a:chExt cx="0" cy="0"/>
+        </a:xfrm>
+      </p:grpSpPr>
+      <p:sp>
+        <p:nvSpPr>
+          <p:cNvPr id="45" name="Google Shape;45;p10"/>
+          <p:cNvSpPr txBox="1">
+            <a:spLocks noGrp="1"/>
+          </p:cNvSpPr>
+          <p:nvPr>
+            <p:ph type="title"/>
+          </p:nvPr>
+        </p:nvSpPr>
+        <p:spPr>
+          <a:xfrm>
+            <a:off x="457200" y="358378"/>
+            <a:ext cx="8229600" cy="857400"/>
+          </a:xfrm>
+          <a:prstGeom prst="rect">
+            <a:avLst/>
+          </a:prstGeom>
+        </p:spPr>
+        <p:txBody>
+          <a:bodyPr spcFirstLastPara="1" wrap="square" lIns="91425" tIns="91425" rIns="91425" bIns="91425" anchor="t" anchorCtr="0">
+            <a:noAutofit/>
+          </a:bodyPr>
+          <a:lstStyle/>
+          <a:p>
+            <a:pPr marL="0" lvl="0" indent="0" algn="l" rtl="0">
+              <a:spcBef>
+                <a:spcPts val="0"/>
+              </a:spcBef>
+              <a:spcAft>
+                <a:spcPts val="0"/>
+              </a:spcAft>
+              <a:buNone/>
+            </a:pPr>
+            <a:r>
+              <a:rPr lang="en-US" dirty="0">
+                <a:solidFill>
+                  <a:srgbClr val="1155CC"/>
+                </a:solidFill>
+                <a:latin typeface="Proxima Nova"/>
+                <a:ea typeface="Proxima Nova"/>
+                <a:cs typeface="Proxima Nova"/>
+                <a:sym typeface="Proxima Nova"/>
+              </a:rPr>
+              <a:t>Sources</a:t>
+            </a:r>
+            <a:endParaRPr dirty="0">
+              <a:solidFill>
+                <a:srgbClr val="1155CC"/>
+              </a:solidFill>
+              <a:latin typeface="Proxima Nova"/>
+              <a:ea typeface="Proxima Nova"/>
+              <a:cs typeface="Proxima Nova"/>
+              <a:sym typeface="Proxima Nova"/>
+            </a:endParaRPr>
+          </a:p>
+        </p:txBody>
+      </p:sp>
+      <p:sp>
+        <p:nvSpPr>
+          <p:cNvPr id="3" name="Text Placeholder 2">
+            <a:extLst>
+              <a:ext uri="{FF2B5EF4-FFF2-40B4-BE49-F238E27FC236}">
+                <a16:creationId xmlns:a16="http://schemas.microsoft.com/office/drawing/2014/main" id="{DA73C5D6-5E6A-4EAD-9494-0F805473DEBA}"/>
+              </a:ext>
+            </a:extLst>
+          </p:cNvPr>
+          <p:cNvSpPr>
+            <a:spLocks noGrp="1"/>
+          </p:cNvSpPr>
+          <p:nvPr>
+            <p:ph type="body" idx="1"/>
+          </p:nvPr>
+        </p:nvSpPr>
+        <p:spPr>
+          <a:xfrm>
+            <a:off x="457200" y="1215778"/>
+            <a:ext cx="8229600" cy="3051422"/>
+          </a:xfrm>
+        </p:spPr>
+        <p:txBody>
+          <a:bodyPr/>
+          <a:lstStyle/>
+          <a:p>
+            <a:r>
+              <a:rPr lang="en-US" sz="1400" dirty="0">
+                <a:hlinkClick r:id="rId3"/>
+              </a:rPr>
+              <a:t>https://medium.com/datadriveninvestor/time-series-analysis-with-python-f5ab388b865a</a:t>
+            </a:r>
+            <a:endParaRPr lang="en-US" sz="1400" dirty="0"/>
+          </a:p>
+          <a:p>
+            <a:r>
+              <a:rPr lang="en-US" sz="1400" dirty="0">
+                <a:hlinkClick r:id="rId4"/>
+              </a:rPr>
+              <a:t>https://towardsdatascience.com/time-series-machine-learning-regression-framework-9ea33929009a</a:t>
+            </a:r>
+            <a:endParaRPr lang="en-US" sz="1400" dirty="0"/>
+          </a:p>
+          <a:p>
+            <a:r>
+              <a:rPr lang="en-US" sz="1400" dirty="0">
+                <a:hlinkClick r:id="rId5"/>
+              </a:rPr>
+              <a:t>https://towardsdatascience.com/machine-learning-part-19-time-series-and-autoregressive-integrated-moving-average-model-arima-c1005347b0d7</a:t>
+            </a:r>
+            <a:endParaRPr lang="en-US" sz="1400" dirty="0"/>
+          </a:p>
+          <a:p>
+            <a:r>
+              <a:rPr lang="en-US" sz="1400" dirty="0">
+                <a:hlinkClick r:id="rId6"/>
+              </a:rPr>
+              <a:t>https://www.statsmodels.org/</a:t>
+            </a:r>
+            <a:endParaRPr lang="en-US" sz="1400" dirty="0"/>
+          </a:p>
+          <a:p>
+            <a:r>
+              <a:rPr lang="en-US" sz="1400" dirty="0">
+                <a:hlinkClick r:id="rId7"/>
+              </a:rPr>
+              <a:t>https://pandas.pydata.org/</a:t>
+            </a:r>
+            <a:endParaRPr lang="en-US" sz="1400" dirty="0"/>
+          </a:p>
+          <a:p>
+            <a:r>
+              <a:rPr lang="en-US" sz="1400" dirty="0"/>
+              <a:t>Wes McKinney “Python for Data Analysis Data”</a:t>
+            </a:r>
+          </a:p>
+          <a:p>
+            <a:r>
+              <a:rPr lang="en-US" sz="1400" dirty="0"/>
+              <a:t>Avishek Pal, PKS Prakash “Practical time series”</a:t>
+            </a:r>
+          </a:p>
+          <a:p>
+            <a:endParaRPr lang="en-US" sz="1400" dirty="0"/>
+          </a:p>
+        </p:txBody>
+      </p:sp>
+      <p:sp>
+        <p:nvSpPr>
+          <p:cNvPr id="2" name="Rectangle 1">
+            <a:extLst>
+              <a:ext uri="{FF2B5EF4-FFF2-40B4-BE49-F238E27FC236}">
+                <a16:creationId xmlns:a16="http://schemas.microsoft.com/office/drawing/2014/main" id="{6D8E4273-664B-4C2D-B1B8-1ADEC9882E3E}"/>
+              </a:ext>
+            </a:extLst>
+          </p:cNvPr>
+          <p:cNvSpPr/>
+          <p:nvPr/>
+        </p:nvSpPr>
+        <p:spPr>
+          <a:xfrm>
+            <a:off x="634409" y="4537286"/>
+            <a:ext cx="3587842" cy="307777"/>
+          </a:xfrm>
+          <a:prstGeom prst="rect">
+            <a:avLst/>
+          </a:prstGeom>
+        </p:spPr>
+        <p:txBody>
+          <a:bodyPr wrap="none">
+            <a:spAutoFit/>
+          </a:bodyPr>
+          <a:lstStyle/>
+          <a:p>
+            <a:r>
+              <a:rPr lang="en-US" dirty="0">
+                <a:hlinkClick r:id="rId8"/>
+              </a:rPr>
+              <a:t>https://github.com/illia-alifanov/ds_palm_oil</a:t>
+            </a:r>
+            <a:endParaRPr lang="en-US" dirty="0"/>
+          </a:p>
+        </p:txBody>
+      </p:sp>
+    </p:spTree>
+    <p:extLst>
+      <p:ext uri="{BB962C8B-B14F-4D97-AF65-F5344CB8AC3E}">
+        <p14:creationId xmlns:p14="http://schemas.microsoft.com/office/powerpoint/2010/main" val="723629782"/>
+      </p:ext>
+    </p:extLst>
+  </p:cSld>
+  <p:clrMapOvr>
+    <a:masterClrMapping/>
+  </p:clrMapOvr>
+</p:sld>
+</file>
+
+<file path=ppt/slides/slide23.xml><?xml version="1.0" encoding="utf-8"?>
+<p:sld xmlns:a="http://schemas.openxmlformats.org/drawingml/2006/main" xmlns:r="http://schemas.openxmlformats.org/officeDocument/2006/relationships" xmlns:p="http://schemas.openxmlformats.org/presentationml/2006/main">
+  <p:cSld>
+    <p:bg>
+      <p:bgPr>
+        <a:solidFill>
+          <a:srgbClr val="1155CC"/>
+        </a:solidFill>
+        <a:effectLst/>
+      </p:bgPr>
+    </p:bg>
+    <p:spTree>
+      <p:nvGrpSpPr>
+        <p:cNvPr id="1" name="Shape 71"/>
+        <p:cNvGrpSpPr/>
+        <p:nvPr/>
+      </p:nvGrpSpPr>
+      <p:grpSpPr>
+        <a:xfrm>
+          <a:off x="0" y="0"/>
+          <a:ext cx="0" cy="0"/>
+          <a:chOff x="0" y="0"/>
+          <a:chExt cx="0" cy="0"/>
+        </a:xfrm>
+      </p:grpSpPr>
+      <p:sp>
+        <p:nvSpPr>
+          <p:cNvPr id="72" name="Google Shape;72;p14"/>
+          <p:cNvSpPr txBox="1">
+            <a:spLocks noGrp="1"/>
+          </p:cNvSpPr>
+          <p:nvPr>
+            <p:ph type="ctrTitle"/>
+          </p:nvPr>
+        </p:nvSpPr>
+        <p:spPr>
+          <a:xfrm>
+            <a:off x="685800" y="1583342"/>
+            <a:ext cx="7772400" cy="1159800"/>
+          </a:xfrm>
+          <a:prstGeom prst="rect">
+            <a:avLst/>
+          </a:prstGeom>
+        </p:spPr>
+        <p:txBody>
+          <a:bodyPr spcFirstLastPara="1" wrap="square" lIns="91425" tIns="91425" rIns="91425" bIns="91425" anchor="b" anchorCtr="0">
+            <a:noAutofit/>
+          </a:bodyPr>
+          <a:lstStyle/>
+          <a:p>
+            <a:pPr marL="0" lvl="0" indent="0" algn="l" rtl="0">
+              <a:spcBef>
+                <a:spcPts val="0"/>
+              </a:spcBef>
+              <a:spcAft>
+                <a:spcPts val="0"/>
+              </a:spcAft>
+              <a:buNone/>
+            </a:pPr>
+            <a:r>
+              <a:rPr lang="en">
+                <a:solidFill>
+                  <a:schemeClr val="lt1"/>
+                </a:solidFill>
+              </a:rPr>
+              <a:t>Inspired by Technology.</a:t>
+            </a:r>
+            <a:endParaRPr>
+              <a:solidFill>
+                <a:schemeClr val="lt1"/>
+              </a:solidFill>
+            </a:endParaRPr>
+          </a:p>
+          <a:p>
+            <a:pPr marL="0" lvl="0" indent="0" algn="l" rtl="0">
+              <a:spcBef>
+                <a:spcPts val="0"/>
+              </a:spcBef>
+              <a:spcAft>
+                <a:spcPts val="0"/>
+              </a:spcAft>
+              <a:buNone/>
+            </a:pPr>
+            <a:r>
+              <a:rPr lang="en">
+                <a:solidFill>
+                  <a:schemeClr val="lt1"/>
+                </a:solidFill>
+              </a:rPr>
+              <a:t>Driven by Value.</a:t>
+            </a:r>
+            <a:endParaRPr/>
+          </a:p>
+        </p:txBody>
+      </p:sp>
+      <p:sp>
+        <p:nvSpPr>
+          <p:cNvPr id="73" name="Google Shape;73;p14"/>
+          <p:cNvSpPr txBox="1">
+            <a:spLocks noGrp="1"/>
+          </p:cNvSpPr>
+          <p:nvPr>
+            <p:ph type="subTitle" idx="1"/>
+          </p:nvPr>
+        </p:nvSpPr>
+        <p:spPr>
+          <a:xfrm>
+            <a:off x="685800" y="2611454"/>
+            <a:ext cx="7772400" cy="784800"/>
+          </a:xfrm>
+          <a:prstGeom prst="rect">
+            <a:avLst/>
+          </a:prstGeom>
+        </p:spPr>
+        <p:txBody>
+          <a:bodyPr spcFirstLastPara="1" wrap="square" lIns="91425" tIns="91425" rIns="91425" bIns="91425" anchor="t" anchorCtr="0">
+            <a:noAutofit/>
+          </a:bodyPr>
+          <a:lstStyle/>
+          <a:p>
+            <a:pPr marL="0" lvl="0" indent="0" algn="l" rtl="0">
+              <a:spcBef>
+                <a:spcPts val="0"/>
+              </a:spcBef>
+              <a:spcAft>
+                <a:spcPts val="0"/>
+              </a:spcAft>
+              <a:buNone/>
+            </a:pPr>
+            <a:endParaRPr/>
+          </a:p>
+        </p:txBody>
+      </p:sp>
+      <p:pic>
+        <p:nvPicPr>
+          <p:cNvPr id="74" name="Google Shape;74;p14"/>
+          <p:cNvPicPr preferRelativeResize="0"/>
+          <p:nvPr/>
+        </p:nvPicPr>
+        <p:blipFill>
+          <a:blip r:embed="rId3">
+            <a:alphaModFix/>
+          </a:blip>
+          <a:stretch>
+            <a:fillRect/>
+          </a:stretch>
+        </p:blipFill>
+        <p:spPr>
+          <a:xfrm>
+            <a:off x="880225" y="676625"/>
+            <a:ext cx="828905" cy="227400"/>
+          </a:xfrm>
+          <a:prstGeom prst="rect">
+            <a:avLst/>
+          </a:prstGeom>
+          <a:noFill/>
+          <a:ln>
+            <a:noFill/>
+          </a:ln>
+        </p:spPr>
+      </p:pic>
+    </p:spTree>
+  </p:cSld>
+  <p:clrMapOvr>
+    <a:masterClrMapping/>
+  </p:clrMapOvr>
+</p:sld>
+</file>
+
 <file path=ppt/slides/slide3.xml><?xml version="1.0" encoding="utf-8"?>
 <p:sld xmlns:a="http://schemas.openxmlformats.org/drawingml/2006/main" xmlns:r="http://schemas.openxmlformats.org/officeDocument/2006/relationships" xmlns:p="http://schemas.openxmlformats.org/presentationml/2006/main">
   <p:cSld>
@@ -6808,8 +9261,8 @@
         </p:nvSpPr>
         <p:spPr>
           <a:xfrm>
-            <a:off x="457200" y="358378"/>
-            <a:ext cx="8229600" cy="857400"/>
+            <a:off x="457200" y="145731"/>
+            <a:ext cx="4306186" cy="573631"/>
           </a:xfrm>
           <a:prstGeom prst="rect">
             <a:avLst/>
@@ -8065,8 +10518,8 @@
         </p:nvSpPr>
         <p:spPr>
           <a:xfrm>
-            <a:off x="457200" y="358378"/>
-            <a:ext cx="8229600" cy="857400"/>
+            <a:off x="457200" y="206470"/>
+            <a:ext cx="8229600" cy="615782"/>
           </a:xfrm>
           <a:prstGeom prst="rect">
             <a:avLst/>
@@ -8088,7 +10541,7 @@
               <a:buNone/>
             </a:pPr>
             <a:r>
-              <a:rPr lang="en" dirty="0">
+              <a:rPr lang="en-US" dirty="0">
                 <a:solidFill>
                   <a:srgbClr val="1155CC"/>
                 </a:solidFill>
@@ -8097,7 +10550,7 @@
                 <a:cs typeface="Proxima Nova"/>
                 <a:sym typeface="Proxima Nova"/>
               </a:rPr>
-              <a:t>Big blue heading</a:t>
+              <a:t>Decomposition</a:t>
             </a:r>
             <a:endParaRPr dirty="0">
               <a:solidFill>
@@ -8111,84 +10564,40 @@
           </a:p>
         </p:txBody>
       </p:sp>
-      <p:sp>
-        <p:nvSpPr>
-          <p:cNvPr id="46" name="Google Shape;46;p10"/>
-          <p:cNvSpPr txBox="1">
-            <a:spLocks noGrp="1"/>
-          </p:cNvSpPr>
-          <p:nvPr>
-            <p:ph type="body" idx="1"/>
-          </p:nvPr>
-        </p:nvSpPr>
-        <p:spPr>
-          <a:xfrm>
-            <a:off x="457200" y="1215775"/>
-            <a:ext cx="8229600" cy="982500"/>
+      <p:pic>
+        <p:nvPicPr>
+          <p:cNvPr id="4" name="Picture 3">
+            <a:extLst>
+              <a:ext uri="{FF2B5EF4-FFF2-40B4-BE49-F238E27FC236}">
+                <a16:creationId xmlns:a16="http://schemas.microsoft.com/office/drawing/2014/main" id="{4955B223-7C66-46CD-BE45-3F3AC3BE6D0E}"/>
+              </a:ext>
+            </a:extLst>
+          </p:cNvPr>
+          <p:cNvPicPr>
+            <a:picLocks noChangeAspect="1"/>
+          </p:cNvPicPr>
+          <p:nvPr/>
+        </p:nvPicPr>
+        <p:blipFill>
+          <a:blip r:embed="rId3"/>
+          <a:stretch>
+            <a:fillRect/>
+          </a:stretch>
+        </p:blipFill>
+        <p:spPr>
+          <a:xfrm>
+            <a:off x="0" y="822252"/>
+            <a:ext cx="9144000" cy="4114779"/>
           </a:xfrm>
           <a:prstGeom prst="rect">
             <a:avLst/>
           </a:prstGeom>
         </p:spPr>
-        <p:txBody>
-          <a:bodyPr spcFirstLastPara="1" wrap="square" lIns="91425" tIns="91425" rIns="91425" bIns="91425" anchor="t" anchorCtr="0">
-            <a:noAutofit/>
-          </a:bodyPr>
-          <a:lstStyle/>
-          <a:p>
-            <a:pPr marL="0" lvl="0" indent="0" algn="l" rtl="0">
-              <a:lnSpc>
-                <a:spcPct val="100000"/>
-              </a:lnSpc>
-              <a:spcBef>
-                <a:spcPts val="0"/>
-              </a:spcBef>
-              <a:spcAft>
-                <a:spcPts val="1000"/>
-              </a:spcAft>
-              <a:buClr>
-                <a:schemeClr val="dk1"/>
-              </a:buClr>
-              <a:buSzPts val="1100"/>
-              <a:buFont typeface="Arial"/>
-              <a:buNone/>
-            </a:pPr>
-            <a:r>
-              <a:rPr lang="en" sz="2400" b="1">
-                <a:solidFill>
-                  <a:srgbClr val="000000"/>
-                </a:solidFill>
-                <a:latin typeface="Proxima Nova"/>
-                <a:ea typeface="Proxima Nova"/>
-                <a:cs typeface="Proxima Nova"/>
-                <a:sym typeface="Proxima Nova"/>
-              </a:rPr>
-              <a:t>Bold text </a:t>
-            </a:r>
-            <a:r>
-              <a:rPr lang="en" sz="2400">
-                <a:solidFill>
-                  <a:srgbClr val="000000"/>
-                </a:solidFill>
-                <a:latin typeface="Proxima Nova"/>
-                <a:ea typeface="Proxima Nova"/>
-                <a:cs typeface="Proxima Nova"/>
-                <a:sym typeface="Proxima Nova"/>
-              </a:rPr>
-              <a:t>and regular one.</a:t>
-            </a:r>
-            <a:endParaRPr sz="2400">
-              <a:solidFill>
-                <a:srgbClr val="000000"/>
-              </a:solidFill>
-            </a:endParaRPr>
-          </a:p>
-        </p:txBody>
-      </p:sp>
+      </p:pic>
     </p:spTree>
     <p:extLst>
       <p:ext uri="{BB962C8B-B14F-4D97-AF65-F5344CB8AC3E}">
-        <p14:creationId xmlns:p14="http://schemas.microsoft.com/office/powerpoint/2010/main" val="3822690145"/>
+        <p14:creationId xmlns:p14="http://schemas.microsoft.com/office/powerpoint/2010/main" val="2489456236"/>
       </p:ext>
     </p:extLst>
   </p:cSld>
@@ -8199,366 +10608,6 @@
 </file>
 
 <file path=ppt/slides/slide8.xml><?xml version="1.0" encoding="utf-8"?>
-<p:sld xmlns:a="http://schemas.openxmlformats.org/drawingml/2006/main" xmlns:r="http://schemas.openxmlformats.org/officeDocument/2006/relationships" xmlns:p="http://schemas.openxmlformats.org/presentationml/2006/main">
-  <p:cSld>
-    <p:bg>
-      <p:bgPr>
-        <a:solidFill>
-          <a:srgbClr val="FFFFFF"/>
-        </a:solidFill>
-        <a:effectLst/>
-      </p:bgPr>
-    </p:bg>
-    <p:spTree>
-      <p:nvGrpSpPr>
-        <p:cNvPr id="1" name="Shape 50"/>
-        <p:cNvGrpSpPr/>
-        <p:nvPr/>
-      </p:nvGrpSpPr>
-      <p:grpSpPr>
-        <a:xfrm>
-          <a:off x="0" y="0"/>
-          <a:ext cx="0" cy="0"/>
-          <a:chOff x="0" y="0"/>
-          <a:chExt cx="0" cy="0"/>
-        </a:xfrm>
-      </p:grpSpPr>
-      <p:pic>
-        <p:nvPicPr>
-          <p:cNvPr id="51" name="Google Shape;51;p11" descr="Watch-Screens01.png"/>
-          <p:cNvPicPr preferRelativeResize="0"/>
-          <p:nvPr/>
-        </p:nvPicPr>
-        <p:blipFill rotWithShape="1">
-          <a:blip r:embed="rId3">
-            <a:alphaModFix/>
-          </a:blip>
-          <a:srcRect l="48996" t="1584" r="1340"/>
-          <a:stretch/>
-        </p:blipFill>
-        <p:spPr>
-          <a:xfrm>
-            <a:off x="4477350" y="0"/>
-            <a:ext cx="4666651" cy="5143500"/>
-          </a:xfrm>
-          <a:prstGeom prst="rect">
-            <a:avLst/>
-          </a:prstGeom>
-          <a:noFill/>
-          <a:ln>
-            <a:noFill/>
-          </a:ln>
-        </p:spPr>
-      </p:pic>
-      <p:sp>
-        <p:nvSpPr>
-          <p:cNvPr id="52" name="Google Shape;52;p11"/>
-          <p:cNvSpPr txBox="1">
-            <a:spLocks noGrp="1"/>
-          </p:cNvSpPr>
-          <p:nvPr>
-            <p:ph type="title"/>
-          </p:nvPr>
-        </p:nvSpPr>
-        <p:spPr>
-          <a:xfrm>
-            <a:off x="457200" y="205975"/>
-            <a:ext cx="3856200" cy="994200"/>
-          </a:xfrm>
-          <a:prstGeom prst="rect">
-            <a:avLst/>
-          </a:prstGeom>
-        </p:spPr>
-        <p:txBody>
-          <a:bodyPr spcFirstLastPara="1" wrap="square" lIns="91425" tIns="91425" rIns="91425" bIns="91425" anchor="t" anchorCtr="0">
-            <a:noAutofit/>
-          </a:bodyPr>
-          <a:lstStyle/>
-          <a:p>
-            <a:pPr marL="0" lvl="0" indent="0" algn="l" rtl="0">
-              <a:spcBef>
-                <a:spcPts val="0"/>
-              </a:spcBef>
-              <a:spcAft>
-                <a:spcPts val="0"/>
-              </a:spcAft>
-              <a:buNone/>
-            </a:pPr>
-            <a:r>
-              <a:rPr lang="en">
-                <a:solidFill>
-                  <a:srgbClr val="1155CC"/>
-                </a:solidFill>
-                <a:latin typeface="Proxima Nova"/>
-                <a:ea typeface="Proxima Nova"/>
-                <a:cs typeface="Proxima Nova"/>
-                <a:sym typeface="Proxima Nova"/>
-              </a:rPr>
-              <a:t>Slide with image </a:t>
-            </a:r>
-            <a:endParaRPr>
-              <a:solidFill>
-                <a:srgbClr val="1155CC"/>
-              </a:solidFill>
-              <a:latin typeface="Proxima Nova"/>
-              <a:ea typeface="Proxima Nova"/>
-              <a:cs typeface="Proxima Nova"/>
-              <a:sym typeface="Proxima Nova"/>
-            </a:endParaRPr>
-          </a:p>
-          <a:p>
-            <a:pPr marL="0" lvl="0" indent="0" algn="l" rtl="0">
-              <a:spcBef>
-                <a:spcPts val="0"/>
-              </a:spcBef>
-              <a:spcAft>
-                <a:spcPts val="0"/>
-              </a:spcAft>
-              <a:buNone/>
-            </a:pPr>
-            <a:r>
-              <a:rPr lang="en">
-                <a:solidFill>
-                  <a:srgbClr val="1155CC"/>
-                </a:solidFill>
-                <a:latin typeface="Proxima Nova"/>
-                <a:ea typeface="Proxima Nova"/>
-                <a:cs typeface="Proxima Nova"/>
-                <a:sym typeface="Proxima Nova"/>
-              </a:rPr>
-              <a:t>and bullet list</a:t>
-            </a:r>
-            <a:endParaRPr>
-              <a:solidFill>
-                <a:srgbClr val="1155CC"/>
-              </a:solidFill>
-              <a:latin typeface="Proxima Nova"/>
-              <a:ea typeface="Proxima Nova"/>
-              <a:cs typeface="Proxima Nova"/>
-              <a:sym typeface="Proxima Nova"/>
-            </a:endParaRPr>
-          </a:p>
-        </p:txBody>
-      </p:sp>
-      <p:sp>
-        <p:nvSpPr>
-          <p:cNvPr id="53" name="Google Shape;53;p11"/>
-          <p:cNvSpPr txBox="1">
-            <a:spLocks noGrp="1"/>
-          </p:cNvSpPr>
-          <p:nvPr>
-            <p:ph type="body" idx="1"/>
-          </p:nvPr>
-        </p:nvSpPr>
-        <p:spPr>
-          <a:xfrm>
-            <a:off x="457200" y="1504950"/>
-            <a:ext cx="3856200" cy="3239700"/>
-          </a:xfrm>
-          <a:prstGeom prst="rect">
-            <a:avLst/>
-          </a:prstGeom>
-        </p:spPr>
-        <p:txBody>
-          <a:bodyPr spcFirstLastPara="1" wrap="square" lIns="91425" tIns="91425" rIns="91425" bIns="91425" anchor="t" anchorCtr="0">
-            <a:noAutofit/>
-          </a:bodyPr>
-          <a:lstStyle/>
-          <a:p>
-            <a:pPr marL="0" lvl="0" indent="0" algn="l" rtl="0">
-              <a:spcBef>
-                <a:spcPts val="600"/>
-              </a:spcBef>
-              <a:spcAft>
-                <a:spcPts val="0"/>
-              </a:spcAft>
-              <a:buNone/>
-            </a:pPr>
-            <a:r>
-              <a:rPr lang="en" sz="2400" b="1">
-                <a:solidFill>
-                  <a:srgbClr val="000000"/>
-                </a:solidFill>
-                <a:latin typeface="Proxima Nova"/>
-                <a:ea typeface="Proxima Nova"/>
-                <a:cs typeface="Proxima Nova"/>
-                <a:sym typeface="Proxima Nova"/>
-              </a:rPr>
-              <a:t>Heading 2</a:t>
-            </a:r>
-            <a:endParaRPr sz="2400">
-              <a:solidFill>
-                <a:srgbClr val="000000"/>
-              </a:solidFill>
-              <a:latin typeface="Proxima Nova"/>
-              <a:ea typeface="Proxima Nova"/>
-              <a:cs typeface="Proxima Nova"/>
-              <a:sym typeface="Proxima Nova"/>
-            </a:endParaRPr>
-          </a:p>
-          <a:p>
-            <a:pPr marL="457200" marR="0" lvl="0" indent="-381000" algn="l" rtl="0">
-              <a:lnSpc>
-                <a:spcPct val="100000"/>
-              </a:lnSpc>
-              <a:spcBef>
-                <a:spcPts val="600"/>
-              </a:spcBef>
-              <a:spcAft>
-                <a:spcPts val="0"/>
-              </a:spcAft>
-              <a:buClr>
-                <a:srgbClr val="000000"/>
-              </a:buClr>
-              <a:buSzPts val="2400"/>
-              <a:buFont typeface="Proxima Nova"/>
-              <a:buChar char="●"/>
-            </a:pPr>
-            <a:r>
-              <a:rPr lang="en" sz="2400">
-                <a:solidFill>
-                  <a:srgbClr val="000000"/>
-                </a:solidFill>
-                <a:latin typeface="Proxima Nova"/>
-                <a:ea typeface="Proxima Nova"/>
-                <a:cs typeface="Proxima Nova"/>
-                <a:sym typeface="Proxima Nova"/>
-              </a:rPr>
-              <a:t>List item 1</a:t>
-            </a:r>
-            <a:endParaRPr sz="2400">
-              <a:solidFill>
-                <a:srgbClr val="000000"/>
-              </a:solidFill>
-              <a:latin typeface="Proxima Nova"/>
-              <a:ea typeface="Proxima Nova"/>
-              <a:cs typeface="Proxima Nova"/>
-              <a:sym typeface="Proxima Nova"/>
-            </a:endParaRPr>
-          </a:p>
-          <a:p>
-            <a:pPr marL="457200" marR="0" lvl="0" indent="-381000" algn="l" rtl="0">
-              <a:lnSpc>
-                <a:spcPct val="100000"/>
-              </a:lnSpc>
-              <a:spcBef>
-                <a:spcPts val="0"/>
-              </a:spcBef>
-              <a:spcAft>
-                <a:spcPts val="0"/>
-              </a:spcAft>
-              <a:buClr>
-                <a:srgbClr val="000000"/>
-              </a:buClr>
-              <a:buSzPts val="2400"/>
-              <a:buFont typeface="Proxima Nova"/>
-              <a:buChar char="●"/>
-            </a:pPr>
-            <a:r>
-              <a:rPr lang="en" sz="2400">
-                <a:latin typeface="Proxima Nova"/>
-                <a:ea typeface="Proxima Nova"/>
-                <a:cs typeface="Proxima Nova"/>
-                <a:sym typeface="Proxima Nova"/>
-              </a:rPr>
-              <a:t>List item 2</a:t>
-            </a:r>
-            <a:endParaRPr sz="2400">
-              <a:solidFill>
-                <a:srgbClr val="000000"/>
-              </a:solidFill>
-              <a:latin typeface="Proxima Nova"/>
-              <a:ea typeface="Proxima Nova"/>
-              <a:cs typeface="Proxima Nova"/>
-              <a:sym typeface="Proxima Nova"/>
-            </a:endParaRPr>
-          </a:p>
-          <a:p>
-            <a:pPr marL="0" lvl="0" indent="0" algn="l" rtl="0">
-              <a:spcBef>
-                <a:spcPts val="600"/>
-              </a:spcBef>
-              <a:spcAft>
-                <a:spcPts val="0"/>
-              </a:spcAft>
-              <a:buClr>
-                <a:schemeClr val="dk1"/>
-              </a:buClr>
-              <a:buSzPts val="1100"/>
-              <a:buFont typeface="Arial"/>
-              <a:buNone/>
-            </a:pPr>
-            <a:r>
-              <a:rPr lang="en" sz="2400" b="1">
-                <a:solidFill>
-                  <a:srgbClr val="000000"/>
-                </a:solidFill>
-                <a:latin typeface="Proxima Nova"/>
-                <a:ea typeface="Proxima Nova"/>
-                <a:cs typeface="Proxima Nova"/>
-                <a:sym typeface="Proxima Nova"/>
-              </a:rPr>
-              <a:t>Heading 2</a:t>
-            </a:r>
-            <a:endParaRPr sz="2400" b="1">
-              <a:solidFill>
-                <a:srgbClr val="000000"/>
-              </a:solidFill>
-              <a:latin typeface="Proxima Nova"/>
-              <a:ea typeface="Proxima Nova"/>
-              <a:cs typeface="Proxima Nova"/>
-              <a:sym typeface="Proxima Nova"/>
-            </a:endParaRPr>
-          </a:p>
-          <a:p>
-            <a:pPr marL="457200" lvl="0" indent="-381000" algn="l" rtl="0">
-              <a:spcBef>
-                <a:spcPts val="600"/>
-              </a:spcBef>
-              <a:spcAft>
-                <a:spcPts val="0"/>
-              </a:spcAft>
-              <a:buSzPts val="2400"/>
-              <a:buChar char="●"/>
-            </a:pPr>
-            <a:r>
-              <a:rPr lang="en" sz="2400"/>
-              <a:t>List item 1</a:t>
-            </a:r>
-            <a:endParaRPr sz="2400"/>
-          </a:p>
-          <a:p>
-            <a:pPr marL="457200" lvl="0" indent="-381000" algn="l" rtl="0">
-              <a:spcBef>
-                <a:spcPts val="0"/>
-              </a:spcBef>
-              <a:spcAft>
-                <a:spcPts val="0"/>
-              </a:spcAft>
-              <a:buSzPts val="2400"/>
-              <a:buChar char="●"/>
-            </a:pPr>
-            <a:r>
-              <a:rPr lang="en" sz="2400"/>
-              <a:t>List item 2</a:t>
-            </a:r>
-            <a:endParaRPr sz="2400">
-              <a:solidFill>
-                <a:srgbClr val="000000"/>
-              </a:solidFill>
-            </a:endParaRPr>
-          </a:p>
-        </p:txBody>
-      </p:sp>
-    </p:spTree>
-  </p:cSld>
-  <p:clrMapOvr>
-    <a:masterClrMapping/>
-  </p:clrMapOvr>
-</p:sld>
-</file>
-
-<file path=ppt/slides/slide9.xml><?xml version="1.0" encoding="utf-8"?>
 <p:sld xmlns:a="http://schemas.openxmlformats.org/drawingml/2006/main" xmlns:r="http://schemas.openxmlformats.org/officeDocument/2006/relationships" xmlns:p="http://schemas.openxmlformats.org/presentationml/2006/main">
   <p:cSld>
     <p:bg>
@@ -8583,33 +10632,6 @@
           <a:chExt cx="0" cy="0"/>
         </a:xfrm>
       </p:grpSpPr>
-      <p:pic>
-        <p:nvPicPr>
-          <p:cNvPr id="58" name="Google Shape;58;p12" descr="WakeUp0.png"/>
-          <p:cNvPicPr preferRelativeResize="0"/>
-          <p:nvPr/>
-        </p:nvPicPr>
-        <p:blipFill rotWithShape="1">
-          <a:blip r:embed="rId3">
-            <a:alphaModFix/>
-          </a:blip>
-          <a:srcRect l="57270" r="556"/>
-          <a:stretch/>
-        </p:blipFill>
-        <p:spPr>
-          <a:xfrm>
-            <a:off x="5110750" y="0"/>
-            <a:ext cx="4135049" cy="5143500"/>
-          </a:xfrm>
-          <a:prstGeom prst="rect">
-            <a:avLst/>
-          </a:prstGeom>
-          <a:noFill/>
-          <a:ln>
-            <a:noFill/>
-          </a:ln>
-        </p:spPr>
-      </p:pic>
       <p:sp>
         <p:nvSpPr>
           <p:cNvPr id="59" name="Google Shape;59;p12"/>
@@ -8645,7 +10667,7 @@
               <a:buNone/>
             </a:pPr>
             <a:r>
-              <a:rPr lang="en">
+              <a:rPr lang="en-US" dirty="0">
                 <a:solidFill>
                   <a:schemeClr val="hlink"/>
                 </a:solidFill>
@@ -8654,9 +10676,9 @@
                 <a:cs typeface="Proxima Nova"/>
                 <a:sym typeface="Proxima Nova"/>
               </a:rPr>
-              <a:t>Slide with some details</a:t>
+              <a:t>Model types</a:t>
             </a:r>
-            <a:endParaRPr>
+            <a:endParaRPr dirty="0">
               <a:latin typeface="Proxima Nova"/>
               <a:ea typeface="Proxima Nova"/>
               <a:cs typeface="Proxima Nova"/>
@@ -8677,8 +10699,8 @@
         </p:nvSpPr>
         <p:spPr>
           <a:xfrm>
-            <a:off x="457200" y="1504950"/>
-            <a:ext cx="4035600" cy="3239700"/>
+            <a:off x="457199" y="1200175"/>
+            <a:ext cx="8133907" cy="3544475"/>
           </a:xfrm>
           <a:prstGeom prst="rect">
             <a:avLst/>
@@ -8690,25 +10712,29 @@
           </a:bodyPr>
           <a:lstStyle/>
           <a:p>
-            <a:pPr marL="0" lvl="0" indent="0" algn="l" rtl="0">
-              <a:spcBef>
-                <a:spcPts val="600"/>
-              </a:spcBef>
-              <a:spcAft>
-                <a:spcPts val="0"/>
-              </a:spcAft>
-              <a:buNone/>
+            <a:pPr lvl="0" indent="-381000">
+              <a:buSzPts val="2400"/>
             </a:pPr>
             <a:r>
-              <a:rPr lang="en" sz="2400" b="1">
+              <a:rPr lang="en-US" sz="2400" dirty="0"/>
+              <a:t>SMA, WMA, </a:t>
+            </a:r>
+            <a:r>
+              <a:rPr lang="en-US" sz="2400" dirty="0">
                 <a:latin typeface="Proxima Nova"/>
                 <a:ea typeface="Proxima Nova"/>
                 <a:cs typeface="Proxima Nova"/>
                 <a:sym typeface="Proxima Nova"/>
               </a:rPr>
-              <a:t>Text</a:t>
+              <a:t>EMA </a:t>
             </a:r>
-            <a:endParaRPr sz="2400" b="1">
+          </a:p>
+          <a:p>
+            <a:pPr marL="76200" lvl="0" indent="0">
+              <a:buSzPts val="2400"/>
+              <a:buNone/>
+            </a:pPr>
+            <a:endParaRPr sz="2400" dirty="0">
               <a:latin typeface="Proxima Nova"/>
               <a:ea typeface="Proxima Nova"/>
               <a:cs typeface="Proxima Nova"/>
@@ -8718,7 +10744,7 @@
           <a:p>
             <a:pPr marL="457200" lvl="0" indent="-381000" algn="l" rtl="0">
               <a:spcBef>
-                <a:spcPts val="600"/>
+                <a:spcPts val="0"/>
               </a:spcBef>
               <a:spcAft>
                 <a:spcPts val="0"/>
@@ -8728,15 +10754,36 @@
               <a:buChar char="●"/>
             </a:pPr>
             <a:r>
-              <a:rPr lang="en" sz="2400">
+              <a:rPr lang="en-US" sz="2400" dirty="0">
                 <a:latin typeface="Proxima Nova"/>
                 <a:ea typeface="Proxima Nova"/>
                 <a:cs typeface="Proxima Nova"/>
                 <a:sym typeface="Proxima Nova"/>
               </a:rPr>
-              <a:t>Smartwatch vibration </a:t>
+              <a:t>ARIMA</a:t>
             </a:r>
-            <a:endParaRPr sz="2400">
+            <a:r>
+              <a:rPr lang="en" sz="2400" dirty="0">
+                <a:latin typeface="Proxima Nova"/>
+                <a:ea typeface="Proxima Nova"/>
+                <a:cs typeface="Proxima Nova"/>
+                <a:sym typeface="Proxima Nova"/>
+              </a:rPr>
+              <a:t> </a:t>
+            </a:r>
+          </a:p>
+          <a:p>
+            <a:pPr marL="76200" lvl="0" indent="0" algn="l" rtl="0">
+              <a:spcBef>
+                <a:spcPts val="0"/>
+              </a:spcBef>
+              <a:spcAft>
+                <a:spcPts val="0"/>
+              </a:spcAft>
+              <a:buSzPts val="2400"/>
+              <a:buNone/>
+            </a:pPr>
+            <a:endParaRPr sz="2400" dirty="0">
               <a:latin typeface="Proxima Nova"/>
               <a:ea typeface="Proxima Nova"/>
               <a:cs typeface="Proxima Nova"/>
@@ -8756,15 +10803,15 @@
               <a:buChar char="●"/>
             </a:pPr>
             <a:r>
-              <a:rPr lang="en" sz="2400">
+              <a:rPr lang="en-US" sz="2400" dirty="0">
                 <a:latin typeface="Proxima Nova"/>
                 <a:ea typeface="Proxima Nova"/>
                 <a:cs typeface="Proxima Nova"/>
                 <a:sym typeface="Proxima Nova"/>
               </a:rPr>
-              <a:t>Smartphone notification </a:t>
+              <a:t>Regression</a:t>
             </a:r>
-            <a:endParaRPr sz="2400">
+            <a:endParaRPr lang="uk-UA" sz="2400" dirty="0">
               <a:latin typeface="Proxima Nova"/>
               <a:ea typeface="Proxima Nova"/>
               <a:cs typeface="Proxima Nova"/>
@@ -8783,16 +10830,25 @@
               <a:buFont typeface="Proxima Nova"/>
               <a:buChar char="●"/>
             </a:pPr>
+            <a:endParaRPr lang="uk-UA" sz="2400" dirty="0"/>
+          </a:p>
+          <a:p>
+            <a:pPr marL="457200" lvl="0" indent="-381000" algn="l" rtl="0">
+              <a:spcBef>
+                <a:spcPts val="0"/>
+              </a:spcBef>
+              <a:spcAft>
+                <a:spcPts val="0"/>
+              </a:spcAft>
+              <a:buSzPts val="2400"/>
+              <a:buFont typeface="Proxima Nova"/>
+              <a:buChar char="●"/>
+            </a:pPr>
             <a:r>
-              <a:rPr lang="en" sz="2400">
-                <a:latin typeface="Proxima Nova"/>
-                <a:ea typeface="Proxima Nova"/>
-                <a:cs typeface="Proxima Nova"/>
-                <a:sym typeface="Proxima Nova"/>
-              </a:rPr>
-              <a:t>Music volume up</a:t>
+              <a:rPr lang="en-US" sz="2400" dirty="0"/>
+              <a:t>Machine learning</a:t>
             </a:r>
-            <a:endParaRPr sz="2400">
+            <a:endParaRPr sz="2400" dirty="0">
               <a:latin typeface="Proxima Nova"/>
               <a:ea typeface="Proxima Nova"/>
               <a:cs typeface="Proxima Nova"/>
@@ -8802,6 +10858,129 @@
         </p:txBody>
       </p:sp>
     </p:spTree>
+    <p:extLst>
+      <p:ext uri="{BB962C8B-B14F-4D97-AF65-F5344CB8AC3E}">
+        <p14:creationId xmlns:p14="http://schemas.microsoft.com/office/powerpoint/2010/main" val="997412569"/>
+      </p:ext>
+    </p:extLst>
+  </p:cSld>
+  <p:clrMapOvr>
+    <a:masterClrMapping/>
+  </p:clrMapOvr>
+</p:sld>
+</file>
+
+<file path=ppt/slides/slide9.xml><?xml version="1.0" encoding="utf-8"?>
+<p:sld xmlns:a="http://schemas.openxmlformats.org/drawingml/2006/main" xmlns:r="http://schemas.openxmlformats.org/officeDocument/2006/relationships" xmlns:p="http://schemas.openxmlformats.org/presentationml/2006/main">
+  <p:cSld>
+    <p:spTree>
+      <p:nvGrpSpPr>
+        <p:cNvPr id="1" name="Shape 44"/>
+        <p:cNvGrpSpPr/>
+        <p:nvPr/>
+      </p:nvGrpSpPr>
+      <p:grpSpPr>
+        <a:xfrm>
+          <a:off x="0" y="0"/>
+          <a:ext cx="0" cy="0"/>
+          <a:chOff x="0" y="0"/>
+          <a:chExt cx="0" cy="0"/>
+        </a:xfrm>
+      </p:grpSpPr>
+      <p:sp>
+        <p:nvSpPr>
+          <p:cNvPr id="45" name="Google Shape;45;p10"/>
+          <p:cNvSpPr txBox="1">
+            <a:spLocks noGrp="1"/>
+          </p:cNvSpPr>
+          <p:nvPr>
+            <p:ph type="title"/>
+          </p:nvPr>
+        </p:nvSpPr>
+        <p:spPr>
+          <a:xfrm>
+            <a:off x="457200" y="358377"/>
+            <a:ext cx="8229600" cy="910441"/>
+          </a:xfrm>
+          <a:prstGeom prst="rect">
+            <a:avLst/>
+          </a:prstGeom>
+        </p:spPr>
+        <p:txBody>
+          <a:bodyPr spcFirstLastPara="1" wrap="square" lIns="91425" tIns="91425" rIns="91425" bIns="91425" anchor="t" anchorCtr="0">
+            <a:noAutofit/>
+          </a:bodyPr>
+          <a:lstStyle/>
+          <a:p>
+            <a:pPr marL="0" lvl="0" indent="0" algn="l" rtl="0">
+              <a:spcBef>
+                <a:spcPts val="0"/>
+              </a:spcBef>
+              <a:spcAft>
+                <a:spcPts val="0"/>
+              </a:spcAft>
+              <a:buNone/>
+            </a:pPr>
+            <a:r>
+              <a:rPr lang="en-US" dirty="0">
+                <a:solidFill>
+                  <a:srgbClr val="1155CC"/>
+                </a:solidFill>
+                <a:latin typeface="Proxima Nova"/>
+                <a:ea typeface="Proxima Nova"/>
+                <a:cs typeface="Proxima Nova"/>
+                <a:sym typeface="Proxima Nova"/>
+              </a:rPr>
+              <a:t>EMA 5,10,20</a:t>
+            </a:r>
+            <a:endParaRPr dirty="0">
+              <a:solidFill>
+                <a:srgbClr val="1155CC"/>
+              </a:solidFill>
+              <a:latin typeface="Proxima Nova"/>
+              <a:ea typeface="Proxima Nova"/>
+              <a:cs typeface="Proxima Nova"/>
+              <a:sym typeface="Proxima Nova"/>
+            </a:endParaRPr>
+          </a:p>
+        </p:txBody>
+      </p:sp>
+      <p:pic>
+        <p:nvPicPr>
+          <p:cNvPr id="4" name="Picture 3">
+            <a:extLst>
+              <a:ext uri="{FF2B5EF4-FFF2-40B4-BE49-F238E27FC236}">
+                <a16:creationId xmlns:a16="http://schemas.microsoft.com/office/drawing/2014/main" id="{647D2E29-6724-4AA8-AEAB-4BF38D65CB28}"/>
+              </a:ext>
+            </a:extLst>
+          </p:cNvPr>
+          <p:cNvPicPr>
+            <a:picLocks noChangeAspect="1"/>
+          </p:cNvPicPr>
+          <p:nvPr/>
+        </p:nvPicPr>
+        <p:blipFill>
+          <a:blip r:embed="rId3"/>
+          <a:stretch>
+            <a:fillRect/>
+          </a:stretch>
+        </p:blipFill>
+        <p:spPr>
+          <a:xfrm>
+            <a:off x="0" y="942753"/>
+            <a:ext cx="9144000" cy="4139232"/>
+          </a:xfrm>
+          <a:prstGeom prst="rect">
+            <a:avLst/>
+          </a:prstGeom>
+        </p:spPr>
+      </p:pic>
+    </p:spTree>
+    <p:extLst>
+      <p:ext uri="{BB962C8B-B14F-4D97-AF65-F5344CB8AC3E}">
+        <p14:creationId xmlns:p14="http://schemas.microsoft.com/office/powerpoint/2010/main" val="3822690145"/>
+      </p:ext>
+    </p:extLst>
   </p:cSld>
   <p:clrMapOvr>
     <a:masterClrMapping/>
